--- a/presentation/FunctionalProgramming0.pptx
+++ b/presentation/FunctionalProgramming0.pptx
@@ -11,6 +11,7 @@
     <p:sldId id="259" r:id="rId5"/>
     <p:sldId id="260" r:id="rId6"/>
     <p:sldId id="261" r:id="rId7"/>
+    <p:sldId id="262" r:id="rId8"/>
   </p:sldIdLst>
   <p:sldSz cx="9144000" cy="6858000" type="screen4x3"/>
   <p:notesSz cx="6858000" cy="9144000"/>
@@ -293,7 +294,7 @@
           <a:p>
             <a:fld id="{17AEFA35-710C-194C-96B4-31CA43E62063}" type="datetimeFigureOut">
               <a:rPr lang="en-US" smtClean="0"/>
-              <a:t>03.12.14</a:t>
+              <a:t>02.02.15</a:t>
             </a:fld>
             <a:endParaRPr lang="en-US"/>
           </a:p>
@@ -463,7 +464,7 @@
           <a:p>
             <a:fld id="{17AEFA35-710C-194C-96B4-31CA43E62063}" type="datetimeFigureOut">
               <a:rPr lang="en-US" smtClean="0"/>
-              <a:t>03.12.14</a:t>
+              <a:t>02.02.15</a:t>
             </a:fld>
             <a:endParaRPr lang="en-US"/>
           </a:p>
@@ -643,7 +644,7 @@
           <a:p>
             <a:fld id="{17AEFA35-710C-194C-96B4-31CA43E62063}" type="datetimeFigureOut">
               <a:rPr lang="en-US" smtClean="0"/>
-              <a:t>03.12.14</a:t>
+              <a:t>02.02.15</a:t>
             </a:fld>
             <a:endParaRPr lang="en-US"/>
           </a:p>
@@ -813,7 +814,7 @@
           <a:p>
             <a:fld id="{17AEFA35-710C-194C-96B4-31CA43E62063}" type="datetimeFigureOut">
               <a:rPr lang="en-US" smtClean="0"/>
-              <a:t>03.12.14</a:t>
+              <a:t>02.02.15</a:t>
             </a:fld>
             <a:endParaRPr lang="en-US"/>
           </a:p>
@@ -1059,7 +1060,7 @@
           <a:p>
             <a:fld id="{17AEFA35-710C-194C-96B4-31CA43E62063}" type="datetimeFigureOut">
               <a:rPr lang="en-US" smtClean="0"/>
-              <a:t>03.12.14</a:t>
+              <a:t>02.02.15</a:t>
             </a:fld>
             <a:endParaRPr lang="en-US"/>
           </a:p>
@@ -1347,7 +1348,7 @@
           <a:p>
             <a:fld id="{17AEFA35-710C-194C-96B4-31CA43E62063}" type="datetimeFigureOut">
               <a:rPr lang="en-US" smtClean="0"/>
-              <a:t>03.12.14</a:t>
+              <a:t>02.02.15</a:t>
             </a:fld>
             <a:endParaRPr lang="en-US"/>
           </a:p>
@@ -1769,7 +1770,7 @@
           <a:p>
             <a:fld id="{17AEFA35-710C-194C-96B4-31CA43E62063}" type="datetimeFigureOut">
               <a:rPr lang="en-US" smtClean="0"/>
-              <a:t>03.12.14</a:t>
+              <a:t>02.02.15</a:t>
             </a:fld>
             <a:endParaRPr lang="en-US"/>
           </a:p>
@@ -1887,7 +1888,7 @@
           <a:p>
             <a:fld id="{17AEFA35-710C-194C-96B4-31CA43E62063}" type="datetimeFigureOut">
               <a:rPr lang="en-US" smtClean="0"/>
-              <a:t>03.12.14</a:t>
+              <a:t>02.02.15</a:t>
             </a:fld>
             <a:endParaRPr lang="en-US"/>
           </a:p>
@@ -1982,7 +1983,7 @@
           <a:p>
             <a:fld id="{17AEFA35-710C-194C-96B4-31CA43E62063}" type="datetimeFigureOut">
               <a:rPr lang="en-US" smtClean="0"/>
-              <a:t>03.12.14</a:t>
+              <a:t>02.02.15</a:t>
             </a:fld>
             <a:endParaRPr lang="en-US"/>
           </a:p>
@@ -2259,7 +2260,7 @@
           <a:p>
             <a:fld id="{17AEFA35-710C-194C-96B4-31CA43E62063}" type="datetimeFigureOut">
               <a:rPr lang="en-US" smtClean="0"/>
-              <a:t>03.12.14</a:t>
+              <a:t>02.02.15</a:t>
             </a:fld>
             <a:endParaRPr lang="en-US"/>
           </a:p>
@@ -2512,7 +2513,7 @@
           <a:p>
             <a:fld id="{17AEFA35-710C-194C-96B4-31CA43E62063}" type="datetimeFigureOut">
               <a:rPr lang="en-US" smtClean="0"/>
-              <a:t>03.12.14</a:t>
+              <a:t>02.02.15</a:t>
             </a:fld>
             <a:endParaRPr lang="en-US"/>
           </a:p>
@@ -2725,7 +2726,7 @@
           <a:p>
             <a:fld id="{17AEFA35-710C-194C-96B4-31CA43E62063}" type="datetimeFigureOut">
               <a:rPr lang="en-US" smtClean="0"/>
-              <a:t>03.12.14</a:t>
+              <a:t>02.02.15</a:t>
             </a:fld>
             <a:endParaRPr lang="en-US"/>
           </a:p>
@@ -3255,8 +3256,12 @@
               <a:t> </a:t>
             </a:r>
             <a:r>
-              <a:rPr lang="en-US" dirty="0" err="1" smtClean="0"/>
-              <a:t>programmering</a:t>
+              <a:rPr lang="en-US" dirty="0" err="1"/>
+              <a:t>P</a:t>
+            </a:r>
+            <a:r>
+              <a:rPr lang="en-US" dirty="0" err="1" smtClean="0"/>
+              <a:t>rogrammering</a:t>
             </a:r>
             <a:r>
               <a:rPr lang="en-US" dirty="0" smtClean="0"/>
@@ -3298,12 +3303,16 @@
           <a:p>
             <a:r>
               <a:rPr lang="en-US" dirty="0" smtClean="0"/>
-              <a:t>“Pure” </a:t>
+              <a:t>Rene </a:t>
             </a:r>
             <a:r>
               <a:rPr lang="en-US" dirty="0" err="1" smtClean="0"/>
               <a:t>funksjoner</a:t>
             </a:r>
+            <a:r>
+              <a:rPr lang="en-US" dirty="0" smtClean="0"/>
+              <a:t> (pure functions)</a:t>
+            </a:r>
             <a:endParaRPr lang="en-US" dirty="0" smtClean="0"/>
           </a:p>
           <a:p>
@@ -3339,7 +3348,7 @@
               <a:t> </a:t>
             </a:r>
             <a:r>
-              <a:rPr lang="en-US" smtClean="0"/>
+              <a:rPr lang="en-US" dirty="0" err="1" smtClean="0"/>
               <a:t>funksjoner</a:t>
             </a:r>
             <a:endParaRPr lang="en-US" dirty="0" smtClean="0"/>
@@ -3388,11 +3397,11 @@
           <a:p>
             <a:r>
               <a:rPr lang="en-US" dirty="0" smtClean="0"/>
-              <a:t>Expressions </a:t>
-            </a:r>
-            <a:r>
-              <a:rPr lang="en-US" dirty="0" err="1" smtClean="0"/>
-              <a:t>ikke</a:t>
+              <a:t>Expressions, </a:t>
+            </a:r>
+            <a:r>
+              <a:rPr lang="en-US" dirty="0" smtClean="0"/>
+              <a:t>not</a:t>
             </a:r>
             <a:r>
               <a:rPr lang="en-US" dirty="0" smtClean="0"/>
@@ -3449,7 +3458,7 @@
           <a:p>
             <a:r>
               <a:rPr lang="en-US" dirty="0" err="1" smtClean="0"/>
-              <a:t>Fordeler</a:t>
+              <a:t>Førsteklasses</a:t>
             </a:r>
             <a:r>
               <a:rPr lang="en-US" dirty="0" smtClean="0"/>
@@ -3457,7 +3466,34 @@
             </a:r>
             <a:r>
               <a:rPr lang="en-US" dirty="0" err="1" smtClean="0"/>
-              <a:t>førsteklasse</a:t>
+              <a:t>funksjoner</a:t>
+            </a:r>
+            <a:r>
+              <a:rPr lang="en-US" dirty="0" smtClean="0"/>
+              <a:t>	</a:t>
+            </a:r>
+            <a:endParaRPr lang="en-US" dirty="0"/>
+          </a:p>
+        </p:txBody>
+      </p:sp>
+      <p:sp>
+        <p:nvSpPr>
+          <p:cNvPr id="3" name="Content Placeholder 2"/>
+          <p:cNvSpPr>
+            <a:spLocks noGrp="1"/>
+          </p:cNvSpPr>
+          <p:nvPr>
+            <p:ph idx="1"/>
+          </p:nvPr>
+        </p:nvSpPr>
+        <p:spPr/>
+        <p:txBody>
+          <a:bodyPr/>
+          <a:lstStyle/>
+          <a:p>
+            <a:r>
+              <a:rPr lang="en-US" dirty="0" err="1" smtClean="0"/>
+              <a:t>Hva</a:t>
             </a:r>
             <a:r>
               <a:rPr lang="en-US" dirty="0" smtClean="0"/>
@@ -3465,34 +3501,7 @@
             </a:r>
             <a:r>
               <a:rPr lang="en-US" dirty="0" err="1" smtClean="0"/>
-              <a:t>funksjoner</a:t>
-            </a:r>
-            <a:r>
-              <a:rPr lang="en-US" dirty="0" smtClean="0"/>
-              <a:t>	</a:t>
-            </a:r>
-            <a:endParaRPr lang="en-US" dirty="0"/>
-          </a:p>
-        </p:txBody>
-      </p:sp>
-      <p:sp>
-        <p:nvSpPr>
-          <p:cNvPr id="3" name="Content Placeholder 2"/>
-          <p:cNvSpPr>
-            <a:spLocks noGrp="1"/>
-          </p:cNvSpPr>
-          <p:nvPr>
-            <p:ph idx="1"/>
-          </p:nvPr>
-        </p:nvSpPr>
-        <p:spPr/>
-        <p:txBody>
-          <a:bodyPr/>
-          <a:lstStyle/>
-          <a:p>
-            <a:r>
-              <a:rPr lang="en-US" dirty="0" err="1" smtClean="0"/>
-              <a:t>Flere</a:t>
+              <a:t>er</a:t>
             </a:r>
             <a:r>
               <a:rPr lang="en-US" dirty="0" smtClean="0"/>
@@ -3500,38 +3509,22 @@
             </a:r>
             <a:r>
               <a:rPr lang="en-US" dirty="0" err="1" smtClean="0"/>
-              <a:t>verktøy</a:t>
-            </a:r>
-            <a:r>
-              <a:rPr lang="en-US" dirty="0" smtClean="0"/>
-              <a:t> </a:t>
-            </a:r>
-            <a:r>
-              <a:rPr lang="en-US" dirty="0" err="1" smtClean="0"/>
-              <a:t>i</a:t>
-            </a:r>
-            <a:r>
-              <a:rPr lang="en-US" dirty="0" smtClean="0"/>
-              <a:t> </a:t>
-            </a:r>
-            <a:r>
-              <a:rPr lang="en-US" dirty="0" err="1" smtClean="0"/>
-              <a:t>verktøy</a:t>
-            </a:r>
-            <a:r>
-              <a:rPr lang="en-US" dirty="0" err="1" smtClean="0"/>
-              <a:t>kassa</a:t>
-            </a:r>
-            <a:endParaRPr lang="en-US" dirty="0" smtClean="0"/>
-          </a:p>
-          <a:p>
-            <a:r>
-              <a:rPr lang="en-US" dirty="0" err="1" smtClean="0"/>
-              <a:t>Lesbarhet</a:t>
-            </a:r>
-            <a:endParaRPr lang="en-US" dirty="0" smtClean="0"/>
-          </a:p>
-          <a:p>
+              <a:t>det</a:t>
+            </a:r>
+            <a:r>
+              <a:rPr lang="en-US" dirty="0" smtClean="0"/>
+              <a:t>??</a:t>
+            </a:r>
+          </a:p>
+          <a:p>
+            <a:r>
+              <a:rPr lang="en-US" dirty="0" err="1" smtClean="0"/>
+              <a:t>Hvorfor</a:t>
+            </a:r>
+            <a:r>
+              <a:rPr lang="en-US" dirty="0" smtClean="0"/>
+              <a:t>?</a:t>
+            </a:r>
             <a:endParaRPr lang="en-US" dirty="0" smtClean="0"/>
           </a:p>
         </p:txBody>
@@ -3582,17 +3575,41 @@
           <a:lstStyle/>
           <a:p>
             <a:r>
-              <a:rPr lang="en-US" dirty="0" err="1" smtClean="0"/>
-              <a:t>Fordeler</a:t>
-            </a:r>
-            <a:r>
-              <a:rPr lang="en-US" dirty="0" smtClean="0"/>
-              <a:t> “pure” </a:t>
+              <a:rPr lang="en-US" dirty="0" smtClean="0"/>
+              <a:t>R</a:t>
+            </a:r>
+            <a:r>
+              <a:rPr lang="en-US" dirty="0" smtClean="0"/>
+              <a:t>ene</a:t>
+            </a:r>
+            <a:r>
+              <a:rPr lang="en-US" dirty="0" smtClean="0"/>
+              <a:t> </a:t>
             </a:r>
             <a:r>
               <a:rPr lang="en-US" dirty="0" err="1" smtClean="0"/>
               <a:t>funksjoner</a:t>
             </a:r>
+            <a:r>
+              <a:rPr lang="en-US" dirty="0" smtClean="0"/>
+              <a:t>(</a:t>
+            </a:r>
+            <a:r>
+              <a:rPr lang="en-US" dirty="0" err="1" smtClean="0"/>
+              <a:t>Hva</a:t>
+            </a:r>
+            <a:r>
+              <a:rPr lang="en-US" dirty="0" smtClean="0"/>
+              <a:t>, </a:t>
+            </a:r>
+            <a:r>
+              <a:rPr lang="en-US" dirty="0" err="1" smtClean="0"/>
+              <a:t>hvorfor</a:t>
+            </a:r>
+            <a:r>
+              <a:rPr lang="en-US" dirty="0" smtClean="0"/>
+              <a:t>)</a:t>
+            </a:r>
             <a:endParaRPr lang="en-US" dirty="0"/>
           </a:p>
         </p:txBody>
@@ -3614,6 +3631,68 @@
           <a:p>
             <a:r>
               <a:rPr lang="en-US" dirty="0" err="1" smtClean="0"/>
+              <a:t>Funksjoner</a:t>
+            </a:r>
+            <a:r>
+              <a:rPr lang="en-US" dirty="0" smtClean="0"/>
+              <a:t> </a:t>
+            </a:r>
+            <a:r>
+              <a:rPr lang="en-US" dirty="0" err="1" smtClean="0"/>
+              <a:t>uten</a:t>
+            </a:r>
+            <a:r>
+              <a:rPr lang="en-US" dirty="0" smtClean="0"/>
+              <a:t> </a:t>
+            </a:r>
+            <a:r>
+              <a:rPr lang="en-US" dirty="0" smtClean="0"/>
+              <a:t>side-</a:t>
+            </a:r>
+            <a:r>
+              <a:rPr lang="en-US" dirty="0" err="1" smtClean="0"/>
+              <a:t>effekter</a:t>
+            </a:r>
+            <a:endParaRPr lang="en-US" dirty="0" smtClean="0"/>
+          </a:p>
+          <a:p>
+            <a:r>
+              <a:rPr lang="en-US" dirty="0" err="1" smtClean="0"/>
+              <a:t>Mer</a:t>
+            </a:r>
+            <a:r>
+              <a:rPr lang="en-US" dirty="0" smtClean="0"/>
+              <a:t> </a:t>
+            </a:r>
+            <a:r>
+              <a:rPr lang="en-US" dirty="0" err="1" smtClean="0"/>
+              <a:t>utfyllende</a:t>
+            </a:r>
+            <a:r>
+              <a:rPr lang="en-US" dirty="0" smtClean="0"/>
+              <a:t> </a:t>
+            </a:r>
+            <a:r>
+              <a:rPr lang="en-US" dirty="0" err="1" smtClean="0"/>
+              <a:t>om</a:t>
+            </a:r>
+            <a:r>
+              <a:rPr lang="en-US" dirty="0" smtClean="0"/>
+              <a:t> </a:t>
+            </a:r>
+            <a:r>
+              <a:rPr lang="en-US" dirty="0" err="1" smtClean="0"/>
+              <a:t>hva</a:t>
+            </a:r>
+            <a:r>
+              <a:rPr lang="en-US" dirty="0" smtClean="0"/>
+              <a:t>…</a:t>
+            </a:r>
+            <a:endParaRPr lang="en-US" dirty="0" smtClean="0"/>
+          </a:p>
+          <a:p>
+            <a:r>
+              <a:rPr lang="en-US" dirty="0" err="1" smtClean="0"/>
               <a:t>Resonering</a:t>
             </a:r>
             <a:r>
@@ -3662,13 +3741,71 @@
               <a:rPr lang="en-US" dirty="0" err="1" smtClean="0"/>
               <a:t>funksjoner</a:t>
             </a:r>
+            <a:r>
+              <a:rPr lang="en-US" dirty="0" smtClean="0"/>
+              <a:t>(</a:t>
+            </a:r>
+            <a:r>
+              <a:rPr lang="en-US" dirty="0" err="1" smtClean="0"/>
+              <a:t>egen</a:t>
+            </a:r>
+            <a:r>
+              <a:rPr lang="en-US" dirty="0" smtClean="0"/>
+              <a:t> slide)</a:t>
+            </a:r>
             <a:endParaRPr lang="en-US" dirty="0" smtClean="0"/>
           </a:p>
           <a:p>
             <a:r>
               <a:rPr lang="en-US" dirty="0" err="1" smtClean="0"/>
-              <a:t>paralellprosessering</a:t>
-            </a:r>
+              <a:t>Parallellprosessering</a:t>
+            </a:r>
+            <a:endParaRPr lang="en-US" dirty="0" smtClean="0"/>
+          </a:p>
+          <a:p>
+            <a:r>
+              <a:rPr lang="en-US" dirty="0" smtClean="0"/>
+              <a:t>Ref transparency, </a:t>
+            </a:r>
+            <a:r>
+              <a:rPr lang="en-US" dirty="0" err="1" smtClean="0"/>
+              <a:t>når</a:t>
+            </a:r>
+            <a:r>
+              <a:rPr lang="en-US" dirty="0" smtClean="0"/>
+              <a:t> du bare </a:t>
+            </a:r>
+            <a:r>
+              <a:rPr lang="en-US" dirty="0" err="1" smtClean="0"/>
+              <a:t>kan</a:t>
+            </a:r>
+            <a:r>
+              <a:rPr lang="en-US" dirty="0" smtClean="0"/>
+              <a:t> </a:t>
+            </a:r>
+            <a:r>
+              <a:rPr lang="en-US" dirty="0" err="1" smtClean="0"/>
+              <a:t>bytte</a:t>
+            </a:r>
+            <a:r>
+              <a:rPr lang="en-US" dirty="0" smtClean="0"/>
+              <a:t> </a:t>
+            </a:r>
+            <a:r>
+              <a:rPr lang="en-US" dirty="0" err="1"/>
+              <a:t>u</a:t>
+            </a:r>
+            <a:r>
+              <a:rPr lang="en-US" dirty="0" err="1" smtClean="0"/>
+              <a:t>t</a:t>
+            </a:r>
+            <a:r>
+              <a:rPr lang="en-US" dirty="0" smtClean="0"/>
+              <a:t>…</a:t>
+            </a:r>
+            <a:endParaRPr lang="en-US" dirty="0" smtClean="0"/>
+          </a:p>
+          <a:p>
             <a:endParaRPr lang="en-US" dirty="0"/>
           </a:p>
         </p:txBody>
@@ -3834,7 +3971,15 @@
           <a:bodyPr/>
           <a:lstStyle/>
           <a:p>
-            <a:endParaRPr lang="en-US"/>
+            <a:r>
+              <a:rPr lang="en-US" dirty="0" smtClean="0"/>
+              <a:t>Fold left/right </a:t>
+            </a:r>
+            <a:r>
+              <a:rPr lang="en-US" dirty="0" err="1" smtClean="0"/>
+              <a:t>grafisk</a:t>
+            </a:r>
+            <a:endParaRPr lang="en-US" dirty="0"/>
           </a:p>
         </p:txBody>
       </p:sp>
@@ -3853,7 +3998,7 @@
           <a:bodyPr/>
           <a:lstStyle/>
           <a:p>
-            <a:endParaRPr lang="en-US"/>
+            <a:endParaRPr lang="en-US" dirty="0"/>
           </a:p>
         </p:txBody>
       </p:sp>
@@ -3861,6 +4006,78 @@
     <p:extLst>
       <p:ext uri="{BB962C8B-B14F-4D97-AF65-F5344CB8AC3E}">
         <p14:creationId xmlns:p14="http://schemas.microsoft.com/office/powerpoint/2010/main" val="3032431018"/>
+      </p:ext>
+    </p:extLst>
+  </p:cSld>
+  <p:clrMapOvr>
+    <a:masterClrMapping/>
+  </p:clrMapOvr>
+</p:sld>
+</file>
+
+<file path=ppt/slides/slide7.xml><?xml version="1.0" encoding="utf-8"?>
+<p:sld xmlns:a="http://schemas.openxmlformats.org/drawingml/2006/main" xmlns:r="http://schemas.openxmlformats.org/officeDocument/2006/relationships" xmlns:p="http://schemas.openxmlformats.org/presentationml/2006/main">
+  <p:cSld>
+    <p:spTree>
+      <p:nvGrpSpPr>
+        <p:cNvPr id="1" name=""/>
+        <p:cNvGrpSpPr/>
+        <p:nvPr/>
+      </p:nvGrpSpPr>
+      <p:grpSpPr>
+        <a:xfrm>
+          <a:off x="0" y="0"/>
+          <a:ext cx="0" cy="0"/>
+          <a:chOff x="0" y="0"/>
+          <a:chExt cx="0" cy="0"/>
+        </a:xfrm>
+      </p:grpSpPr>
+      <p:sp>
+        <p:nvSpPr>
+          <p:cNvPr id="2" name="Title 1"/>
+          <p:cNvSpPr>
+            <a:spLocks noGrp="1"/>
+          </p:cNvSpPr>
+          <p:nvPr>
+            <p:ph type="title"/>
+          </p:nvPr>
+        </p:nvSpPr>
+        <p:spPr/>
+        <p:txBody>
+          <a:bodyPr/>
+          <a:lstStyle/>
+          <a:p>
+            <a:r>
+              <a:rPr lang="en-US" dirty="0" smtClean="0"/>
+              <a:t>Map / filter </a:t>
+            </a:r>
+            <a:endParaRPr lang="en-US" dirty="0"/>
+          </a:p>
+        </p:txBody>
+      </p:sp>
+      <p:sp>
+        <p:nvSpPr>
+          <p:cNvPr id="3" name="Content Placeholder 2"/>
+          <p:cNvSpPr>
+            <a:spLocks noGrp="1"/>
+          </p:cNvSpPr>
+          <p:nvPr>
+            <p:ph idx="1"/>
+          </p:nvPr>
+        </p:nvSpPr>
+        <p:spPr/>
+        <p:txBody>
+          <a:bodyPr/>
+          <a:lstStyle/>
+          <a:p>
+            <a:endParaRPr lang="en-US" dirty="0"/>
+          </a:p>
+        </p:txBody>
+      </p:sp>
+    </p:spTree>
+    <p:extLst>
+      <p:ext uri="{BB962C8B-B14F-4D97-AF65-F5344CB8AC3E}">
+        <p14:creationId xmlns:p14="http://schemas.microsoft.com/office/powerpoint/2010/main" val="1192375539"/>
       </p:ext>
     </p:extLst>
   </p:cSld>

--- a/presentation/FunctionalProgramming0.pptx
+++ b/presentation/FunctionalProgramming0.pptx
@@ -6,12 +6,20 @@
   </p:sldMasterIdLst>
   <p:sldIdLst>
     <p:sldId id="256" r:id="rId2"/>
-    <p:sldId id="257" r:id="rId3"/>
+    <p:sldId id="272" r:id="rId3"/>
     <p:sldId id="258" r:id="rId4"/>
-    <p:sldId id="259" r:id="rId5"/>
-    <p:sldId id="260" r:id="rId6"/>
-    <p:sldId id="261" r:id="rId7"/>
-    <p:sldId id="262" r:id="rId8"/>
+    <p:sldId id="264" r:id="rId5"/>
+    <p:sldId id="274" r:id="rId6"/>
+    <p:sldId id="260" r:id="rId7"/>
+    <p:sldId id="270" r:id="rId8"/>
+    <p:sldId id="265" r:id="rId9"/>
+    <p:sldId id="266" r:id="rId10"/>
+    <p:sldId id="267" r:id="rId11"/>
+    <p:sldId id="268" r:id="rId12"/>
+    <p:sldId id="269" r:id="rId13"/>
+    <p:sldId id="271" r:id="rId14"/>
+    <p:sldId id="261" r:id="rId15"/>
+    <p:sldId id="273" r:id="rId16"/>
   </p:sldIdLst>
   <p:sldSz cx="9144000" cy="6858000" type="screen4x3"/>
   <p:notesSz cx="6858000" cy="9144000"/>
@@ -294,7 +302,7 @@
           <a:p>
             <a:fld id="{17AEFA35-710C-194C-96B4-31CA43E62063}" type="datetimeFigureOut">
               <a:rPr lang="en-US" smtClean="0"/>
-              <a:t>02.02.15</a:t>
+              <a:t>10.02.15</a:t>
             </a:fld>
             <a:endParaRPr lang="en-US"/>
           </a:p>
@@ -464,7 +472,7 @@
           <a:p>
             <a:fld id="{17AEFA35-710C-194C-96B4-31CA43E62063}" type="datetimeFigureOut">
               <a:rPr lang="en-US" smtClean="0"/>
-              <a:t>02.02.15</a:t>
+              <a:t>10.02.15</a:t>
             </a:fld>
             <a:endParaRPr lang="en-US"/>
           </a:p>
@@ -644,7 +652,7 @@
           <a:p>
             <a:fld id="{17AEFA35-710C-194C-96B4-31CA43E62063}" type="datetimeFigureOut">
               <a:rPr lang="en-US" smtClean="0"/>
-              <a:t>02.02.15</a:t>
+              <a:t>10.02.15</a:t>
             </a:fld>
             <a:endParaRPr lang="en-US"/>
           </a:p>
@@ -814,7 +822,7 @@
           <a:p>
             <a:fld id="{17AEFA35-710C-194C-96B4-31CA43E62063}" type="datetimeFigureOut">
               <a:rPr lang="en-US" smtClean="0"/>
-              <a:t>02.02.15</a:t>
+              <a:t>10.02.15</a:t>
             </a:fld>
             <a:endParaRPr lang="en-US"/>
           </a:p>
@@ -1060,7 +1068,7 @@
           <a:p>
             <a:fld id="{17AEFA35-710C-194C-96B4-31CA43E62063}" type="datetimeFigureOut">
               <a:rPr lang="en-US" smtClean="0"/>
-              <a:t>02.02.15</a:t>
+              <a:t>10.02.15</a:t>
             </a:fld>
             <a:endParaRPr lang="en-US"/>
           </a:p>
@@ -1348,7 +1356,7 @@
           <a:p>
             <a:fld id="{17AEFA35-710C-194C-96B4-31CA43E62063}" type="datetimeFigureOut">
               <a:rPr lang="en-US" smtClean="0"/>
-              <a:t>02.02.15</a:t>
+              <a:t>10.02.15</a:t>
             </a:fld>
             <a:endParaRPr lang="en-US"/>
           </a:p>
@@ -1770,7 +1778,7 @@
           <a:p>
             <a:fld id="{17AEFA35-710C-194C-96B4-31CA43E62063}" type="datetimeFigureOut">
               <a:rPr lang="en-US" smtClean="0"/>
-              <a:t>02.02.15</a:t>
+              <a:t>10.02.15</a:t>
             </a:fld>
             <a:endParaRPr lang="en-US"/>
           </a:p>
@@ -1888,7 +1896,7 @@
           <a:p>
             <a:fld id="{17AEFA35-710C-194C-96B4-31CA43E62063}" type="datetimeFigureOut">
               <a:rPr lang="en-US" smtClean="0"/>
-              <a:t>02.02.15</a:t>
+              <a:t>10.02.15</a:t>
             </a:fld>
             <a:endParaRPr lang="en-US"/>
           </a:p>
@@ -1983,7 +1991,7 @@
           <a:p>
             <a:fld id="{17AEFA35-710C-194C-96B4-31CA43E62063}" type="datetimeFigureOut">
               <a:rPr lang="en-US" smtClean="0"/>
-              <a:t>02.02.15</a:t>
+              <a:t>10.02.15</a:t>
             </a:fld>
             <a:endParaRPr lang="en-US"/>
           </a:p>
@@ -2260,7 +2268,7 @@
           <a:p>
             <a:fld id="{17AEFA35-710C-194C-96B4-31CA43E62063}" type="datetimeFigureOut">
               <a:rPr lang="en-US" smtClean="0"/>
-              <a:t>02.02.15</a:t>
+              <a:t>10.02.15</a:t>
             </a:fld>
             <a:endParaRPr lang="en-US"/>
           </a:p>
@@ -2513,7 +2521,7 @@
           <a:p>
             <a:fld id="{17AEFA35-710C-194C-96B4-31CA43E62063}" type="datetimeFigureOut">
               <a:rPr lang="en-US" smtClean="0"/>
-              <a:t>02.02.15</a:t>
+              <a:t>10.02.15</a:t>
             </a:fld>
             <a:endParaRPr lang="en-US"/>
           </a:p>
@@ -2726,7 +2734,7 @@
           <a:p>
             <a:fld id="{17AEFA35-710C-194C-96B4-31CA43E62063}" type="datetimeFigureOut">
               <a:rPr lang="en-US" smtClean="0"/>
-              <a:t>02.02.15</a:t>
+              <a:t>10.02.15</a:t>
             </a:fld>
             <a:endParaRPr lang="en-US"/>
           </a:p>
@@ -3197,6 +3205,952 @@
 </p:sld>
 </file>
 
+<file path=ppt/slides/slide10.xml><?xml version="1.0" encoding="utf-8"?>
+<p:sld xmlns:a="http://schemas.openxmlformats.org/drawingml/2006/main" xmlns:r="http://schemas.openxmlformats.org/officeDocument/2006/relationships" xmlns:p="http://schemas.openxmlformats.org/presentationml/2006/main">
+  <p:cSld>
+    <p:spTree>
+      <p:nvGrpSpPr>
+        <p:cNvPr id="1" name=""/>
+        <p:cNvGrpSpPr/>
+        <p:nvPr/>
+      </p:nvGrpSpPr>
+      <p:grpSpPr>
+        <a:xfrm>
+          <a:off x="0" y="0"/>
+          <a:ext cx="0" cy="0"/>
+          <a:chOff x="0" y="0"/>
+          <a:chExt cx="0" cy="0"/>
+        </a:xfrm>
+      </p:grpSpPr>
+      <p:sp>
+        <p:nvSpPr>
+          <p:cNvPr id="2" name="Title 1"/>
+          <p:cNvSpPr>
+            <a:spLocks noGrp="1"/>
+          </p:cNvSpPr>
+          <p:nvPr>
+            <p:ph type="title"/>
+          </p:nvPr>
+        </p:nvSpPr>
+        <p:spPr/>
+        <p:txBody>
+          <a:bodyPr/>
+          <a:lstStyle/>
+          <a:p>
+            <a:r>
+              <a:rPr lang="en-US" dirty="0" smtClean="0"/>
+              <a:t>Pattern matching </a:t>
+            </a:r>
+            <a:r>
+              <a:rPr lang="en-US" dirty="0" err="1" smtClean="0"/>
+              <a:t>på</a:t>
+            </a:r>
+            <a:r>
+              <a:rPr lang="en-US" dirty="0" smtClean="0"/>
+              <a:t> type</a:t>
+            </a:r>
+            <a:endParaRPr lang="en-US" dirty="0"/>
+          </a:p>
+        </p:txBody>
+      </p:sp>
+      <p:sp>
+        <p:nvSpPr>
+          <p:cNvPr id="3" name="Content Placeholder 2"/>
+          <p:cNvSpPr>
+            <a:spLocks noGrp="1"/>
+          </p:cNvSpPr>
+          <p:nvPr>
+            <p:ph idx="1"/>
+          </p:nvPr>
+        </p:nvSpPr>
+        <p:spPr/>
+        <p:txBody>
+          <a:bodyPr/>
+          <a:lstStyle/>
+          <a:p>
+            <a:pPr marL="0" indent="0">
+              <a:buNone/>
+            </a:pPr>
+            <a:r>
+              <a:rPr lang="en-US" dirty="0"/>
+              <a:t>something match { </a:t>
+            </a:r>
+            <a:endParaRPr lang="en-US" dirty="0" smtClean="0"/>
+          </a:p>
+          <a:p>
+            <a:pPr marL="400050" lvl="1" indent="0">
+              <a:buNone/>
+            </a:pPr>
+            <a:r>
+              <a:rPr lang="en-US" dirty="0" smtClean="0"/>
+              <a:t>case </a:t>
+            </a:r>
+            <a:r>
+              <a:rPr lang="en-US" b="1" dirty="0" err="1"/>
+              <a:t>i</a:t>
+            </a:r>
+            <a:r>
+              <a:rPr lang="en-US" b="1" dirty="0"/>
+              <a:t>: </a:t>
+            </a:r>
+            <a:r>
+              <a:rPr lang="en-US" b="1" dirty="0" err="1"/>
+              <a:t>Int</a:t>
+            </a:r>
+            <a:r>
+              <a:rPr lang="en-US" dirty="0"/>
+              <a:t> =&gt; </a:t>
+            </a:r>
+            <a:r>
+              <a:rPr lang="en-US" dirty="0" err="1"/>
+              <a:t>println</a:t>
+            </a:r>
+            <a:r>
+              <a:rPr lang="en-US" dirty="0"/>
+              <a:t>(“Found a number: ” + </a:t>
+            </a:r>
+            <a:r>
+              <a:rPr lang="en-US" dirty="0" err="1"/>
+              <a:t>i</a:t>
+            </a:r>
+            <a:r>
+              <a:rPr lang="en-US" dirty="0"/>
+              <a:t>) </a:t>
+            </a:r>
+            <a:endParaRPr lang="en-US" dirty="0" smtClean="0"/>
+          </a:p>
+          <a:p>
+            <a:pPr marL="400050" lvl="1" indent="0">
+              <a:buNone/>
+            </a:pPr>
+            <a:r>
+              <a:rPr lang="en-US" dirty="0" smtClean="0"/>
+              <a:t>case </a:t>
+            </a:r>
+            <a:r>
+              <a:rPr lang="en-US" b="1" dirty="0"/>
+              <a:t>s: String</a:t>
+            </a:r>
+            <a:r>
+              <a:rPr lang="en-US" dirty="0"/>
+              <a:t> =&gt; </a:t>
+            </a:r>
+            <a:r>
+              <a:rPr lang="en-US" dirty="0" err="1"/>
+              <a:t>println</a:t>
+            </a:r>
+            <a:r>
+              <a:rPr lang="en-US" dirty="0"/>
+              <a:t>(“Found a string: ” + s) </a:t>
+            </a:r>
+            <a:endParaRPr lang="en-US" dirty="0" smtClean="0"/>
+          </a:p>
+          <a:p>
+            <a:pPr marL="400050" lvl="1" indent="0">
+              <a:buNone/>
+            </a:pPr>
+            <a:r>
+              <a:rPr lang="en-US" dirty="0" smtClean="0"/>
+              <a:t>case </a:t>
+            </a:r>
+            <a:r>
+              <a:rPr lang="en-US" dirty="0"/>
+              <a:t>_ =&gt; </a:t>
+            </a:r>
+            <a:r>
+              <a:rPr lang="en-US" dirty="0" err="1"/>
+              <a:t>println</a:t>
+            </a:r>
+            <a:r>
+              <a:rPr lang="en-US" dirty="0"/>
+              <a:t>(“Found unsupported type”</a:t>
+            </a:r>
+            <a:r>
+              <a:rPr lang="en-US" dirty="0" smtClean="0"/>
+              <a:t>)</a:t>
+            </a:r>
+          </a:p>
+          <a:p>
+            <a:pPr marL="0" indent="0">
+              <a:buNone/>
+            </a:pPr>
+            <a:r>
+              <a:rPr lang="en-US" dirty="0" smtClean="0"/>
+              <a:t> </a:t>
+            </a:r>
+            <a:r>
+              <a:rPr lang="en-US" dirty="0"/>
+              <a:t>} </a:t>
+            </a:r>
+          </a:p>
+          <a:p>
+            <a:pPr marL="0" indent="0">
+              <a:buNone/>
+            </a:pPr>
+            <a:endParaRPr lang="en-US" dirty="0"/>
+          </a:p>
+        </p:txBody>
+      </p:sp>
+    </p:spTree>
+    <p:extLst>
+      <p:ext uri="{BB962C8B-B14F-4D97-AF65-F5344CB8AC3E}">
+        <p14:creationId xmlns:p14="http://schemas.microsoft.com/office/powerpoint/2010/main" val="3559961699"/>
+      </p:ext>
+    </p:extLst>
+  </p:cSld>
+  <p:clrMapOvr>
+    <a:masterClrMapping/>
+  </p:clrMapOvr>
+</p:sld>
+</file>
+
+<file path=ppt/slides/slide11.xml><?xml version="1.0" encoding="utf-8"?>
+<p:sld xmlns:a="http://schemas.openxmlformats.org/drawingml/2006/main" xmlns:r="http://schemas.openxmlformats.org/officeDocument/2006/relationships" xmlns:p="http://schemas.openxmlformats.org/presentationml/2006/main">
+  <p:cSld>
+    <p:spTree>
+      <p:nvGrpSpPr>
+        <p:cNvPr id="1" name=""/>
+        <p:cNvGrpSpPr/>
+        <p:nvPr/>
+      </p:nvGrpSpPr>
+      <p:grpSpPr>
+        <a:xfrm>
+          <a:off x="0" y="0"/>
+          <a:ext cx="0" cy="0"/>
+          <a:chOff x="0" y="0"/>
+          <a:chExt cx="0" cy="0"/>
+        </a:xfrm>
+      </p:grpSpPr>
+      <p:sp>
+        <p:nvSpPr>
+          <p:cNvPr id="2" name="Title 1"/>
+          <p:cNvSpPr>
+            <a:spLocks noGrp="1"/>
+          </p:cNvSpPr>
+          <p:nvPr>
+            <p:ph type="title"/>
+          </p:nvPr>
+        </p:nvSpPr>
+        <p:spPr/>
+        <p:txBody>
+          <a:bodyPr/>
+          <a:lstStyle/>
+          <a:p>
+            <a:r>
+              <a:rPr lang="en-US" dirty="0" smtClean="0"/>
+              <a:t>Pattern matching med guards</a:t>
+            </a:r>
+            <a:endParaRPr lang="en-US" dirty="0"/>
+          </a:p>
+        </p:txBody>
+      </p:sp>
+      <p:sp>
+        <p:nvSpPr>
+          <p:cNvPr id="3" name="Content Placeholder 2"/>
+          <p:cNvSpPr>
+            <a:spLocks noGrp="1"/>
+          </p:cNvSpPr>
+          <p:nvPr>
+            <p:ph idx="1"/>
+          </p:nvPr>
+        </p:nvSpPr>
+        <p:spPr/>
+        <p:txBody>
+          <a:bodyPr/>
+          <a:lstStyle/>
+          <a:p>
+            <a:pPr marL="0" indent="0">
+              <a:buNone/>
+            </a:pPr>
+            <a:r>
+              <a:rPr lang="en-US" dirty="0" err="1"/>
+              <a:t>myObject</a:t>
+            </a:r>
+            <a:r>
+              <a:rPr lang="en-US" dirty="0"/>
+              <a:t> match { </a:t>
+            </a:r>
+            <a:endParaRPr lang="en-US" dirty="0" smtClean="0"/>
+          </a:p>
+          <a:p>
+            <a:pPr marL="400050" lvl="1" indent="0">
+              <a:buNone/>
+            </a:pPr>
+            <a:r>
+              <a:rPr lang="en-US" dirty="0" smtClean="0"/>
+              <a:t>case </a:t>
+            </a:r>
+            <a:r>
+              <a:rPr lang="en-US" dirty="0" err="1"/>
+              <a:t>i</a:t>
+            </a:r>
+            <a:r>
+              <a:rPr lang="en-US" dirty="0"/>
+              <a:t>: </a:t>
+            </a:r>
+            <a:r>
+              <a:rPr lang="en-US" dirty="0" err="1"/>
+              <a:t>Int</a:t>
+            </a:r>
+            <a:r>
+              <a:rPr lang="en-US" dirty="0"/>
+              <a:t> </a:t>
+            </a:r>
+            <a:r>
+              <a:rPr lang="en-US" b="1" dirty="0"/>
+              <a:t>if </a:t>
+            </a:r>
+            <a:r>
+              <a:rPr lang="en-US" b="1" dirty="0" err="1"/>
+              <a:t>i</a:t>
+            </a:r>
+            <a:r>
+              <a:rPr lang="en-US" b="1" dirty="0"/>
+              <a:t> == 0</a:t>
+            </a:r>
+            <a:r>
+              <a:rPr lang="en-US" dirty="0"/>
+              <a:t> =&gt; </a:t>
+            </a:r>
+            <a:r>
+              <a:rPr lang="en-US" dirty="0" err="1"/>
+              <a:t>println</a:t>
+            </a:r>
+            <a:r>
+              <a:rPr lang="en-US" dirty="0"/>
+              <a:t>(“It’s Zero”) </a:t>
+            </a:r>
+            <a:endParaRPr lang="en-US" dirty="0" smtClean="0"/>
+          </a:p>
+          <a:p>
+            <a:pPr marL="400050" lvl="1" indent="0">
+              <a:buNone/>
+            </a:pPr>
+            <a:r>
+              <a:rPr lang="en-US" dirty="0" smtClean="0"/>
+              <a:t>case </a:t>
+            </a:r>
+            <a:r>
+              <a:rPr lang="en-US" dirty="0" err="1"/>
+              <a:t>i</a:t>
+            </a:r>
+            <a:r>
+              <a:rPr lang="en-US" dirty="0"/>
+              <a:t>: </a:t>
+            </a:r>
+            <a:r>
+              <a:rPr lang="en-US" dirty="0" err="1"/>
+              <a:t>Int</a:t>
+            </a:r>
+            <a:r>
+              <a:rPr lang="en-US" dirty="0"/>
+              <a:t> </a:t>
+            </a:r>
+            <a:r>
+              <a:rPr lang="en-US" b="1" dirty="0"/>
+              <a:t>if </a:t>
+            </a:r>
+            <a:r>
+              <a:rPr lang="en-US" b="1" dirty="0" err="1"/>
+              <a:t>i</a:t>
+            </a:r>
+            <a:r>
+              <a:rPr lang="en-US" b="1" dirty="0"/>
+              <a:t> &gt; 5</a:t>
+            </a:r>
+            <a:r>
+              <a:rPr lang="en-US" dirty="0"/>
+              <a:t> =&gt; </a:t>
+            </a:r>
+            <a:r>
+              <a:rPr lang="en-US" dirty="0" err="1"/>
+              <a:t>println</a:t>
+            </a:r>
+            <a:r>
+              <a:rPr lang="en-US" dirty="0"/>
+              <a:t>(“Bigger than 5”</a:t>
+            </a:r>
+            <a:r>
+              <a:rPr lang="en-US" dirty="0" smtClean="0"/>
+              <a:t>)</a:t>
+            </a:r>
+          </a:p>
+          <a:p>
+            <a:pPr marL="400050" lvl="1" indent="0">
+              <a:buNone/>
+            </a:pPr>
+            <a:r>
+              <a:rPr lang="en-US" dirty="0" smtClean="0"/>
+              <a:t>case </a:t>
+            </a:r>
+            <a:r>
+              <a:rPr lang="en-US" dirty="0"/>
+              <a:t>other =&gt; </a:t>
+            </a:r>
+            <a:r>
+              <a:rPr lang="en-US" dirty="0" err="1"/>
+              <a:t>println</a:t>
+            </a:r>
+            <a:r>
+              <a:rPr lang="en-US" dirty="0"/>
+              <a:t>(</a:t>
+            </a:r>
+            <a:r>
+              <a:rPr lang="en-US" dirty="0" smtClean="0"/>
+              <a:t>“don</a:t>
+            </a:r>
+            <a:r>
+              <a:rPr lang="fr-FR" dirty="0" smtClean="0"/>
+              <a:t>’</a:t>
+            </a:r>
+            <a:r>
+              <a:rPr lang="en-US" dirty="0" smtClean="0"/>
+              <a:t>t care”)</a:t>
+            </a:r>
+          </a:p>
+          <a:p>
+            <a:pPr marL="0" indent="0">
+              <a:buNone/>
+            </a:pPr>
+            <a:r>
+              <a:rPr lang="en-US" dirty="0" smtClean="0"/>
+              <a:t>} </a:t>
+            </a:r>
+            <a:endParaRPr lang="en-US" dirty="0"/>
+          </a:p>
+          <a:p>
+            <a:endParaRPr lang="en-US" dirty="0"/>
+          </a:p>
+        </p:txBody>
+      </p:sp>
+    </p:spTree>
+    <p:extLst>
+      <p:ext uri="{BB962C8B-B14F-4D97-AF65-F5344CB8AC3E}">
+        <p14:creationId xmlns:p14="http://schemas.microsoft.com/office/powerpoint/2010/main" val="3410999911"/>
+      </p:ext>
+    </p:extLst>
+  </p:cSld>
+  <p:clrMapOvr>
+    <a:masterClrMapping/>
+  </p:clrMapOvr>
+</p:sld>
+</file>
+
+<file path=ppt/slides/slide12.xml><?xml version="1.0" encoding="utf-8"?>
+<p:sld xmlns:a="http://schemas.openxmlformats.org/drawingml/2006/main" xmlns:r="http://schemas.openxmlformats.org/officeDocument/2006/relationships" xmlns:p="http://schemas.openxmlformats.org/presentationml/2006/main">
+  <p:cSld>
+    <p:spTree>
+      <p:nvGrpSpPr>
+        <p:cNvPr id="1" name=""/>
+        <p:cNvGrpSpPr/>
+        <p:nvPr/>
+      </p:nvGrpSpPr>
+      <p:grpSpPr>
+        <a:xfrm>
+          <a:off x="0" y="0"/>
+          <a:ext cx="0" cy="0"/>
+          <a:chOff x="0" y="0"/>
+          <a:chExt cx="0" cy="0"/>
+        </a:xfrm>
+      </p:grpSpPr>
+      <p:sp>
+        <p:nvSpPr>
+          <p:cNvPr id="2" name="Title 1"/>
+          <p:cNvSpPr>
+            <a:spLocks noGrp="1"/>
+          </p:cNvSpPr>
+          <p:nvPr>
+            <p:ph type="title"/>
+          </p:nvPr>
+        </p:nvSpPr>
+        <p:spPr/>
+        <p:txBody>
+          <a:bodyPr/>
+          <a:lstStyle/>
+          <a:p>
+            <a:r>
+              <a:rPr lang="en-US" dirty="0" smtClean="0"/>
+              <a:t>Patten match </a:t>
+            </a:r>
+            <a:r>
+              <a:rPr lang="en-US" dirty="0" err="1" smtClean="0"/>
+              <a:t>er</a:t>
+            </a:r>
+            <a:r>
+              <a:rPr lang="en-US" dirty="0" smtClean="0"/>
+              <a:t> et statement</a:t>
+            </a:r>
+            <a:endParaRPr lang="en-US" dirty="0"/>
+          </a:p>
+        </p:txBody>
+      </p:sp>
+      <p:sp>
+        <p:nvSpPr>
+          <p:cNvPr id="3" name="Content Placeholder 2"/>
+          <p:cNvSpPr>
+            <a:spLocks noGrp="1"/>
+          </p:cNvSpPr>
+          <p:nvPr>
+            <p:ph idx="1"/>
+          </p:nvPr>
+        </p:nvSpPr>
+        <p:spPr/>
+        <p:txBody>
+          <a:bodyPr/>
+          <a:lstStyle/>
+          <a:p>
+            <a:pPr marL="0" indent="0">
+              <a:buNone/>
+            </a:pPr>
+            <a:r>
+              <a:rPr lang="en-US" dirty="0" err="1"/>
+              <a:t>val</a:t>
+            </a:r>
+            <a:r>
+              <a:rPr lang="en-US" dirty="0"/>
+              <a:t> </a:t>
+            </a:r>
+            <a:r>
+              <a:rPr lang="en-US" dirty="0" err="1"/>
+              <a:t>acceptedType</a:t>
+            </a:r>
+            <a:r>
+              <a:rPr lang="en-US" dirty="0"/>
+              <a:t> = </a:t>
+            </a:r>
+            <a:r>
+              <a:rPr lang="en-US" dirty="0" err="1"/>
+              <a:t>myObject</a:t>
+            </a:r>
+            <a:r>
+              <a:rPr lang="en-US" dirty="0"/>
+              <a:t> match { </a:t>
+            </a:r>
+            <a:endParaRPr lang="en-US" dirty="0" smtClean="0"/>
+          </a:p>
+          <a:p>
+            <a:pPr marL="400050" lvl="1" indent="0">
+              <a:buNone/>
+            </a:pPr>
+            <a:r>
+              <a:rPr lang="en-US" dirty="0" smtClean="0"/>
+              <a:t>case </a:t>
+            </a:r>
+            <a:r>
+              <a:rPr lang="en-US" dirty="0" err="1"/>
+              <a:t>i</a:t>
+            </a:r>
+            <a:r>
+              <a:rPr lang="en-US" dirty="0"/>
+              <a:t>: </a:t>
+            </a:r>
+            <a:r>
+              <a:rPr lang="en-US" dirty="0" err="1"/>
+              <a:t>Int</a:t>
+            </a:r>
+            <a:r>
+              <a:rPr lang="en-US" dirty="0"/>
+              <a:t> =&gt; true </a:t>
+            </a:r>
+            <a:endParaRPr lang="en-US" dirty="0" smtClean="0"/>
+          </a:p>
+          <a:p>
+            <a:pPr marL="400050" lvl="1" indent="0">
+              <a:buNone/>
+            </a:pPr>
+            <a:r>
+              <a:rPr lang="en-US" dirty="0" smtClean="0"/>
+              <a:t>case </a:t>
+            </a:r>
+            <a:r>
+              <a:rPr lang="en-US" dirty="0"/>
+              <a:t>s: String =&gt; true </a:t>
+            </a:r>
+            <a:endParaRPr lang="en-US" dirty="0" smtClean="0"/>
+          </a:p>
+          <a:p>
+            <a:pPr marL="400050" lvl="1" indent="0">
+              <a:buNone/>
+            </a:pPr>
+            <a:r>
+              <a:rPr lang="en-US" dirty="0" smtClean="0"/>
+              <a:t>case </a:t>
+            </a:r>
+            <a:r>
+              <a:rPr lang="en-US" dirty="0"/>
+              <a:t>other =&gt; false </a:t>
+            </a:r>
+            <a:endParaRPr lang="en-US" dirty="0" smtClean="0"/>
+          </a:p>
+          <a:p>
+            <a:pPr marL="0" indent="0">
+              <a:buNone/>
+            </a:pPr>
+            <a:r>
+              <a:rPr lang="en-US" dirty="0" smtClean="0"/>
+              <a:t>} </a:t>
+            </a:r>
+            <a:endParaRPr lang="en-US" dirty="0"/>
+          </a:p>
+          <a:p>
+            <a:endParaRPr lang="en-US" dirty="0"/>
+          </a:p>
+        </p:txBody>
+      </p:sp>
+    </p:spTree>
+    <p:extLst>
+      <p:ext uri="{BB962C8B-B14F-4D97-AF65-F5344CB8AC3E}">
+        <p14:creationId xmlns:p14="http://schemas.microsoft.com/office/powerpoint/2010/main" val="868264867"/>
+      </p:ext>
+    </p:extLst>
+  </p:cSld>
+  <p:clrMapOvr>
+    <a:masterClrMapping/>
+  </p:clrMapOvr>
+</p:sld>
+</file>
+
+<file path=ppt/slides/slide13.xml><?xml version="1.0" encoding="utf-8"?>
+<p:sld xmlns:a="http://schemas.openxmlformats.org/drawingml/2006/main" xmlns:r="http://schemas.openxmlformats.org/officeDocument/2006/relationships" xmlns:p="http://schemas.openxmlformats.org/presentationml/2006/main">
+  <p:cSld>
+    <p:spTree>
+      <p:nvGrpSpPr>
+        <p:cNvPr id="1" name=""/>
+        <p:cNvGrpSpPr/>
+        <p:nvPr/>
+      </p:nvGrpSpPr>
+      <p:grpSpPr>
+        <a:xfrm>
+          <a:off x="0" y="0"/>
+          <a:ext cx="0" cy="0"/>
+          <a:chOff x="0" y="0"/>
+          <a:chExt cx="0" cy="0"/>
+        </a:xfrm>
+      </p:grpSpPr>
+      <p:sp>
+        <p:nvSpPr>
+          <p:cNvPr id="2" name="Title 1"/>
+          <p:cNvSpPr>
+            <a:spLocks noGrp="1"/>
+          </p:cNvSpPr>
+          <p:nvPr>
+            <p:ph type="title"/>
+          </p:nvPr>
+        </p:nvSpPr>
+        <p:spPr/>
+        <p:txBody>
+          <a:bodyPr/>
+          <a:lstStyle/>
+          <a:p>
+            <a:r>
+              <a:rPr lang="en-US" dirty="0" smtClean="0"/>
+              <a:t>pattern matching </a:t>
+            </a:r>
+            <a:r>
+              <a:rPr lang="en-US" dirty="0" err="1" smtClean="0"/>
+              <a:t>på</a:t>
+            </a:r>
+            <a:r>
+              <a:rPr lang="en-US" dirty="0" smtClean="0"/>
+              <a:t> en </a:t>
+            </a:r>
+            <a:r>
+              <a:rPr lang="en-US" dirty="0" err="1" smtClean="0"/>
+              <a:t>struktur</a:t>
+            </a:r>
+            <a:endParaRPr lang="en-US" dirty="0"/>
+          </a:p>
+        </p:txBody>
+      </p:sp>
+      <p:sp>
+        <p:nvSpPr>
+          <p:cNvPr id="3" name="Content Placeholder 2"/>
+          <p:cNvSpPr>
+            <a:spLocks noGrp="1"/>
+          </p:cNvSpPr>
+          <p:nvPr>
+            <p:ph idx="1"/>
+          </p:nvPr>
+        </p:nvSpPr>
+        <p:spPr/>
+        <p:txBody>
+          <a:bodyPr>
+            <a:normAutofit/>
+          </a:bodyPr>
+          <a:lstStyle/>
+          <a:p>
+            <a:pPr marL="0" indent="0">
+              <a:buNone/>
+            </a:pPr>
+            <a:r>
+              <a:rPr lang="en-US" sz="2400" dirty="0"/>
+              <a:t>case class Address(street: String, country: String) </a:t>
+            </a:r>
+            <a:endParaRPr lang="en-US" sz="2400" dirty="0" smtClean="0"/>
+          </a:p>
+          <a:p>
+            <a:pPr marL="0" indent="0">
+              <a:buNone/>
+            </a:pPr>
+            <a:r>
+              <a:rPr lang="en-US" sz="2400" dirty="0" smtClean="0"/>
+              <a:t>case </a:t>
+            </a:r>
+            <a:r>
+              <a:rPr lang="en-US" sz="2400" dirty="0"/>
+              <a:t>class Person(u: String, p: String, a: Address) </a:t>
+            </a:r>
+            <a:endParaRPr lang="en-US" sz="2400" dirty="0" smtClean="0"/>
+          </a:p>
+          <a:p>
+            <a:pPr marL="0" indent="0">
+              <a:buNone/>
+            </a:pPr>
+            <a:r>
+              <a:rPr lang="en-US" sz="2400" dirty="0" err="1" smtClean="0"/>
+              <a:t>countrySupported</a:t>
+            </a:r>
+            <a:r>
+              <a:rPr lang="en-US" sz="2400" dirty="0" smtClean="0"/>
+              <a:t> </a:t>
+            </a:r>
+            <a:r>
+              <a:rPr lang="en-US" sz="2400" dirty="0"/>
+              <a:t>match { </a:t>
+            </a:r>
+            <a:endParaRPr lang="en-US" sz="2400" dirty="0" smtClean="0"/>
+          </a:p>
+          <a:p>
+            <a:pPr marL="400050" lvl="1" indent="0">
+              <a:buNone/>
+            </a:pPr>
+            <a:r>
+              <a:rPr lang="en-US" sz="2000" dirty="0" smtClean="0"/>
+              <a:t>case </a:t>
+            </a:r>
+            <a:r>
+              <a:rPr lang="en-US" sz="2000" dirty="0"/>
+              <a:t>Person(_,_, Address(_,country)) =&gt; </a:t>
+            </a:r>
+            <a:r>
+              <a:rPr lang="en-US" sz="2000" dirty="0" smtClean="0"/>
+              <a:t>{ </a:t>
+            </a:r>
+            <a:r>
+              <a:rPr lang="en-US" sz="2000" dirty="0" err="1" smtClean="0"/>
+              <a:t>isCountrySupported</a:t>
+            </a:r>
+            <a:r>
+              <a:rPr lang="en-US" sz="2000" dirty="0"/>
+              <a:t>(country) } </a:t>
+            </a:r>
+            <a:endParaRPr lang="en-US" sz="2000" dirty="0" smtClean="0"/>
+          </a:p>
+          <a:p>
+            <a:pPr marL="400050" lvl="1" indent="0">
+              <a:buNone/>
+            </a:pPr>
+            <a:r>
+              <a:rPr lang="en-US" sz="2000" dirty="0" smtClean="0"/>
+              <a:t>case </a:t>
+            </a:r>
+            <a:r>
+              <a:rPr lang="en-US" sz="2000" dirty="0"/>
+              <a:t>_ =&gt; false </a:t>
+            </a:r>
+            <a:endParaRPr lang="en-US" sz="2000" dirty="0" smtClean="0"/>
+          </a:p>
+          <a:p>
+            <a:pPr marL="0" indent="0">
+              <a:buNone/>
+            </a:pPr>
+            <a:r>
+              <a:rPr lang="en-US" sz="2400" dirty="0" smtClean="0"/>
+              <a:t>} </a:t>
+            </a:r>
+            <a:endParaRPr lang="en-US" sz="2400" dirty="0"/>
+          </a:p>
+          <a:p>
+            <a:pPr marL="0" indent="0">
+              <a:buNone/>
+            </a:pPr>
+            <a:endParaRPr lang="en-US" sz="2400" dirty="0"/>
+          </a:p>
+        </p:txBody>
+      </p:sp>
+    </p:spTree>
+    <p:extLst>
+      <p:ext uri="{BB962C8B-B14F-4D97-AF65-F5344CB8AC3E}">
+        <p14:creationId xmlns:p14="http://schemas.microsoft.com/office/powerpoint/2010/main" val="1763855939"/>
+      </p:ext>
+    </p:extLst>
+  </p:cSld>
+  <p:clrMapOvr>
+    <a:masterClrMapping/>
+  </p:clrMapOvr>
+</p:sld>
+</file>
+
+<file path=ppt/slides/slide14.xml><?xml version="1.0" encoding="utf-8"?>
+<p:sld xmlns:a="http://schemas.openxmlformats.org/drawingml/2006/main" xmlns:r="http://schemas.openxmlformats.org/officeDocument/2006/relationships" xmlns:p="http://schemas.openxmlformats.org/presentationml/2006/main">
+  <p:cSld>
+    <p:spTree>
+      <p:nvGrpSpPr>
+        <p:cNvPr id="1" name=""/>
+        <p:cNvGrpSpPr/>
+        <p:nvPr/>
+      </p:nvGrpSpPr>
+      <p:grpSpPr>
+        <a:xfrm>
+          <a:off x="0" y="0"/>
+          <a:ext cx="0" cy="0"/>
+          <a:chOff x="0" y="0"/>
+          <a:chExt cx="0" cy="0"/>
+        </a:xfrm>
+      </p:grpSpPr>
+      <p:sp>
+        <p:nvSpPr>
+          <p:cNvPr id="2" name="Title 1"/>
+          <p:cNvSpPr>
+            <a:spLocks noGrp="1"/>
+          </p:cNvSpPr>
+          <p:nvPr>
+            <p:ph type="title"/>
+          </p:nvPr>
+        </p:nvSpPr>
+        <p:spPr/>
+        <p:txBody>
+          <a:bodyPr/>
+          <a:lstStyle/>
+          <a:p>
+            <a:r>
+              <a:rPr lang="en-US" dirty="0" smtClean="0"/>
+              <a:t>Fold </a:t>
+            </a:r>
+            <a:r>
+              <a:rPr lang="en-US" dirty="0" smtClean="0"/>
+              <a:t>left</a:t>
+            </a:r>
+            <a:endParaRPr lang="en-US" dirty="0"/>
+          </a:p>
+        </p:txBody>
+      </p:sp>
+      <p:pic>
+        <p:nvPicPr>
+          <p:cNvPr id="4" name="Content Placeholder 3" descr="Left-fold-transformation.png"/>
+          <p:cNvPicPr>
+            <a:picLocks noGrp="1" noChangeAspect="1"/>
+          </p:cNvPicPr>
+          <p:nvPr>
+            <p:ph idx="1"/>
+          </p:nvPr>
+        </p:nvPicPr>
+        <p:blipFill>
+          <a:blip r:embed="rId2">
+            <a:extLst>
+              <a:ext uri="{28A0092B-C50C-407E-A947-70E740481C1C}">
+                <a14:useLocalDpi xmlns:a14="http://schemas.microsoft.com/office/drawing/2010/main" val="0"/>
+              </a:ext>
+            </a:extLst>
+          </a:blip>
+          <a:srcRect l="5110" r="5110"/>
+          <a:stretch>
+            <a:fillRect/>
+          </a:stretch>
+        </p:blipFill>
+        <p:spPr/>
+      </p:pic>
+    </p:spTree>
+    <p:extLst>
+      <p:ext uri="{BB962C8B-B14F-4D97-AF65-F5344CB8AC3E}">
+        <p14:creationId xmlns:p14="http://schemas.microsoft.com/office/powerpoint/2010/main" val="3032431018"/>
+      </p:ext>
+    </p:extLst>
+  </p:cSld>
+  <p:clrMapOvr>
+    <a:masterClrMapping/>
+  </p:clrMapOvr>
+</p:sld>
+</file>
+
+<file path=ppt/slides/slide15.xml><?xml version="1.0" encoding="utf-8"?>
+<p:sld xmlns:a="http://schemas.openxmlformats.org/drawingml/2006/main" xmlns:r="http://schemas.openxmlformats.org/officeDocument/2006/relationships" xmlns:p="http://schemas.openxmlformats.org/presentationml/2006/main">
+  <p:cSld>
+    <p:spTree>
+      <p:nvGrpSpPr>
+        <p:cNvPr id="1" name=""/>
+        <p:cNvGrpSpPr/>
+        <p:nvPr/>
+      </p:nvGrpSpPr>
+      <p:grpSpPr>
+        <a:xfrm>
+          <a:off x="0" y="0"/>
+          <a:ext cx="0" cy="0"/>
+          <a:chOff x="0" y="0"/>
+          <a:chExt cx="0" cy="0"/>
+        </a:xfrm>
+      </p:grpSpPr>
+      <p:sp>
+        <p:nvSpPr>
+          <p:cNvPr id="2" name="Title 1"/>
+          <p:cNvSpPr>
+            <a:spLocks noGrp="1"/>
+          </p:cNvSpPr>
+          <p:nvPr>
+            <p:ph type="title"/>
+          </p:nvPr>
+        </p:nvSpPr>
+        <p:spPr/>
+        <p:txBody>
+          <a:bodyPr/>
+          <a:lstStyle/>
+          <a:p>
+            <a:r>
+              <a:rPr lang="en-US" dirty="0" smtClean="0"/>
+              <a:t>Fold right</a:t>
+            </a:r>
+            <a:endParaRPr lang="en-US" dirty="0"/>
+          </a:p>
+        </p:txBody>
+      </p:sp>
+      <p:pic>
+        <p:nvPicPr>
+          <p:cNvPr id="4" name="Content Placeholder 3" descr="Right-fold-transformation.png"/>
+          <p:cNvPicPr>
+            <a:picLocks noGrp="1" noChangeAspect="1"/>
+          </p:cNvPicPr>
+          <p:nvPr>
+            <p:ph idx="1"/>
+          </p:nvPr>
+        </p:nvPicPr>
+        <p:blipFill>
+          <a:blip r:embed="rId2">
+            <a:extLst>
+              <a:ext uri="{28A0092B-C50C-407E-A947-70E740481C1C}">
+                <a14:useLocalDpi xmlns:a14="http://schemas.microsoft.com/office/drawing/2010/main" val="0"/>
+              </a:ext>
+            </a:extLst>
+          </a:blip>
+          <a:srcRect l="5110" r="5110"/>
+          <a:stretch>
+            <a:fillRect/>
+          </a:stretch>
+        </p:blipFill>
+        <p:spPr/>
+      </p:pic>
+    </p:spTree>
+    <p:extLst>
+      <p:ext uri="{BB962C8B-B14F-4D97-AF65-F5344CB8AC3E}">
+        <p14:creationId xmlns:p14="http://schemas.microsoft.com/office/powerpoint/2010/main" val="3742786483"/>
+      </p:ext>
+    </p:extLst>
+  </p:cSld>
+  <p:clrMapOvr>
+    <a:masterClrMapping/>
+  </p:clrMapOvr>
+</p:sld>
+</file>
+
 <file path=ppt/slides/slide2.xml><?xml version="1.0" encoding="utf-8"?>
 <p:sld xmlns:a="http://schemas.openxmlformats.org/drawingml/2006/main" xmlns:r="http://schemas.openxmlformats.org/officeDocument/2006/relationships" xmlns:p="http://schemas.openxmlformats.org/presentationml/2006/main">
   <p:cSld>
@@ -3232,42 +4186,37 @@
           <a:lstStyle/>
           <a:p>
             <a:r>
-              <a:rPr lang="en-US" dirty="0" err="1" smtClean="0"/>
+              <a:rPr lang="en-US" dirty="0" err="1"/>
               <a:t>Hva</a:t>
             </a:r>
             <a:r>
-              <a:rPr lang="en-US" dirty="0" smtClean="0"/>
-              <a:t> </a:t>
-            </a:r>
-            <a:r>
-              <a:rPr lang="en-US" dirty="0" err="1" smtClean="0"/>
+              <a:rPr lang="en-US" dirty="0"/>
+              <a:t> </a:t>
+            </a:r>
+            <a:r>
+              <a:rPr lang="en-US" dirty="0" err="1"/>
               <a:t>er</a:t>
             </a:r>
             <a:r>
-              <a:rPr lang="en-US" dirty="0" smtClean="0"/>
-              <a:t> </a:t>
-            </a:r>
-            <a:r>
-              <a:rPr lang="en-US" dirty="0" err="1" smtClean="0"/>
+              <a:rPr lang="en-US" dirty="0"/>
+              <a:t> </a:t>
+            </a:r>
+            <a:r>
+              <a:rPr lang="en-US" dirty="0" err="1"/>
               <a:t>Funksjonell</a:t>
             </a:r>
             <a:r>
-              <a:rPr lang="en-US" dirty="0" smtClean="0"/>
+              <a:rPr lang="en-US" dirty="0"/>
               <a:t> </a:t>
             </a:r>
             <a:r>
               <a:rPr lang="en-US" dirty="0" err="1"/>
-              <a:t>P</a:t>
-            </a:r>
-            <a:r>
-              <a:rPr lang="en-US" dirty="0" err="1" smtClean="0"/>
-              <a:t>rogrammering</a:t>
-            </a:r>
-            <a:r>
-              <a:rPr lang="en-US" dirty="0" smtClean="0"/>
+              <a:t>Programmering</a:t>
+            </a:r>
+            <a:r>
+              <a:rPr lang="en-US" dirty="0"/>
               <a:t>?</a:t>
             </a:r>
-            <a:endParaRPr lang="en-US" dirty="0"/>
           </a:p>
         </p:txBody>
       </p:sp>
@@ -3286,135 +4235,236 @@
           <a:bodyPr/>
           <a:lstStyle/>
           <a:p>
-            <a:r>
-              <a:rPr lang="en-US" dirty="0" err="1" smtClean="0"/>
-              <a:t>Førsteklasses</a:t>
-            </a:r>
-            <a:r>
-              <a:rPr lang="en-US" dirty="0" smtClean="0"/>
-              <a:t> </a:t>
-            </a:r>
-            <a:r>
-              <a:rPr lang="en-US" dirty="0" err="1" smtClean="0"/>
+            <a:pPr marL="0" indent="0">
+              <a:buNone/>
+            </a:pPr>
+            <a:r>
+              <a:rPr lang="en-US" sz="2800" dirty="0" err="1" smtClean="0"/>
+              <a:t>Det</a:t>
+            </a:r>
+            <a:r>
+              <a:rPr lang="en-US" sz="2800" dirty="0" smtClean="0"/>
+              <a:t> ligger </a:t>
+            </a:r>
+            <a:r>
+              <a:rPr lang="en-US" sz="2800" dirty="0" err="1" smtClean="0"/>
+              <a:t>litt</a:t>
+            </a:r>
+            <a:r>
+              <a:rPr lang="en-US" sz="2800" dirty="0" smtClean="0"/>
+              <a:t> </a:t>
+            </a:r>
+            <a:r>
+              <a:rPr lang="en-US" sz="2800" dirty="0" err="1" smtClean="0"/>
+              <a:t>i</a:t>
+            </a:r>
+            <a:r>
+              <a:rPr lang="en-US" sz="2800" dirty="0" smtClean="0"/>
+              <a:t> </a:t>
+            </a:r>
+            <a:r>
+              <a:rPr lang="en-US" sz="2800" dirty="0" err="1" smtClean="0"/>
+              <a:t>navnet</a:t>
+            </a:r>
+            <a:r>
+              <a:rPr lang="en-US" sz="2800" dirty="0" smtClean="0"/>
+              <a:t> at </a:t>
+            </a:r>
+            <a:r>
+              <a:rPr lang="en-US" sz="2800" dirty="0" err="1" smtClean="0"/>
+              <a:t>hoved</a:t>
+            </a:r>
+            <a:r>
+              <a:rPr lang="en-US" sz="2800" dirty="0" smtClean="0"/>
+              <a:t> </a:t>
+            </a:r>
+            <a:r>
+              <a:rPr lang="en-US" sz="2800" dirty="0" err="1" smtClean="0"/>
+              <a:t>fokus</a:t>
+            </a:r>
+            <a:r>
+              <a:rPr lang="en-US" sz="2800" dirty="0" smtClean="0"/>
+              <a:t> </a:t>
+            </a:r>
+            <a:r>
+              <a:rPr lang="en-US" sz="2800" dirty="0" err="1" smtClean="0"/>
+              <a:t>er</a:t>
+            </a:r>
+            <a:r>
+              <a:rPr lang="en-US" sz="2800" dirty="0" smtClean="0"/>
+              <a:t> </a:t>
+            </a:r>
+            <a:r>
+              <a:rPr lang="en-US" sz="2800" dirty="0" err="1" smtClean="0"/>
+              <a:t>på</a:t>
+            </a:r>
+            <a:r>
+              <a:rPr lang="en-US" sz="2800" dirty="0" smtClean="0"/>
+              <a:t> </a:t>
+            </a:r>
+            <a:r>
+              <a:rPr lang="en-US" sz="2800" dirty="0" err="1" smtClean="0"/>
+              <a:t>funksjonen</a:t>
+            </a:r>
+            <a:r>
+              <a:rPr lang="en-US" sz="2800" dirty="0" smtClean="0"/>
+              <a:t>. </a:t>
+            </a:r>
+          </a:p>
+          <a:p>
+            <a:pPr marL="0" indent="0">
+              <a:buNone/>
+            </a:pPr>
+            <a:r>
+              <a:rPr lang="en-US" sz="2800" dirty="0" err="1" smtClean="0"/>
+              <a:t>Funksjoner</a:t>
+            </a:r>
+            <a:r>
+              <a:rPr lang="en-US" sz="2800" dirty="0" smtClean="0"/>
+              <a:t> </a:t>
+            </a:r>
+            <a:r>
+              <a:rPr lang="en-US" sz="2800" dirty="0" err="1" smtClean="0"/>
+              <a:t>er</a:t>
+            </a:r>
+            <a:r>
+              <a:rPr lang="en-US" sz="2800" dirty="0" smtClean="0"/>
+              <a:t> </a:t>
+            </a:r>
+            <a:r>
+              <a:rPr lang="en-US" sz="2800" dirty="0" err="1" smtClean="0"/>
+              <a:t>førsteklasses</a:t>
+            </a:r>
+            <a:r>
+              <a:rPr lang="en-US" sz="2800" dirty="0" smtClean="0"/>
+              <a:t> </a:t>
+            </a:r>
+            <a:r>
+              <a:rPr lang="en-US" sz="2800" dirty="0" err="1" smtClean="0"/>
+              <a:t>entiter</a:t>
+            </a:r>
+            <a:r>
+              <a:rPr lang="en-US" sz="2800" dirty="0" smtClean="0"/>
+              <a:t>.</a:t>
+            </a:r>
+          </a:p>
+          <a:p>
+            <a:pPr marL="0" indent="0">
+              <a:buNone/>
+            </a:pPr>
+            <a:r>
+              <a:rPr lang="en-US" sz="2800" dirty="0" err="1" smtClean="0"/>
+              <a:t>Funksjoner</a:t>
+            </a:r>
+            <a:r>
+              <a:rPr lang="en-US" sz="2800" dirty="0" smtClean="0"/>
+              <a:t> </a:t>
+            </a:r>
+            <a:r>
+              <a:rPr lang="en-US" sz="2800" dirty="0" err="1" smtClean="0"/>
+              <a:t>har</a:t>
+            </a:r>
+            <a:r>
+              <a:rPr lang="en-US" sz="2800" dirty="0" smtClean="0"/>
+              <a:t> </a:t>
+            </a:r>
+            <a:r>
+              <a:rPr lang="en-US" sz="2800" dirty="0" err="1" smtClean="0"/>
+              <a:t>ikke</a:t>
+            </a:r>
+            <a:r>
+              <a:rPr lang="en-US" sz="2800" dirty="0"/>
+              <a:t> </a:t>
+            </a:r>
+            <a:r>
+              <a:rPr lang="en-US" sz="2800" dirty="0" smtClean="0"/>
+              <a:t>side </a:t>
+            </a:r>
+            <a:r>
+              <a:rPr lang="en-US" sz="2800" dirty="0" err="1" smtClean="0"/>
+              <a:t>effekter</a:t>
+            </a:r>
+            <a:r>
+              <a:rPr lang="en-US" sz="2800" dirty="0" smtClean="0"/>
+              <a:t>.</a:t>
+            </a:r>
+          </a:p>
+          <a:p>
+            <a:pPr marL="0" indent="0">
+              <a:buNone/>
+            </a:pPr>
+            <a:r>
+              <a:rPr lang="en-US" sz="2800" dirty="0" err="1" smtClean="0"/>
+              <a:t>Datastrukturer</a:t>
+            </a:r>
+            <a:r>
+              <a:rPr lang="en-US" sz="2800" dirty="0" smtClean="0"/>
+              <a:t> </a:t>
+            </a:r>
+            <a:r>
+              <a:rPr lang="en-US" sz="2800" dirty="0" err="1" smtClean="0"/>
+              <a:t>er</a:t>
+            </a:r>
+            <a:r>
+              <a:rPr lang="en-US" sz="2800" dirty="0" smtClean="0"/>
+              <a:t> </a:t>
+            </a:r>
+            <a:r>
+              <a:rPr lang="en-US" sz="2800" dirty="0" err="1" smtClean="0"/>
+              <a:t>ikke</a:t>
+            </a:r>
+            <a:r>
+              <a:rPr lang="en-US" sz="2800" dirty="0" smtClean="0"/>
+              <a:t> </a:t>
+            </a:r>
+            <a:r>
+              <a:rPr lang="en-US" sz="2800" dirty="0" err="1" smtClean="0"/>
+              <a:t>muterbare</a:t>
+            </a:r>
+            <a:r>
+              <a:rPr lang="en-US" sz="2800" dirty="0" smtClean="0"/>
+              <a:t> men vi </a:t>
+            </a:r>
+            <a:r>
+              <a:rPr lang="en-US" sz="2800" dirty="0" err="1" smtClean="0"/>
+              <a:t>transformerer</a:t>
+            </a:r>
+            <a:r>
+              <a:rPr lang="en-US" sz="2800" dirty="0" smtClean="0"/>
+              <a:t> data </a:t>
+            </a:r>
+            <a:r>
+              <a:rPr lang="en-US" sz="2800" dirty="0" smtClean="0"/>
+              <a:t>med </a:t>
+            </a:r>
+            <a:r>
+              <a:rPr lang="en-US" sz="2800" dirty="0" err="1" smtClean="0"/>
               <a:t>funksjoner</a:t>
             </a:r>
+            <a:r>
+              <a:rPr lang="en-US" sz="2800" dirty="0" smtClean="0"/>
+              <a:t>.</a:t>
+            </a:r>
+            <a:endParaRPr lang="en-US" sz="2800" dirty="0" smtClean="0"/>
+          </a:p>
+          <a:p>
+            <a:pPr marL="0" indent="0">
+              <a:buNone/>
+            </a:pPr>
             <a:endParaRPr lang="en-US" dirty="0" smtClean="0"/>
           </a:p>
           <a:p>
-            <a:r>
-              <a:rPr lang="en-US" dirty="0" smtClean="0"/>
-              <a:t>Rene </a:t>
-            </a:r>
-            <a:r>
-              <a:rPr lang="en-US" dirty="0" err="1" smtClean="0"/>
-              <a:t>funksjoner</a:t>
-            </a:r>
-            <a:r>
-              <a:rPr lang="en-US" dirty="0" smtClean="0"/>
-              <a:t> (pure functions)</a:t>
-            </a:r>
+            <a:pPr marL="0" indent="0">
+              <a:buNone/>
+            </a:pPr>
             <a:endParaRPr lang="en-US" dirty="0" smtClean="0"/>
-          </a:p>
-          <a:p>
-            <a:r>
-              <a:rPr lang="en-US" dirty="0" err="1" smtClean="0"/>
-              <a:t>Komponering</a:t>
-            </a:r>
-            <a:r>
-              <a:rPr lang="en-US" dirty="0" smtClean="0"/>
-              <a:t> </a:t>
-            </a:r>
-            <a:r>
-              <a:rPr lang="en-US" dirty="0" err="1" smtClean="0"/>
-              <a:t>av</a:t>
-            </a:r>
-            <a:r>
-              <a:rPr lang="en-US" dirty="0" smtClean="0"/>
-              <a:t> </a:t>
-            </a:r>
-            <a:r>
-              <a:rPr lang="en-US" dirty="0" err="1" smtClean="0"/>
-              <a:t>funksjoner</a:t>
-            </a:r>
-            <a:endParaRPr lang="en-US" dirty="0" smtClean="0"/>
-          </a:p>
-          <a:p>
-            <a:r>
-              <a:rPr lang="en-US" dirty="0" err="1" smtClean="0"/>
-              <a:t>Høyereordens</a:t>
-            </a:r>
-            <a:r>
-              <a:rPr lang="en-US" dirty="0" smtClean="0"/>
-              <a:t> </a:t>
-            </a:r>
-            <a:r>
-              <a:rPr lang="en-US" dirty="0" err="1" smtClean="0"/>
-              <a:t>funksjoner</a:t>
-            </a:r>
-            <a:endParaRPr lang="en-US" dirty="0" smtClean="0"/>
-          </a:p>
-          <a:p>
-            <a:r>
-              <a:rPr lang="en-US" dirty="0" err="1" smtClean="0"/>
-              <a:t>Ikke</a:t>
-            </a:r>
-            <a:r>
-              <a:rPr lang="en-US" dirty="0" smtClean="0"/>
-              <a:t> </a:t>
-            </a:r>
-            <a:r>
-              <a:rPr lang="en-US" dirty="0" err="1" smtClean="0"/>
-              <a:t>muterbare</a:t>
-            </a:r>
-            <a:r>
-              <a:rPr lang="en-US" dirty="0" smtClean="0"/>
-              <a:t> data </a:t>
-            </a:r>
-            <a:r>
-              <a:rPr lang="en-US" dirty="0" err="1" smtClean="0"/>
-              <a:t>strukturer</a:t>
-            </a:r>
-            <a:endParaRPr lang="en-US" dirty="0" smtClean="0"/>
-          </a:p>
-          <a:p>
-            <a:r>
-              <a:rPr lang="en-US" dirty="0" err="1" smtClean="0"/>
-              <a:t>Transformasjon</a:t>
-            </a:r>
-            <a:r>
-              <a:rPr lang="en-US" dirty="0" smtClean="0"/>
-              <a:t> </a:t>
-            </a:r>
-            <a:r>
-              <a:rPr lang="en-US" dirty="0" err="1" smtClean="0"/>
-              <a:t>av</a:t>
-            </a:r>
-            <a:r>
-              <a:rPr lang="en-US" dirty="0" smtClean="0"/>
-              <a:t> data</a:t>
-            </a:r>
-          </a:p>
-          <a:p>
-            <a:r>
-              <a:rPr lang="en-US" dirty="0" smtClean="0"/>
-              <a:t>Expressions, </a:t>
-            </a:r>
-            <a:r>
-              <a:rPr lang="en-US" dirty="0" smtClean="0"/>
-              <a:t>not</a:t>
-            </a:r>
-            <a:r>
-              <a:rPr lang="en-US" dirty="0" smtClean="0"/>
-              <a:t> statements</a:t>
-            </a:r>
-            <a:endParaRPr lang="en-US" dirty="0"/>
           </a:p>
         </p:txBody>
       </p:sp>
     </p:spTree>
     <p:extLst>
       <p:ext uri="{BB962C8B-B14F-4D97-AF65-F5344CB8AC3E}">
-        <p14:creationId xmlns:p14="http://schemas.microsoft.com/office/powerpoint/2010/main" val="3145540297"/>
+        <p14:creationId xmlns:p14="http://schemas.microsoft.com/office/powerpoint/2010/main" val="3557679131"/>
       </p:ext>
     </p:extLst>
   </p:cSld>
@@ -3491,41 +4541,256 @@
           <a:bodyPr/>
           <a:lstStyle/>
           <a:p>
-            <a:r>
-              <a:rPr lang="en-US" dirty="0" err="1" smtClean="0"/>
-              <a:t>Hva</a:t>
-            </a:r>
-            <a:r>
-              <a:rPr lang="en-US" dirty="0" smtClean="0"/>
-              <a:t> </a:t>
-            </a:r>
-            <a:r>
-              <a:rPr lang="en-US" dirty="0" err="1" smtClean="0"/>
-              <a:t>er</a:t>
-            </a:r>
-            <a:r>
-              <a:rPr lang="en-US" dirty="0" smtClean="0"/>
-              <a:t> </a:t>
-            </a:r>
-            <a:r>
-              <a:rPr lang="en-US" dirty="0" err="1" smtClean="0"/>
-              <a:t>det</a:t>
-            </a:r>
-            <a:r>
-              <a:rPr lang="en-US" dirty="0" smtClean="0"/>
-              <a:t>??</a:t>
-            </a:r>
-          </a:p>
-          <a:p>
-            <a:r>
-              <a:rPr lang="en-US" dirty="0" err="1" smtClean="0"/>
-              <a:t>Hvorfor</a:t>
-            </a:r>
-            <a:r>
-              <a:rPr lang="en-US" dirty="0" smtClean="0"/>
-              <a:t>?</a:t>
+            <a:pPr marL="0" indent="0">
+              <a:buNone/>
+            </a:pPr>
+            <a:r>
+              <a:rPr lang="en-US" dirty="0" smtClean="0"/>
+              <a:t>De </a:t>
+            </a:r>
+            <a:r>
+              <a:rPr lang="en-US" dirty="0" err="1" smtClean="0"/>
+              <a:t>står</a:t>
+            </a:r>
+            <a:r>
+              <a:rPr lang="en-US" dirty="0" smtClean="0"/>
+              <a:t> like </a:t>
+            </a:r>
+            <a:r>
+              <a:rPr lang="en-US" dirty="0" err="1" smtClean="0"/>
+              <a:t>fritt</a:t>
+            </a:r>
+            <a:r>
+              <a:rPr lang="en-US" dirty="0" smtClean="0"/>
+              <a:t> </a:t>
+            </a:r>
+            <a:r>
+              <a:rPr lang="en-US" dirty="0" err="1" smtClean="0"/>
+              <a:t>på</a:t>
+            </a:r>
+            <a:r>
+              <a:rPr lang="en-US" dirty="0" smtClean="0"/>
+              <a:t> </a:t>
+            </a:r>
+            <a:r>
+              <a:rPr lang="en-US" dirty="0" err="1" smtClean="0"/>
+              <a:t>lik</a:t>
+            </a:r>
+            <a:r>
+              <a:rPr lang="en-US" dirty="0" smtClean="0"/>
+              <a:t> </a:t>
+            </a:r>
+            <a:r>
+              <a:rPr lang="en-US" dirty="0" err="1" smtClean="0"/>
+              <a:t>linje</a:t>
+            </a:r>
+            <a:r>
+              <a:rPr lang="en-US" dirty="0" smtClean="0"/>
+              <a:t> </a:t>
+            </a:r>
+            <a:r>
+              <a:rPr lang="en-US" dirty="0" err="1" smtClean="0"/>
+              <a:t>som</a:t>
+            </a:r>
+            <a:r>
+              <a:rPr lang="en-US" dirty="0" smtClean="0"/>
+              <a:t> </a:t>
+            </a:r>
+            <a:r>
+              <a:rPr lang="en-US" dirty="0" err="1" smtClean="0"/>
+              <a:t>objekter</a:t>
+            </a:r>
+            <a:r>
+              <a:rPr lang="en-US" dirty="0" smtClean="0"/>
+              <a:t> </a:t>
+            </a:r>
+            <a:r>
+              <a:rPr lang="en-US" dirty="0" err="1" smtClean="0"/>
+              <a:t>i</a:t>
+            </a:r>
+            <a:r>
+              <a:rPr lang="en-US" dirty="0" smtClean="0"/>
+              <a:t> Java.</a:t>
+            </a:r>
+          </a:p>
+          <a:p>
+            <a:pPr marL="0" indent="0">
+              <a:buNone/>
+            </a:pPr>
+            <a:r>
+              <a:rPr lang="en-US" dirty="0" smtClean="0"/>
+              <a:t>De </a:t>
+            </a:r>
+            <a:r>
+              <a:rPr lang="en-US" dirty="0" err="1" smtClean="0"/>
+              <a:t>kan</a:t>
+            </a:r>
+            <a:r>
+              <a:rPr lang="en-US" dirty="0" smtClean="0"/>
+              <a:t> </a:t>
+            </a:r>
+            <a:r>
+              <a:rPr lang="en-US" dirty="0" err="1" smtClean="0"/>
+              <a:t>opprettes</a:t>
+            </a:r>
+            <a:r>
+              <a:rPr lang="en-US" dirty="0" smtClean="0"/>
+              <a:t> </a:t>
+            </a:r>
+            <a:r>
+              <a:rPr lang="en-US" dirty="0" err="1" smtClean="0"/>
+              <a:t>når</a:t>
+            </a:r>
+            <a:r>
+              <a:rPr lang="en-US" dirty="0" smtClean="0"/>
+              <a:t> de </a:t>
+            </a:r>
+            <a:r>
+              <a:rPr lang="en-US" dirty="0" err="1" smtClean="0"/>
+              <a:t>trengs</a:t>
             </a:r>
             <a:endParaRPr lang="en-US" dirty="0" smtClean="0"/>
+          </a:p>
+          <a:p>
+            <a:pPr marL="0" indent="0">
+              <a:buNone/>
+            </a:pPr>
+            <a:r>
+              <a:rPr lang="en-US" dirty="0" smtClean="0"/>
+              <a:t>De </a:t>
+            </a:r>
+            <a:r>
+              <a:rPr lang="en-US" dirty="0" err="1" smtClean="0"/>
+              <a:t>kan</a:t>
+            </a:r>
+            <a:r>
+              <a:rPr lang="en-US" dirty="0" smtClean="0"/>
+              <a:t> </a:t>
+            </a:r>
+            <a:r>
+              <a:rPr lang="en-US" dirty="0" err="1" smtClean="0"/>
+              <a:t>assignes</a:t>
+            </a:r>
+            <a:r>
+              <a:rPr lang="en-US" dirty="0" smtClean="0"/>
+              <a:t> </a:t>
+            </a:r>
+            <a:r>
+              <a:rPr lang="en-US" dirty="0" err="1" smtClean="0"/>
+              <a:t>til</a:t>
+            </a:r>
+            <a:r>
+              <a:rPr lang="en-US" dirty="0" smtClean="0"/>
+              <a:t> </a:t>
+            </a:r>
+            <a:r>
+              <a:rPr lang="en-US" dirty="0" err="1" smtClean="0"/>
+              <a:t>variabler</a:t>
+            </a:r>
+            <a:endParaRPr lang="en-US" dirty="0" smtClean="0"/>
+          </a:p>
+          <a:p>
+            <a:pPr marL="0" indent="0">
+              <a:buNone/>
+            </a:pPr>
+            <a:r>
+              <a:rPr lang="en-US" dirty="0" smtClean="0"/>
+              <a:t>De </a:t>
+            </a:r>
+            <a:r>
+              <a:rPr lang="en-US" dirty="0" err="1" smtClean="0"/>
+              <a:t>kan</a:t>
+            </a:r>
+            <a:r>
+              <a:rPr lang="en-US" dirty="0" smtClean="0"/>
+              <a:t> </a:t>
+            </a:r>
+            <a:r>
+              <a:rPr lang="en-US" dirty="0" err="1" smtClean="0"/>
+              <a:t>sendes</a:t>
+            </a:r>
+            <a:r>
+              <a:rPr lang="en-US" dirty="0" smtClean="0"/>
+              <a:t> </a:t>
+            </a:r>
+            <a:r>
+              <a:rPr lang="en-US" dirty="0" err="1" smtClean="0"/>
+              <a:t>som</a:t>
+            </a:r>
+            <a:r>
+              <a:rPr lang="en-US" dirty="0" smtClean="0"/>
+              <a:t> </a:t>
+            </a:r>
+            <a:r>
+              <a:rPr lang="en-US" dirty="0" err="1" smtClean="0"/>
+              <a:t>parametere</a:t>
+            </a:r>
+            <a:r>
+              <a:rPr lang="en-US" dirty="0" smtClean="0"/>
+              <a:t> </a:t>
+            </a:r>
+            <a:r>
+              <a:rPr lang="en-US" dirty="0" err="1" smtClean="0"/>
+              <a:t>til</a:t>
+            </a:r>
+            <a:r>
+              <a:rPr lang="en-US" dirty="0" smtClean="0"/>
+              <a:t> </a:t>
+            </a:r>
+            <a:r>
+              <a:rPr lang="en-US" dirty="0" err="1" smtClean="0"/>
+              <a:t>funksjoner</a:t>
+            </a:r>
+            <a:endParaRPr lang="en-US" dirty="0" smtClean="0"/>
+          </a:p>
+          <a:p>
+            <a:pPr marL="0" indent="0">
+              <a:buNone/>
+            </a:pPr>
+            <a:r>
+              <a:rPr lang="en-US" dirty="0" smtClean="0"/>
+              <a:t> </a:t>
+            </a:r>
+            <a:r>
+              <a:rPr lang="en-US" dirty="0" err="1" smtClean="0"/>
+              <a:t>og</a:t>
+            </a:r>
+            <a:r>
+              <a:rPr lang="en-US" dirty="0" smtClean="0"/>
+              <a:t> de </a:t>
+            </a:r>
+            <a:r>
+              <a:rPr lang="en-US" dirty="0" err="1" smtClean="0"/>
+              <a:t>kan</a:t>
+            </a:r>
+            <a:r>
+              <a:rPr lang="en-US" dirty="0" smtClean="0"/>
+              <a:t> </a:t>
+            </a:r>
+            <a:r>
+              <a:rPr lang="en-US" dirty="0" err="1" smtClean="0"/>
+              <a:t>returneres</a:t>
+            </a:r>
+            <a:r>
+              <a:rPr lang="en-US" dirty="0" smtClean="0"/>
+              <a:t> </a:t>
+            </a:r>
+            <a:r>
+              <a:rPr lang="en-US" dirty="0" err="1" smtClean="0"/>
+              <a:t>fra</a:t>
+            </a:r>
+            <a:r>
+              <a:rPr lang="en-US" dirty="0" smtClean="0"/>
+              <a:t> </a:t>
+            </a:r>
+            <a:r>
+              <a:rPr lang="en-US" dirty="0" err="1" smtClean="0"/>
+              <a:t>funksjoner</a:t>
+            </a:r>
+            <a:r>
+              <a:rPr lang="en-US" dirty="0" smtClean="0"/>
+              <a:t>.</a:t>
+            </a:r>
           </a:p>
         </p:txBody>
       </p:sp>
@@ -3576,15 +4841,7 @@
           <a:p>
             <a:r>
               <a:rPr lang="en-US" dirty="0" smtClean="0"/>
-              <a:t>R</a:t>
-            </a:r>
-            <a:r>
-              <a:rPr lang="en-US" dirty="0" smtClean="0"/>
-              <a:t>ene</a:t>
-            </a:r>
-            <a:r>
-              <a:rPr lang="en-US" dirty="0" smtClean="0"/>
-              <a:t> </a:t>
+              <a:t>Rene </a:t>
             </a:r>
             <a:r>
               <a:rPr lang="en-US" dirty="0" err="1" smtClean="0"/>
@@ -3592,11 +4849,53 @@
             </a:r>
             <a:r>
               <a:rPr lang="en-US" dirty="0" smtClean="0"/>
-              <a:t>(</a:t>
-            </a:r>
-            <a:r>
-              <a:rPr lang="en-US" dirty="0" err="1" smtClean="0"/>
-              <a:t>Hva</a:t>
+              <a:t> (</a:t>
+            </a:r>
+            <a:r>
+              <a:rPr lang="en-US" smtClean="0"/>
+              <a:t>Pure functions)</a:t>
+            </a:r>
+            <a:endParaRPr lang="en-US" dirty="0"/>
+          </a:p>
+        </p:txBody>
+      </p:sp>
+      <p:sp>
+        <p:nvSpPr>
+          <p:cNvPr id="3" name="Content Placeholder 2"/>
+          <p:cNvSpPr>
+            <a:spLocks noGrp="1"/>
+          </p:cNvSpPr>
+          <p:nvPr>
+            <p:ph idx="1"/>
+          </p:nvPr>
+        </p:nvSpPr>
+        <p:spPr/>
+        <p:txBody>
+          <a:bodyPr/>
+          <a:lstStyle/>
+          <a:p>
+            <a:pPr marL="0" indent="0">
+              <a:buNone/>
+            </a:pPr>
+            <a:r>
+              <a:rPr lang="en-US" dirty="0" err="1"/>
+              <a:t>Funksjoner</a:t>
+            </a:r>
+            <a:r>
+              <a:rPr lang="en-US" dirty="0"/>
+              <a:t> </a:t>
+            </a:r>
+            <a:r>
+              <a:rPr lang="en-US" dirty="0" err="1"/>
+              <a:t>uten</a:t>
+            </a:r>
+            <a:r>
+              <a:rPr lang="en-US" dirty="0"/>
+              <a:t> side-</a:t>
+            </a:r>
+            <a:r>
+              <a:rPr lang="en-US" dirty="0" err="1" smtClean="0"/>
+              <a:t>effekter</a:t>
             </a:r>
             <a:r>
               <a:rPr lang="en-US" dirty="0" smtClean="0"/>
@@ -3604,206 +4903,164 @@
             </a:r>
             <a:r>
               <a:rPr lang="en-US" dirty="0" err="1" smtClean="0"/>
-              <a:t>hvorfor</a:t>
-            </a:r>
-            <a:r>
-              <a:rPr lang="en-US" dirty="0" smtClean="0"/>
-              <a:t>)</a:t>
+              <a:t>dvs</a:t>
+            </a:r>
+            <a:r>
+              <a:rPr lang="en-US" dirty="0" smtClean="0"/>
+              <a:t> </a:t>
+            </a:r>
+            <a:r>
+              <a:rPr lang="en-US" dirty="0" err="1"/>
+              <a:t>e</a:t>
+            </a:r>
+            <a:r>
+              <a:rPr lang="en-US" dirty="0" err="1" smtClean="0"/>
+              <a:t>ndrer</a:t>
+            </a:r>
+            <a:r>
+              <a:rPr lang="en-US" dirty="0" smtClean="0"/>
+              <a:t> </a:t>
+            </a:r>
+            <a:r>
+              <a:rPr lang="en-US" dirty="0" err="1" smtClean="0"/>
+              <a:t>ikke</a:t>
+            </a:r>
+            <a:r>
+              <a:rPr lang="en-US" dirty="0" smtClean="0"/>
+              <a:t> </a:t>
+            </a:r>
+            <a:r>
+              <a:rPr lang="en-US" dirty="0" err="1" smtClean="0"/>
+              <a:t>tilstand</a:t>
+            </a:r>
+            <a:r>
+              <a:rPr lang="en-US" dirty="0" smtClean="0"/>
+              <a:t> </a:t>
+            </a:r>
+            <a:r>
+              <a:rPr lang="en-US" dirty="0" err="1" smtClean="0"/>
+              <a:t>utenfor</a:t>
+            </a:r>
+            <a:r>
+              <a:rPr lang="en-US" dirty="0" smtClean="0"/>
+              <a:t> </a:t>
+            </a:r>
+            <a:r>
+              <a:rPr lang="en-US" dirty="0" err="1" smtClean="0"/>
+              <a:t>funksjonen</a:t>
+            </a:r>
+            <a:r>
+              <a:rPr lang="en-US" dirty="0" smtClean="0"/>
+              <a:t>. </a:t>
+            </a:r>
+          </a:p>
+          <a:p>
+            <a:pPr marL="0" indent="0">
+              <a:buNone/>
+            </a:pPr>
+            <a:r>
+              <a:rPr lang="en-US" dirty="0" err="1" smtClean="0"/>
+              <a:t>Returnerer</a:t>
+            </a:r>
+            <a:r>
+              <a:rPr lang="en-US" dirty="0" smtClean="0"/>
+              <a:t> </a:t>
+            </a:r>
+            <a:r>
+              <a:rPr lang="en-US" dirty="0" err="1" smtClean="0"/>
+              <a:t>alltid</a:t>
+            </a:r>
+            <a:r>
+              <a:rPr lang="en-US" dirty="0" smtClean="0"/>
+              <a:t> </a:t>
+            </a:r>
+            <a:r>
+              <a:rPr lang="en-US" dirty="0" err="1" smtClean="0"/>
+              <a:t>samme</a:t>
+            </a:r>
+            <a:r>
+              <a:rPr lang="en-US" dirty="0" smtClean="0"/>
+              <a:t> </a:t>
+            </a:r>
+            <a:r>
+              <a:rPr lang="en-US" dirty="0" err="1" smtClean="0"/>
+              <a:t>verdi</a:t>
+            </a:r>
+            <a:r>
+              <a:rPr lang="en-US" dirty="0" smtClean="0"/>
+              <a:t> </a:t>
+            </a:r>
+            <a:r>
+              <a:rPr lang="en-US" dirty="0" err="1" smtClean="0"/>
+              <a:t>gitt</a:t>
+            </a:r>
+            <a:r>
+              <a:rPr lang="en-US" dirty="0" smtClean="0"/>
+              <a:t> </a:t>
+            </a:r>
+            <a:r>
+              <a:rPr lang="en-US" dirty="0" err="1" smtClean="0"/>
+              <a:t>samme</a:t>
+            </a:r>
+            <a:r>
+              <a:rPr lang="en-US" dirty="0" smtClean="0"/>
+              <a:t> input.</a:t>
+            </a:r>
+          </a:p>
+          <a:p>
+            <a:pPr marL="0" indent="0">
+              <a:buNone/>
+            </a:pPr>
+            <a:r>
+              <a:rPr lang="en-US" dirty="0" smtClean="0"/>
+              <a:t>Referential transparency. </a:t>
+            </a:r>
+            <a:r>
+              <a:rPr lang="en-US" dirty="0" err="1" smtClean="0"/>
+              <a:t>Kan</a:t>
+            </a:r>
+            <a:r>
+              <a:rPr lang="en-US" dirty="0" smtClean="0"/>
+              <a:t> </a:t>
+            </a:r>
+            <a:r>
+              <a:rPr lang="en-US" dirty="0" err="1" smtClean="0"/>
+              <a:t>bytte</a:t>
+            </a:r>
+            <a:r>
+              <a:rPr lang="en-US" dirty="0" smtClean="0"/>
+              <a:t> </a:t>
+            </a:r>
+            <a:r>
+              <a:rPr lang="en-US" dirty="0" err="1" smtClean="0"/>
+              <a:t>funksjonskallet</a:t>
+            </a:r>
+            <a:r>
+              <a:rPr lang="en-US" dirty="0" smtClean="0"/>
+              <a:t> med </a:t>
+            </a:r>
+            <a:r>
+              <a:rPr lang="en-US" dirty="0" err="1" smtClean="0"/>
+              <a:t>verdien</a:t>
+            </a:r>
+            <a:r>
+              <a:rPr lang="en-US" dirty="0" smtClean="0"/>
+              <a:t>.</a:t>
+            </a:r>
+          </a:p>
+          <a:p>
+            <a:pPr marL="0" indent="0">
+              <a:buNone/>
+            </a:pPr>
+            <a:r>
+              <a:rPr lang="en-US" dirty="0" err="1" smtClean="0"/>
+              <a:t>Memoization</a:t>
+            </a:r>
+            <a:r>
+              <a:rPr lang="en-US" dirty="0" smtClean="0"/>
+              <a:t>: cache</a:t>
             </a:r>
             <a:endParaRPr lang="en-US" dirty="0"/>
-          </a:p>
-        </p:txBody>
-      </p:sp>
-      <p:sp>
-        <p:nvSpPr>
-          <p:cNvPr id="3" name="Content Placeholder 2"/>
-          <p:cNvSpPr>
-            <a:spLocks noGrp="1"/>
-          </p:cNvSpPr>
-          <p:nvPr>
-            <p:ph idx="1"/>
-          </p:nvPr>
-        </p:nvSpPr>
-        <p:spPr/>
-        <p:txBody>
-          <a:bodyPr/>
-          <a:lstStyle/>
-          <a:p>
-            <a:r>
-              <a:rPr lang="en-US" dirty="0" err="1" smtClean="0"/>
-              <a:t>Funksjoner</a:t>
-            </a:r>
-            <a:r>
-              <a:rPr lang="en-US" dirty="0" smtClean="0"/>
-              <a:t> </a:t>
-            </a:r>
-            <a:r>
-              <a:rPr lang="en-US" dirty="0" err="1" smtClean="0"/>
-              <a:t>uten</a:t>
-            </a:r>
-            <a:r>
-              <a:rPr lang="en-US" dirty="0" smtClean="0"/>
-              <a:t> </a:t>
-            </a:r>
-            <a:r>
-              <a:rPr lang="en-US" dirty="0" smtClean="0"/>
-              <a:t>side-</a:t>
-            </a:r>
-            <a:r>
-              <a:rPr lang="en-US" dirty="0" err="1" smtClean="0"/>
-              <a:t>effekter</a:t>
-            </a:r>
-            <a:endParaRPr lang="en-US" dirty="0" smtClean="0"/>
-          </a:p>
-          <a:p>
-            <a:r>
-              <a:rPr lang="en-US" dirty="0" err="1" smtClean="0"/>
-              <a:t>Mer</a:t>
-            </a:r>
-            <a:r>
-              <a:rPr lang="en-US" dirty="0" smtClean="0"/>
-              <a:t> </a:t>
-            </a:r>
-            <a:r>
-              <a:rPr lang="en-US" dirty="0" err="1" smtClean="0"/>
-              <a:t>utfyllende</a:t>
-            </a:r>
-            <a:r>
-              <a:rPr lang="en-US" dirty="0" smtClean="0"/>
-              <a:t> </a:t>
-            </a:r>
-            <a:r>
-              <a:rPr lang="en-US" dirty="0" err="1" smtClean="0"/>
-              <a:t>om</a:t>
-            </a:r>
-            <a:r>
-              <a:rPr lang="en-US" dirty="0" smtClean="0"/>
-              <a:t> </a:t>
-            </a:r>
-            <a:r>
-              <a:rPr lang="en-US" dirty="0" err="1" smtClean="0"/>
-              <a:t>hva</a:t>
-            </a:r>
-            <a:r>
-              <a:rPr lang="en-US" dirty="0" smtClean="0"/>
-              <a:t>…</a:t>
-            </a:r>
-            <a:endParaRPr lang="en-US" dirty="0" smtClean="0"/>
-          </a:p>
-          <a:p>
-            <a:r>
-              <a:rPr lang="en-US" dirty="0" err="1" smtClean="0"/>
-              <a:t>Resonering</a:t>
-            </a:r>
-            <a:r>
-              <a:rPr lang="en-US" dirty="0" smtClean="0"/>
-              <a:t> </a:t>
-            </a:r>
-            <a:r>
-              <a:rPr lang="en-US" dirty="0" err="1" smtClean="0"/>
-              <a:t>om</a:t>
-            </a:r>
-            <a:r>
-              <a:rPr lang="en-US" dirty="0" smtClean="0"/>
-              <a:t> </a:t>
-            </a:r>
-            <a:r>
-              <a:rPr lang="en-US" dirty="0" err="1" smtClean="0"/>
-              <a:t>koden</a:t>
-            </a:r>
-            <a:endParaRPr lang="en-US" dirty="0" smtClean="0"/>
-          </a:p>
-          <a:p>
-            <a:r>
-              <a:rPr lang="en-US" dirty="0" err="1" smtClean="0"/>
-              <a:t>Testbarhet</a:t>
-            </a:r>
-            <a:endParaRPr lang="en-US" dirty="0" smtClean="0"/>
-          </a:p>
-          <a:p>
-            <a:r>
-              <a:rPr lang="en-US" dirty="0" err="1" smtClean="0"/>
-              <a:t>Komposisjon</a:t>
-            </a:r>
-            <a:r>
-              <a:rPr lang="en-US" dirty="0" smtClean="0"/>
-              <a:t> </a:t>
-            </a:r>
-            <a:r>
-              <a:rPr lang="en-US" dirty="0" err="1" smtClean="0"/>
-              <a:t>av</a:t>
-            </a:r>
-            <a:r>
-              <a:rPr lang="en-US" dirty="0" smtClean="0"/>
-              <a:t> </a:t>
-            </a:r>
-            <a:r>
-              <a:rPr lang="en-US" dirty="0" err="1" smtClean="0"/>
-              <a:t>funksjoner</a:t>
-            </a:r>
-            <a:r>
-              <a:rPr lang="en-US" dirty="0" smtClean="0"/>
-              <a:t>(</a:t>
-            </a:r>
-            <a:r>
-              <a:rPr lang="en-US" dirty="0" err="1" smtClean="0"/>
-              <a:t>egen</a:t>
-            </a:r>
-            <a:r>
-              <a:rPr lang="en-US" dirty="0" smtClean="0"/>
-              <a:t> slide)</a:t>
-            </a:r>
-            <a:endParaRPr lang="en-US" dirty="0" smtClean="0"/>
-          </a:p>
-          <a:p>
-            <a:r>
-              <a:rPr lang="en-US" dirty="0" err="1" smtClean="0"/>
-              <a:t>Parallellprosessering</a:t>
-            </a:r>
-            <a:endParaRPr lang="en-US" dirty="0" smtClean="0"/>
-          </a:p>
-          <a:p>
-            <a:r>
-              <a:rPr lang="en-US" dirty="0" smtClean="0"/>
-              <a:t>Ref transparency, </a:t>
-            </a:r>
-            <a:r>
-              <a:rPr lang="en-US" dirty="0" err="1" smtClean="0"/>
-              <a:t>når</a:t>
-            </a:r>
-            <a:r>
-              <a:rPr lang="en-US" dirty="0" smtClean="0"/>
-              <a:t> du bare </a:t>
-            </a:r>
-            <a:r>
-              <a:rPr lang="en-US" dirty="0" err="1" smtClean="0"/>
-              <a:t>kan</a:t>
-            </a:r>
-            <a:r>
-              <a:rPr lang="en-US" dirty="0" smtClean="0"/>
-              <a:t> </a:t>
-            </a:r>
-            <a:r>
-              <a:rPr lang="en-US" dirty="0" err="1" smtClean="0"/>
-              <a:t>bytte</a:t>
-            </a:r>
-            <a:r>
-              <a:rPr lang="en-US" dirty="0" smtClean="0"/>
-              <a:t> </a:t>
-            </a:r>
-            <a:r>
-              <a:rPr lang="en-US" dirty="0" err="1"/>
-              <a:t>u</a:t>
-            </a:r>
-            <a:r>
-              <a:rPr lang="en-US" dirty="0" err="1" smtClean="0"/>
-              <a:t>t</a:t>
-            </a:r>
-            <a:r>
-              <a:rPr lang="en-US" dirty="0" smtClean="0"/>
-              <a:t>…</a:t>
-            </a:r>
-            <a:endParaRPr lang="en-US" dirty="0" smtClean="0"/>
           </a:p>
           <a:p>
             <a:endParaRPr lang="en-US" dirty="0"/>
@@ -3813,7 +5070,7 @@
     </p:spTree>
     <p:extLst>
       <p:ext uri="{BB962C8B-B14F-4D97-AF65-F5344CB8AC3E}">
-        <p14:creationId xmlns:p14="http://schemas.microsoft.com/office/powerpoint/2010/main" val="4055557190"/>
+        <p14:creationId xmlns:p14="http://schemas.microsoft.com/office/powerpoint/2010/main" val="1222758863"/>
       </p:ext>
     </p:extLst>
   </p:cSld>
@@ -3857,27 +5114,15 @@
           <a:p>
             <a:r>
               <a:rPr lang="en-US" dirty="0" err="1" smtClean="0"/>
-              <a:t>Fordeler</a:t>
-            </a:r>
-            <a:r>
-              <a:rPr lang="en-US" dirty="0" smtClean="0"/>
-              <a:t> med </a:t>
-            </a:r>
-            <a:r>
-              <a:rPr lang="en-US" dirty="0" err="1" smtClean="0"/>
-              <a:t>ikke</a:t>
-            </a:r>
-            <a:r>
-              <a:rPr lang="en-US" dirty="0" smtClean="0"/>
-              <a:t> </a:t>
-            </a:r>
-            <a:r>
-              <a:rPr lang="en-US" dirty="0" err="1" smtClean="0"/>
-              <a:t>muterere</a:t>
-            </a:r>
-            <a:r>
-              <a:rPr lang="en-US" dirty="0" smtClean="0"/>
-              <a:t> data	</a:t>
+              <a:t>Høyereordens</a:t>
+            </a:r>
+            <a:r>
+              <a:rPr lang="en-US" dirty="0" smtClean="0"/>
+              <a:t> </a:t>
+            </a:r>
+            <a:r>
+              <a:rPr lang="en-US" dirty="0" err="1" smtClean="0"/>
+              <a:t>funksjoner</a:t>
             </a:r>
             <a:endParaRPr lang="en-US" dirty="0"/>
           </a:p>
@@ -3898,30 +5143,85 @@
           <a:bodyPr/>
           <a:lstStyle/>
           <a:p>
-            <a:r>
-              <a:rPr lang="en-US" dirty="0" smtClean="0"/>
-              <a:t>Slipper </a:t>
-            </a:r>
-            <a:r>
-              <a:rPr lang="en-US" dirty="0" err="1" smtClean="0"/>
-              <a:t>synkronsering</a:t>
-            </a:r>
-            <a:r>
-              <a:rPr lang="en-US" dirty="0" smtClean="0"/>
-              <a:t> </a:t>
-            </a:r>
-          </a:p>
-          <a:p>
-            <a:r>
-              <a:rPr lang="en-US" dirty="0" err="1" smtClean="0"/>
-              <a:t>paralellprosessering</a:t>
-            </a:r>
-            <a:endParaRPr lang="en-US" dirty="0" smtClean="0"/>
-          </a:p>
-          <a:p>
-            <a:endParaRPr lang="en-US" dirty="0" smtClean="0"/>
-          </a:p>
-          <a:p>
+            <a:pPr marL="0" indent="0">
+              <a:buNone/>
+            </a:pPr>
+            <a:r>
+              <a:rPr lang="en-US" dirty="0" err="1" smtClean="0"/>
+              <a:t>Funksjoner</a:t>
+            </a:r>
+            <a:r>
+              <a:rPr lang="en-US" dirty="0" smtClean="0"/>
+              <a:t> </a:t>
+            </a:r>
+            <a:r>
+              <a:rPr lang="en-US" dirty="0" err="1" smtClean="0"/>
+              <a:t>som</a:t>
+            </a:r>
+            <a:r>
+              <a:rPr lang="en-US" dirty="0" smtClean="0"/>
+              <a:t> tar </a:t>
+            </a:r>
+            <a:r>
+              <a:rPr lang="en-US" dirty="0" err="1" smtClean="0"/>
+              <a:t>andre</a:t>
+            </a:r>
+            <a:r>
+              <a:rPr lang="en-US" dirty="0" smtClean="0"/>
+              <a:t> </a:t>
+            </a:r>
+            <a:r>
+              <a:rPr lang="en-US" dirty="0" err="1" smtClean="0"/>
+              <a:t>funksjoner</a:t>
+            </a:r>
+            <a:r>
+              <a:rPr lang="en-US" dirty="0" smtClean="0"/>
+              <a:t> </a:t>
+            </a:r>
+            <a:r>
+              <a:rPr lang="en-US" dirty="0" err="1" smtClean="0"/>
+              <a:t>som</a:t>
+            </a:r>
+            <a:r>
+              <a:rPr lang="en-US" dirty="0" smtClean="0"/>
+              <a:t> </a:t>
+            </a:r>
+            <a:r>
+              <a:rPr lang="en-US" dirty="0" err="1" smtClean="0"/>
+              <a:t>parametere</a:t>
+            </a:r>
+            <a:r>
+              <a:rPr lang="en-US" dirty="0" smtClean="0"/>
+              <a:t> </a:t>
+            </a:r>
+            <a:r>
+              <a:rPr lang="en-US" dirty="0" err="1" smtClean="0"/>
+              <a:t>og</a:t>
+            </a:r>
+            <a:r>
+              <a:rPr lang="en-US" dirty="0" smtClean="0"/>
+              <a:t>/</a:t>
+            </a:r>
+            <a:r>
+              <a:rPr lang="en-US" dirty="0" err="1" smtClean="0"/>
+              <a:t>eller</a:t>
+            </a:r>
+            <a:r>
+              <a:rPr lang="en-US" dirty="0" smtClean="0"/>
+              <a:t> </a:t>
+            </a:r>
+            <a:r>
+              <a:rPr lang="en-US" dirty="0" err="1" smtClean="0"/>
+              <a:t>returnerer</a:t>
+            </a:r>
+            <a:r>
+              <a:rPr lang="en-US" dirty="0" smtClean="0"/>
+              <a:t> en </a:t>
+            </a:r>
+            <a:r>
+              <a:rPr lang="en-US" dirty="0" err="1" smtClean="0"/>
+              <a:t>funksjoner</a:t>
+            </a:r>
             <a:endParaRPr lang="en-US" dirty="0"/>
           </a:p>
         </p:txBody>
@@ -3929,7 +5229,7 @@
     </p:spTree>
     <p:extLst>
       <p:ext uri="{BB962C8B-B14F-4D97-AF65-F5344CB8AC3E}">
-        <p14:creationId xmlns:p14="http://schemas.microsoft.com/office/powerpoint/2010/main" val="20822582"/>
+        <p14:creationId xmlns:p14="http://schemas.microsoft.com/office/powerpoint/2010/main" val="3600427756"/>
       </p:ext>
     </p:extLst>
   </p:cSld>
@@ -3972,12 +5272,28 @@
           <a:lstStyle/>
           <a:p>
             <a:r>
-              <a:rPr lang="en-US" dirty="0" smtClean="0"/>
-              <a:t>Fold left/right </a:t>
-            </a:r>
-            <a:r>
-              <a:rPr lang="en-US" dirty="0" err="1" smtClean="0"/>
-              <a:t>grafisk</a:t>
+              <a:rPr lang="en-US" dirty="0" err="1" smtClean="0"/>
+              <a:t>Ikke</a:t>
+            </a:r>
+            <a:r>
+              <a:rPr lang="en-US" dirty="0" smtClean="0"/>
+              <a:t> </a:t>
+            </a:r>
+            <a:r>
+              <a:rPr lang="en-US" dirty="0" err="1" smtClean="0"/>
+              <a:t>muterbare</a:t>
+            </a:r>
+            <a:r>
+              <a:rPr lang="en-US" dirty="0" smtClean="0"/>
+              <a:t> </a:t>
+            </a:r>
+            <a:r>
+              <a:rPr lang="en-US" dirty="0" err="1" smtClean="0"/>
+              <a:t>datastrukturer</a:t>
+            </a:r>
+            <a:r>
+              <a:rPr lang="en-US" dirty="0" smtClean="0"/>
+              <a:t>	</a:t>
             </a:r>
             <a:endParaRPr lang="en-US" dirty="0"/>
           </a:p>
@@ -3997,6 +5313,36 @@
         <p:txBody>
           <a:bodyPr/>
           <a:lstStyle/>
+          <a:p>
+            <a:pPr marL="0" indent="0">
+              <a:buNone/>
+            </a:pPr>
+            <a:r>
+              <a:rPr lang="en-US" dirty="0" smtClean="0"/>
+              <a:t>Slipper </a:t>
+            </a:r>
+            <a:r>
+              <a:rPr lang="en-US" dirty="0" err="1" smtClean="0"/>
+              <a:t>synkronsering</a:t>
+            </a:r>
+            <a:r>
+              <a:rPr lang="en-US" dirty="0" smtClean="0"/>
+              <a:t> </a:t>
+            </a:r>
+          </a:p>
+          <a:p>
+            <a:pPr marL="0" indent="0">
+              <a:buNone/>
+            </a:pPr>
+            <a:r>
+              <a:rPr lang="en-US" dirty="0" err="1" smtClean="0"/>
+              <a:t>paralellprosessering</a:t>
+            </a:r>
+            <a:endParaRPr lang="en-US" dirty="0" smtClean="0"/>
+          </a:p>
+          <a:p>
+            <a:endParaRPr lang="en-US" dirty="0" smtClean="0"/>
+          </a:p>
           <a:p>
             <a:endParaRPr lang="en-US" dirty="0"/>
           </a:p>
@@ -4005,7 +5351,7 @@
     </p:spTree>
     <p:extLst>
       <p:ext uri="{BB962C8B-B14F-4D97-AF65-F5344CB8AC3E}">
-        <p14:creationId xmlns:p14="http://schemas.microsoft.com/office/powerpoint/2010/main" val="3032431018"/>
+        <p14:creationId xmlns:p14="http://schemas.microsoft.com/office/powerpoint/2010/main" val="20822582"/>
       </p:ext>
     </p:extLst>
   </p:cSld>
@@ -4049,7 +5395,7 @@
           <a:p>
             <a:r>
               <a:rPr lang="en-US" dirty="0" smtClean="0"/>
-              <a:t>Map / filter </a:t>
+              <a:t>Credits</a:t>
             </a:r>
             <a:endParaRPr lang="en-US" dirty="0"/>
           </a:p>
@@ -4070,6 +5416,113 @@
           <a:bodyPr/>
           <a:lstStyle/>
           <a:p>
+            <a:pPr marL="0" indent="0">
+              <a:buNone/>
+            </a:pPr>
+            <a:endParaRPr lang="en-US" dirty="0"/>
+          </a:p>
+          <a:p>
+            <a:pPr marL="0" indent="0">
+              <a:buNone/>
+            </a:pPr>
+            <a:r>
+              <a:rPr lang="en-US" dirty="0" err="1" smtClean="0"/>
+              <a:t>Eksempel</a:t>
+            </a:r>
+            <a:r>
+              <a:rPr lang="en-US" dirty="0" err="1"/>
+              <a:t>-</a:t>
+            </a:r>
+            <a:r>
+              <a:rPr lang="en-US" dirty="0" err="1" smtClean="0"/>
+              <a:t>kode</a:t>
+            </a:r>
+            <a:r>
+              <a:rPr lang="en-US" dirty="0" smtClean="0"/>
+              <a:t> </a:t>
+            </a:r>
+            <a:r>
+              <a:rPr lang="en-US" dirty="0" err="1" smtClean="0"/>
+              <a:t>har</a:t>
+            </a:r>
+            <a:r>
+              <a:rPr lang="en-US" dirty="0" smtClean="0"/>
+              <a:t> </a:t>
+            </a:r>
+            <a:r>
+              <a:rPr lang="en-US" dirty="0" err="1" smtClean="0"/>
+              <a:t>jeg</a:t>
+            </a:r>
+            <a:r>
+              <a:rPr lang="en-US" dirty="0" smtClean="0"/>
+              <a:t> </a:t>
+            </a:r>
+            <a:r>
+              <a:rPr lang="en-US" dirty="0" err="1" smtClean="0"/>
+              <a:t>stort</a:t>
+            </a:r>
+            <a:r>
+              <a:rPr lang="en-US" dirty="0" smtClean="0"/>
+              <a:t> sett </a:t>
+            </a:r>
+            <a:r>
+              <a:rPr lang="en-US" dirty="0" err="1" smtClean="0"/>
+              <a:t>skammløst</a:t>
+            </a:r>
+            <a:r>
+              <a:rPr lang="en-US" dirty="0" smtClean="0"/>
+              <a:t> </a:t>
+            </a:r>
+            <a:r>
+              <a:rPr lang="en-US" dirty="0" err="1"/>
+              <a:t>kopiert</a:t>
+            </a:r>
+            <a:r>
+              <a:rPr lang="en-US" dirty="0"/>
+              <a:t> </a:t>
+            </a:r>
+            <a:r>
+              <a:rPr lang="en-US" dirty="0" err="1"/>
+              <a:t>fra</a:t>
+            </a:r>
+            <a:r>
+              <a:rPr lang="en-US" dirty="0"/>
+              <a:t> Alfred </a:t>
+            </a:r>
+            <a:r>
+              <a:rPr lang="en-US" dirty="0" err="1"/>
+              <a:t>Lysebraates</a:t>
+            </a:r>
+            <a:r>
+              <a:rPr lang="en-US" dirty="0"/>
+              <a:t> </a:t>
+            </a:r>
+            <a:r>
+              <a:rPr lang="en-US" dirty="0" err="1" smtClean="0"/>
+              <a:t>scala</a:t>
+            </a:r>
+            <a:r>
+              <a:rPr lang="en-US" dirty="0" smtClean="0"/>
+              <a:t> workshop </a:t>
+            </a:r>
+            <a:r>
+              <a:rPr lang="en-US" dirty="0" err="1"/>
+              <a:t>på</a:t>
+            </a:r>
+            <a:r>
+              <a:rPr lang="en-US" dirty="0"/>
+              <a:t> </a:t>
+            </a:r>
+            <a:r>
+              <a:rPr lang="en-US" dirty="0" err="1" smtClean="0"/>
+              <a:t>teknologihuset</a:t>
+            </a:r>
+            <a:endParaRPr lang="en-US" dirty="0"/>
+          </a:p>
+          <a:p>
+            <a:pPr marL="0" indent="0">
+              <a:buNone/>
+            </a:pPr>
             <a:endParaRPr lang="en-US" dirty="0"/>
           </a:p>
         </p:txBody>
@@ -4077,7 +5530,538 @@
     </p:spTree>
     <p:extLst>
       <p:ext uri="{BB962C8B-B14F-4D97-AF65-F5344CB8AC3E}">
-        <p14:creationId xmlns:p14="http://schemas.microsoft.com/office/powerpoint/2010/main" val="1192375539"/>
+        <p14:creationId xmlns:p14="http://schemas.microsoft.com/office/powerpoint/2010/main" val="793858089"/>
+      </p:ext>
+    </p:extLst>
+  </p:cSld>
+  <p:clrMapOvr>
+    <a:masterClrMapping/>
+  </p:clrMapOvr>
+</p:sld>
+</file>
+
+<file path=ppt/slides/slide8.xml><?xml version="1.0" encoding="utf-8"?>
+<p:sld xmlns:a="http://schemas.openxmlformats.org/drawingml/2006/main" xmlns:r="http://schemas.openxmlformats.org/officeDocument/2006/relationships" xmlns:p="http://schemas.openxmlformats.org/presentationml/2006/main">
+  <p:cSld>
+    <p:spTree>
+      <p:nvGrpSpPr>
+        <p:cNvPr id="1" name=""/>
+        <p:cNvGrpSpPr/>
+        <p:nvPr/>
+      </p:nvGrpSpPr>
+      <p:grpSpPr>
+        <a:xfrm>
+          <a:off x="0" y="0"/>
+          <a:ext cx="0" cy="0"/>
+          <a:chOff x="0" y="0"/>
+          <a:chExt cx="0" cy="0"/>
+        </a:xfrm>
+      </p:grpSpPr>
+      <p:sp>
+        <p:nvSpPr>
+          <p:cNvPr id="2" name="Title 1"/>
+          <p:cNvSpPr>
+            <a:spLocks noGrp="1"/>
+          </p:cNvSpPr>
+          <p:nvPr>
+            <p:ph type="title"/>
+          </p:nvPr>
+        </p:nvSpPr>
+        <p:spPr/>
+        <p:txBody>
+          <a:bodyPr/>
+          <a:lstStyle/>
+          <a:p>
+            <a:r>
+              <a:rPr lang="en-US" dirty="0" smtClean="0"/>
+              <a:t>Case class </a:t>
+            </a:r>
+            <a:endParaRPr lang="en-US" dirty="0"/>
+          </a:p>
+        </p:txBody>
+      </p:sp>
+      <p:sp>
+        <p:nvSpPr>
+          <p:cNvPr id="3" name="Content Placeholder 2"/>
+          <p:cNvSpPr>
+            <a:spLocks noGrp="1"/>
+          </p:cNvSpPr>
+          <p:nvPr>
+            <p:ph idx="1"/>
+          </p:nvPr>
+        </p:nvSpPr>
+        <p:spPr/>
+        <p:txBody>
+          <a:bodyPr>
+            <a:normAutofit/>
+          </a:bodyPr>
+          <a:lstStyle/>
+          <a:p>
+            <a:pPr marL="0" indent="0">
+              <a:buNone/>
+            </a:pPr>
+            <a:r>
+              <a:rPr lang="en-US" sz="2000" dirty="0" err="1" smtClean="0"/>
+              <a:t>Er</a:t>
+            </a:r>
+            <a:r>
+              <a:rPr lang="en-US" sz="2000" dirty="0" smtClean="0"/>
+              <a:t> </a:t>
+            </a:r>
+            <a:r>
+              <a:rPr lang="en-US" sz="2000" dirty="0" err="1" smtClean="0"/>
+              <a:t>lik</a:t>
+            </a:r>
+            <a:r>
+              <a:rPr lang="en-US" sz="2000" dirty="0" smtClean="0"/>
+              <a:t> </a:t>
+            </a:r>
+            <a:r>
+              <a:rPr lang="en-US" sz="2000" dirty="0" err="1" smtClean="0"/>
+              <a:t>vanlige</a:t>
+            </a:r>
+            <a:r>
+              <a:rPr lang="en-US" sz="2000" dirty="0" smtClean="0"/>
+              <a:t> </a:t>
+            </a:r>
+            <a:r>
+              <a:rPr lang="en-US" sz="2000" dirty="0" err="1" smtClean="0"/>
+              <a:t>klasser</a:t>
+            </a:r>
+            <a:r>
+              <a:rPr lang="en-US" sz="2000" dirty="0" smtClean="0"/>
+              <a:t> </a:t>
+            </a:r>
+            <a:r>
+              <a:rPr lang="en-US" sz="2000" dirty="0" err="1" smtClean="0"/>
+              <a:t>som</a:t>
+            </a:r>
+            <a:r>
+              <a:rPr lang="en-US" sz="2000" dirty="0" smtClean="0"/>
+              <a:t> </a:t>
+            </a:r>
+            <a:r>
+              <a:rPr lang="en-US" sz="2000" dirty="0" err="1" smtClean="0"/>
+              <a:t>eksponerer</a:t>
+            </a:r>
+            <a:r>
+              <a:rPr lang="en-US" sz="2000" dirty="0" smtClean="0"/>
+              <a:t> constructor </a:t>
+            </a:r>
+            <a:r>
+              <a:rPr lang="en-US" sz="2000" dirty="0" err="1" smtClean="0"/>
+              <a:t>paremetrene</a:t>
+            </a:r>
+            <a:r>
+              <a:rPr lang="en-US" sz="2000" dirty="0" smtClean="0"/>
+              <a:t> </a:t>
+            </a:r>
+            <a:r>
+              <a:rPr lang="en-US" sz="2000" dirty="0" err="1" smtClean="0"/>
+              <a:t>og</a:t>
+            </a:r>
+            <a:r>
+              <a:rPr lang="en-US" sz="2000" dirty="0" smtClean="0"/>
+              <a:t> </a:t>
+            </a:r>
+            <a:r>
+              <a:rPr lang="en-US" sz="2000" dirty="0" err="1" smtClean="0"/>
+              <a:t>kan</a:t>
+            </a:r>
+            <a:r>
+              <a:rPr lang="en-US" sz="2000" dirty="0" smtClean="0"/>
+              <a:t> </a:t>
+            </a:r>
+            <a:r>
+              <a:rPr lang="en-US" sz="2000" dirty="0" err="1" smtClean="0"/>
+              <a:t>dekomponeres</a:t>
+            </a:r>
+            <a:r>
+              <a:rPr lang="en-US" sz="2000" dirty="0" smtClean="0"/>
+              <a:t> med pattern matching. </a:t>
+            </a:r>
+            <a:r>
+              <a:rPr lang="en-US" sz="2000" dirty="0" err="1" smtClean="0"/>
+              <a:t>Genererer</a:t>
+            </a:r>
+            <a:r>
+              <a:rPr lang="en-US" sz="2000" dirty="0" smtClean="0"/>
+              <a:t> </a:t>
+            </a:r>
+            <a:r>
+              <a:rPr lang="en-US" sz="2000" dirty="0" err="1" smtClean="0"/>
+              <a:t>også</a:t>
+            </a:r>
+            <a:r>
+              <a:rPr lang="en-US" sz="2000" dirty="0" smtClean="0"/>
+              <a:t> equals </a:t>
+            </a:r>
+            <a:r>
+              <a:rPr lang="en-US" sz="2000" dirty="0" err="1" smtClean="0"/>
+              <a:t>og</a:t>
+            </a:r>
+            <a:r>
+              <a:rPr lang="en-US" sz="2000" dirty="0" smtClean="0"/>
+              <a:t> hash </a:t>
+            </a:r>
+            <a:r>
+              <a:rPr lang="en-US" sz="2000" dirty="0" err="1" smtClean="0"/>
+              <a:t>kode</a:t>
+            </a:r>
+            <a:r>
+              <a:rPr lang="en-US" sz="2000" dirty="0"/>
+              <a:t>.</a:t>
+            </a:r>
+            <a:endParaRPr lang="en-US" sz="2000" dirty="0" smtClean="0"/>
+          </a:p>
+          <a:p>
+            <a:pPr marL="0" indent="0">
+              <a:buNone/>
+            </a:pPr>
+            <a:endParaRPr lang="en-US" sz="2000" dirty="0" smtClean="0"/>
+          </a:p>
+          <a:p>
+            <a:pPr marL="0" indent="0">
+              <a:buNone/>
+            </a:pPr>
+            <a:r>
+              <a:rPr lang="en-US" sz="2000" dirty="0" err="1" smtClean="0"/>
+              <a:t>Eksempel</a:t>
+            </a:r>
+            <a:r>
+              <a:rPr lang="en-US" sz="2000" dirty="0" smtClean="0"/>
+              <a:t>:</a:t>
+            </a:r>
+            <a:endParaRPr lang="en-US" sz="2000" dirty="0"/>
+          </a:p>
+          <a:p>
+            <a:pPr marL="0" indent="0">
+              <a:buNone/>
+            </a:pPr>
+            <a:r>
+              <a:rPr lang="en-US" sz="2000" dirty="0" smtClean="0"/>
+              <a:t>case </a:t>
+            </a:r>
+            <a:r>
+              <a:rPr lang="en-US" sz="2000" dirty="0"/>
+              <a:t>class Person( </a:t>
+            </a:r>
+            <a:r>
+              <a:rPr lang="en-US" sz="2000" dirty="0" err="1"/>
+              <a:t>firstname</a:t>
+            </a:r>
+            <a:r>
+              <a:rPr lang="en-US" sz="2000" dirty="0"/>
+              <a:t>: String, </a:t>
+            </a:r>
+            <a:r>
+              <a:rPr lang="en-US" sz="2000" dirty="0" err="1" smtClean="0"/>
+              <a:t>lastname:String</a:t>
+            </a:r>
+            <a:r>
+              <a:rPr lang="en-US" sz="2000" dirty="0" smtClean="0"/>
+              <a:t> </a:t>
+            </a:r>
+            <a:r>
+              <a:rPr lang="en-US" sz="2000" dirty="0"/>
+              <a:t>) </a:t>
+            </a:r>
+            <a:endParaRPr lang="en-US" sz="2000" dirty="0" smtClean="0"/>
+          </a:p>
+          <a:p>
+            <a:pPr marL="0" indent="0">
+              <a:buNone/>
+            </a:pPr>
+            <a:endParaRPr lang="en-US" sz="2000" dirty="0"/>
+          </a:p>
+          <a:p>
+            <a:pPr marL="0" indent="0">
+              <a:buNone/>
+            </a:pPr>
+            <a:r>
+              <a:rPr lang="en-US" sz="2000" dirty="0" err="1" smtClean="0"/>
+              <a:t>instansieres</a:t>
+            </a:r>
+            <a:r>
+              <a:rPr lang="en-US" sz="2000" dirty="0" smtClean="0"/>
+              <a:t> </a:t>
+            </a:r>
+            <a:r>
+              <a:rPr lang="en-US" sz="2000" dirty="0" err="1" smtClean="0"/>
+              <a:t>uten</a:t>
+            </a:r>
+            <a:r>
+              <a:rPr lang="en-US" sz="2000" dirty="0"/>
+              <a:t> </a:t>
+            </a:r>
+            <a:r>
+              <a:rPr lang="en-US" sz="2000" dirty="0" smtClean="0"/>
+              <a:t>new!</a:t>
+            </a:r>
+          </a:p>
+          <a:p>
+            <a:pPr marL="0" indent="0">
+              <a:buNone/>
+            </a:pPr>
+            <a:r>
+              <a:rPr lang="en-US" sz="2000" dirty="0" err="1"/>
+              <a:t>val</a:t>
+            </a:r>
+            <a:r>
+              <a:rPr lang="en-US" sz="2000" dirty="0"/>
+              <a:t> p = Person(</a:t>
+            </a:r>
+            <a:r>
+              <a:rPr lang="en-US" sz="2000" dirty="0" smtClean="0"/>
+              <a:t>“Jan Erik”</a:t>
+            </a:r>
+            <a:r>
+              <a:rPr lang="en-US" sz="2000" dirty="0"/>
+              <a:t>, </a:t>
+            </a:r>
+            <a:r>
+              <a:rPr lang="en-US" sz="2000" dirty="0" smtClean="0"/>
+              <a:t>“Svendsen”</a:t>
+            </a:r>
+            <a:r>
+              <a:rPr lang="en-US" sz="2000" dirty="0"/>
+              <a:t>) </a:t>
+            </a:r>
+            <a:endParaRPr lang="en-US" sz="2000" dirty="0" smtClean="0"/>
+          </a:p>
+          <a:p>
+            <a:pPr marL="0" indent="0">
+              <a:buNone/>
+            </a:pPr>
+            <a:endParaRPr lang="en-US" sz="2000" dirty="0" smtClean="0"/>
+          </a:p>
+          <a:p>
+            <a:pPr marL="0" indent="0">
+              <a:buNone/>
+            </a:pPr>
+            <a:endParaRPr lang="en-US" sz="2000" dirty="0" smtClean="0">
+              <a:effectLst/>
+            </a:endParaRPr>
+          </a:p>
+          <a:p>
+            <a:pPr marL="0" indent="0">
+              <a:buNone/>
+            </a:pPr>
+            <a:endParaRPr lang="en-US" sz="2000" dirty="0">
+              <a:effectLst/>
+            </a:endParaRPr>
+          </a:p>
+        </p:txBody>
+      </p:sp>
+    </p:spTree>
+    <p:extLst>
+      <p:ext uri="{BB962C8B-B14F-4D97-AF65-F5344CB8AC3E}">
+        <p14:creationId xmlns:p14="http://schemas.microsoft.com/office/powerpoint/2010/main" val="1095276091"/>
+      </p:ext>
+    </p:extLst>
+  </p:cSld>
+  <p:clrMapOvr>
+    <a:masterClrMapping/>
+  </p:clrMapOvr>
+</p:sld>
+</file>
+
+<file path=ppt/slides/slide9.xml><?xml version="1.0" encoding="utf-8"?>
+<p:sld xmlns:a="http://schemas.openxmlformats.org/drawingml/2006/main" xmlns:r="http://schemas.openxmlformats.org/officeDocument/2006/relationships" xmlns:p="http://schemas.openxmlformats.org/presentationml/2006/main">
+  <p:cSld>
+    <p:spTree>
+      <p:nvGrpSpPr>
+        <p:cNvPr id="1" name=""/>
+        <p:cNvGrpSpPr/>
+        <p:nvPr/>
+      </p:nvGrpSpPr>
+      <p:grpSpPr>
+        <a:xfrm>
+          <a:off x="0" y="0"/>
+          <a:ext cx="0" cy="0"/>
+          <a:chOff x="0" y="0"/>
+          <a:chExt cx="0" cy="0"/>
+        </a:xfrm>
+      </p:grpSpPr>
+      <p:sp>
+        <p:nvSpPr>
+          <p:cNvPr id="2" name="Title 1"/>
+          <p:cNvSpPr>
+            <a:spLocks noGrp="1"/>
+          </p:cNvSpPr>
+          <p:nvPr>
+            <p:ph type="title"/>
+          </p:nvPr>
+        </p:nvSpPr>
+        <p:spPr/>
+        <p:txBody>
+          <a:bodyPr/>
+          <a:lstStyle/>
+          <a:p>
+            <a:r>
+              <a:rPr lang="en-US" dirty="0" smtClean="0"/>
+              <a:t>Pattern matching </a:t>
+            </a:r>
+            <a:r>
+              <a:rPr lang="en-US" dirty="0" err="1" smtClean="0"/>
+              <a:t>på</a:t>
+            </a:r>
+            <a:r>
+              <a:rPr lang="en-US" dirty="0" smtClean="0"/>
+              <a:t> </a:t>
+            </a:r>
+            <a:r>
+              <a:rPr lang="en-US" dirty="0" err="1" smtClean="0"/>
+              <a:t>verdi</a:t>
+            </a:r>
+            <a:endParaRPr lang="en-US" dirty="0"/>
+          </a:p>
+        </p:txBody>
+      </p:sp>
+      <p:sp>
+        <p:nvSpPr>
+          <p:cNvPr id="3" name="Content Placeholder 2"/>
+          <p:cNvSpPr>
+            <a:spLocks noGrp="1"/>
+          </p:cNvSpPr>
+          <p:nvPr>
+            <p:ph idx="1"/>
+          </p:nvPr>
+        </p:nvSpPr>
+        <p:spPr/>
+        <p:txBody>
+          <a:bodyPr>
+            <a:normAutofit/>
+          </a:bodyPr>
+          <a:lstStyle/>
+          <a:p>
+            <a:pPr marL="0" indent="0">
+              <a:buNone/>
+            </a:pPr>
+            <a:r>
+              <a:rPr lang="en-US" dirty="0" err="1"/>
+              <a:t>val</a:t>
+            </a:r>
+            <a:r>
+              <a:rPr lang="en-US" dirty="0"/>
+              <a:t> </a:t>
+            </a:r>
+            <a:r>
+              <a:rPr lang="en-US" dirty="0" err="1"/>
+              <a:t>anInteger</a:t>
+            </a:r>
+            <a:r>
+              <a:rPr lang="en-US" dirty="0"/>
+              <a:t> = 5 </a:t>
+            </a:r>
+            <a:endParaRPr lang="en-US" dirty="0" smtClean="0"/>
+          </a:p>
+          <a:p>
+            <a:pPr marL="0" indent="0">
+              <a:buNone/>
+            </a:pPr>
+            <a:endParaRPr lang="en-US" dirty="0"/>
+          </a:p>
+          <a:p>
+            <a:pPr marL="0" indent="0">
+              <a:buNone/>
+            </a:pPr>
+            <a:r>
+              <a:rPr lang="en-US" dirty="0" err="1" smtClean="0"/>
+              <a:t>anInteger</a:t>
+            </a:r>
+            <a:r>
+              <a:rPr lang="en-US" dirty="0" smtClean="0"/>
+              <a:t> </a:t>
+            </a:r>
+            <a:r>
+              <a:rPr lang="en-US" dirty="0"/>
+              <a:t>match { </a:t>
+            </a:r>
+            <a:endParaRPr lang="en-US" dirty="0" smtClean="0"/>
+          </a:p>
+          <a:p>
+            <a:pPr marL="400050" lvl="1" indent="0">
+              <a:buNone/>
+            </a:pPr>
+            <a:r>
+              <a:rPr lang="en-US" dirty="0" smtClean="0"/>
+              <a:t>case </a:t>
+            </a:r>
+            <a:r>
+              <a:rPr lang="en-US" dirty="0"/>
+              <a:t>1 =&gt; </a:t>
+            </a:r>
+            <a:r>
+              <a:rPr lang="en-US" dirty="0" err="1"/>
+              <a:t>println</a:t>
+            </a:r>
+            <a:r>
+              <a:rPr lang="en-US" dirty="0"/>
+              <a:t>(“Number One”) </a:t>
+            </a:r>
+            <a:endParaRPr lang="en-US" dirty="0" smtClean="0"/>
+          </a:p>
+          <a:p>
+            <a:pPr marL="400050" lvl="1" indent="0">
+              <a:buNone/>
+            </a:pPr>
+            <a:r>
+              <a:rPr lang="en-US" dirty="0" smtClean="0"/>
+              <a:t>case </a:t>
+            </a:r>
+            <a:r>
+              <a:rPr lang="en-US" dirty="0"/>
+              <a:t>2 =&gt; </a:t>
+            </a:r>
+            <a:r>
+              <a:rPr lang="en-US" dirty="0" err="1"/>
+              <a:t>println</a:t>
+            </a:r>
+            <a:r>
+              <a:rPr lang="en-US" dirty="0"/>
+              <a:t>(“Runner up”) </a:t>
+            </a:r>
+            <a:endParaRPr lang="en-US" dirty="0" smtClean="0"/>
+          </a:p>
+          <a:p>
+            <a:pPr marL="400050" lvl="1" indent="0">
+              <a:buNone/>
+            </a:pPr>
+            <a:r>
+              <a:rPr lang="en-US" dirty="0" smtClean="0"/>
+              <a:t>case </a:t>
+            </a:r>
+            <a:r>
+              <a:rPr lang="en-US" dirty="0"/>
+              <a:t>_ =&gt; </a:t>
+            </a:r>
+            <a:r>
+              <a:rPr lang="en-US" dirty="0" err="1"/>
+              <a:t>println</a:t>
+            </a:r>
+            <a:r>
+              <a:rPr lang="en-US" dirty="0"/>
+              <a:t>(“Everyone else”) </a:t>
+            </a:r>
+            <a:endParaRPr lang="en-US" dirty="0" smtClean="0"/>
+          </a:p>
+          <a:p>
+            <a:pPr marL="0" indent="0">
+              <a:buNone/>
+            </a:pPr>
+            <a:r>
+              <a:rPr lang="en-US" dirty="0" smtClean="0"/>
+              <a:t>}</a:t>
+            </a:r>
+            <a:endParaRPr lang="en-US" sz="1600" dirty="0"/>
+          </a:p>
+        </p:txBody>
+      </p:sp>
+    </p:spTree>
+    <p:extLst>
+      <p:ext uri="{BB962C8B-B14F-4D97-AF65-F5344CB8AC3E}">
+        <p14:creationId xmlns:p14="http://schemas.microsoft.com/office/powerpoint/2010/main" val="1351268960"/>
       </p:ext>
     </p:extLst>
   </p:cSld>

--- a/presentation/FunctionalProgramming0.pptx
+++ b/presentation/FunctionalProgramming0.pptx
@@ -10,16 +10,19 @@
     <p:sldId id="258" r:id="rId4"/>
     <p:sldId id="264" r:id="rId5"/>
     <p:sldId id="274" r:id="rId6"/>
-    <p:sldId id="260" r:id="rId7"/>
-    <p:sldId id="270" r:id="rId8"/>
-    <p:sldId id="265" r:id="rId9"/>
-    <p:sldId id="266" r:id="rId10"/>
-    <p:sldId id="267" r:id="rId11"/>
-    <p:sldId id="268" r:id="rId12"/>
-    <p:sldId id="269" r:id="rId13"/>
-    <p:sldId id="271" r:id="rId14"/>
-    <p:sldId id="261" r:id="rId15"/>
-    <p:sldId id="273" r:id="rId16"/>
+    <p:sldId id="270" r:id="rId7"/>
+    <p:sldId id="265" r:id="rId8"/>
+    <p:sldId id="266" r:id="rId9"/>
+    <p:sldId id="267" r:id="rId10"/>
+    <p:sldId id="268" r:id="rId11"/>
+    <p:sldId id="269" r:id="rId12"/>
+    <p:sldId id="271" r:id="rId13"/>
+    <p:sldId id="261" r:id="rId14"/>
+    <p:sldId id="273" r:id="rId15"/>
+    <p:sldId id="275" r:id="rId16"/>
+    <p:sldId id="276" r:id="rId17"/>
+    <p:sldId id="277" r:id="rId18"/>
+    <p:sldId id="278" r:id="rId19"/>
   </p:sldIdLst>
   <p:sldSz cx="9144000" cy="6858000" type="screen4x3"/>
   <p:notesSz cx="6858000" cy="9144000"/>
@@ -3202,6 +3205,13 @@
   <p:clrMapOvr>
     <a:masterClrMapping/>
   </p:clrMapOvr>
+  <p:timing>
+    <p:tnLst>
+      <p:par>
+        <p:cTn xmlns:p14="http://schemas.microsoft.com/office/powerpoint/2010/main" id="1" dur="indefinite" restart="never" nodeType="tmRoot"/>
+      </p:par>
+    </p:tnLst>
+  </p:timing>
 </p:sld>
 </file>
 
@@ -3239,15 +3249,7 @@
           <a:p>
             <a:r>
               <a:rPr lang="en-US" dirty="0" smtClean="0"/>
-              <a:t>Pattern matching </a:t>
-            </a:r>
-            <a:r>
-              <a:rPr lang="en-US" dirty="0" err="1" smtClean="0"/>
-              <a:t>på</a:t>
-            </a:r>
-            <a:r>
-              <a:rPr lang="en-US" dirty="0" smtClean="0"/>
-              <a:t> type</a:t>
+              <a:t>Pattern matching med guards</a:t>
             </a:r>
             <a:endParaRPr lang="en-US" dirty="0"/>
           </a:p>
@@ -3272,8 +3274,12 @@
               <a:buNone/>
             </a:pPr>
             <a:r>
+              <a:rPr lang="en-US" dirty="0" err="1"/>
+              <a:t>myObject</a:t>
+            </a:r>
+            <a:r>
               <a:rPr lang="en-US" dirty="0"/>
-              <a:t>something match { </a:t>
+              <a:t> match { </a:t>
             </a:r>
             <a:endParaRPr lang="en-US" dirty="0" smtClean="0"/>
           </a:p>
@@ -3284,6 +3290,26 @@
             <a:r>
               <a:rPr lang="en-US" dirty="0" smtClean="0"/>
               <a:t>case </a:t>
+            </a:r>
+            <a:r>
+              <a:rPr lang="en-US" dirty="0" err="1"/>
+              <a:t>i</a:t>
+            </a:r>
+            <a:r>
+              <a:rPr lang="en-US" dirty="0"/>
+              <a:t>: </a:t>
+            </a:r>
+            <a:r>
+              <a:rPr lang="en-US" dirty="0" err="1"/>
+              <a:t>Int</a:t>
+            </a:r>
+            <a:r>
+              <a:rPr lang="en-US" dirty="0"/>
+              <a:t> </a:t>
+            </a:r>
+            <a:r>
+              <a:rPr lang="en-US" b="1" dirty="0"/>
+              <a:t>if </a:t>
             </a:r>
             <a:r>
               <a:rPr lang="en-US" b="1" dirty="0" err="1"/>
@@ -3291,11 +3317,7 @@
             </a:r>
             <a:r>
               <a:rPr lang="en-US" b="1" dirty="0"/>
-              <a:t>: </a:t>
-            </a:r>
-            <a:r>
-              <a:rPr lang="en-US" b="1" dirty="0" err="1"/>
-              <a:t>Int</a:t>
+              <a:t> == 0</a:t>
             </a:r>
             <a:r>
               <a:rPr lang="en-US" dirty="0"/>
@@ -3307,7 +3329,17 @@
             </a:r>
             <a:r>
               <a:rPr lang="en-US" dirty="0"/>
-              <a:t>(“Found a number: ” + </a:t>
+              <a:t>(“It’s Zero”) </a:t>
+            </a:r>
+            <a:endParaRPr lang="en-US" dirty="0" smtClean="0"/>
+          </a:p>
+          <a:p>
+            <a:pPr marL="400050" lvl="1" indent="0">
+              <a:buNone/>
+            </a:pPr>
+            <a:r>
+              <a:rPr lang="en-US" dirty="0" smtClean="0"/>
+              <a:t>case </a:t>
             </a:r>
             <a:r>
               <a:rPr lang="en-US" dirty="0" err="1"/>
@@ -3315,21 +3347,27 @@
             </a:r>
             <a:r>
               <a:rPr lang="en-US" dirty="0"/>
-              <a:t>) </a:t>
-            </a:r>
-            <a:endParaRPr lang="en-US" dirty="0" smtClean="0"/>
-          </a:p>
-          <a:p>
-            <a:pPr marL="400050" lvl="1" indent="0">
-              <a:buNone/>
-            </a:pPr>
-            <a:r>
-              <a:rPr lang="en-US" dirty="0" smtClean="0"/>
-              <a:t>case </a:t>
+              <a:t>: </a:t>
+            </a:r>
+            <a:r>
+              <a:rPr lang="en-US" dirty="0" err="1"/>
+              <a:t>Int</a:t>
+            </a:r>
+            <a:r>
+              <a:rPr lang="en-US" dirty="0"/>
+              <a:t> </a:t>
             </a:r>
             <a:r>
               <a:rPr lang="en-US" b="1" dirty="0"/>
-              <a:t>s: String</a:t>
+              <a:t>if </a:t>
+            </a:r>
+            <a:r>
+              <a:rPr lang="en-US" b="1" dirty="0" err="1"/>
+              <a:t>i</a:t>
+            </a:r>
+            <a:r>
+              <a:rPr lang="en-US" b="1" dirty="0"/>
+              <a:t> &gt; 5</a:t>
             </a:r>
             <a:r>
               <a:rPr lang="en-US" dirty="0"/>
@@ -3341,9 +3379,12 @@
             </a:r>
             <a:r>
               <a:rPr lang="en-US" dirty="0"/>
-              <a:t>(“Found a string: ” + s) </a:t>
-            </a:r>
-            <a:endParaRPr lang="en-US" dirty="0" smtClean="0"/>
+              <a:t>(“Bigger than 5”</a:t>
+            </a:r>
+            <a:r>
+              <a:rPr lang="en-US" dirty="0" smtClean="0"/>
+              <a:t>)</a:t>
+            </a:r>
           </a:p>
           <a:p>
             <a:pPr marL="400050" lvl="1" indent="0">
@@ -3355,7 +3396,7 @@
             </a:r>
             <a:r>
               <a:rPr lang="en-US" dirty="0"/>
-              <a:t>_ =&gt; </a:t>
+              <a:t>other =&gt; </a:t>
             </a:r>
             <a:r>
               <a:rPr lang="en-US" dirty="0" err="1"/>
@@ -3363,11 +3404,19 @@
             </a:r>
             <a:r>
               <a:rPr lang="en-US" dirty="0"/>
-              <a:t>(“Found unsupported type”</a:t>
-            </a:r>
-            <a:r>
-              <a:rPr lang="en-US" dirty="0" smtClean="0"/>
-              <a:t>)</a:t>
+              <a:t>(</a:t>
+            </a:r>
+            <a:r>
+              <a:rPr lang="en-US" dirty="0" smtClean="0"/>
+              <a:t>“don</a:t>
+            </a:r>
+            <a:r>
+              <a:rPr lang="fr-FR" dirty="0" smtClean="0"/>
+              <a:t>’</a:t>
+            </a:r>
+            <a:r>
+              <a:rPr lang="en-US" dirty="0" smtClean="0"/>
+              <a:t>t care”)</a:t>
             </a:r>
           </a:p>
           <a:p>
@@ -3376,17 +3425,11 @@
             </a:pPr>
             <a:r>
               <a:rPr lang="en-US" dirty="0" smtClean="0"/>
-              <a:t> </a:t>
-            </a:r>
-            <a:r>
-              <a:rPr lang="en-US" dirty="0"/>
               <a:t>} </a:t>
             </a:r>
-          </a:p>
-          <a:p>
-            <a:pPr marL="0" indent="0">
-              <a:buNone/>
-            </a:pPr>
+            <a:endParaRPr lang="en-US" dirty="0"/>
+          </a:p>
+          <a:p>
             <a:endParaRPr lang="en-US" dirty="0"/>
           </a:p>
         </p:txBody>
@@ -3394,13 +3437,20 @@
     </p:spTree>
     <p:extLst>
       <p:ext uri="{BB962C8B-B14F-4D97-AF65-F5344CB8AC3E}">
-        <p14:creationId xmlns:p14="http://schemas.microsoft.com/office/powerpoint/2010/main" val="3559961699"/>
+        <p14:creationId xmlns:p14="http://schemas.microsoft.com/office/powerpoint/2010/main" val="3410999911"/>
       </p:ext>
     </p:extLst>
   </p:cSld>
   <p:clrMapOvr>
     <a:masterClrMapping/>
   </p:clrMapOvr>
+  <p:timing>
+    <p:tnLst>
+      <p:par>
+        <p:cTn xmlns:p14="http://schemas.microsoft.com/office/powerpoint/2010/main" id="1" dur="indefinite" restart="never" nodeType="tmRoot"/>
+      </p:par>
+    </p:tnLst>
+  </p:timing>
 </p:sld>
 </file>
 
@@ -3438,7 +3488,15 @@
           <a:p>
             <a:r>
               <a:rPr lang="en-US" dirty="0" smtClean="0"/>
-              <a:t>Pattern matching med guards</a:t>
+              <a:t>Patten match </a:t>
+            </a:r>
+            <a:r>
+              <a:rPr lang="en-US" dirty="0" err="1" smtClean="0"/>
+              <a:t>er</a:t>
+            </a:r>
+            <a:r>
+              <a:rPr lang="en-US" dirty="0" smtClean="0"/>
+              <a:t> et statement</a:t>
             </a:r>
             <a:endParaRPr lang="en-US" dirty="0"/>
           </a:p>
@@ -3462,6 +3520,22 @@
             <a:pPr marL="0" indent="0">
               <a:buNone/>
             </a:pPr>
+            <a:r>
+              <a:rPr lang="en-US" dirty="0" err="1"/>
+              <a:t>val</a:t>
+            </a:r>
+            <a:r>
+              <a:rPr lang="en-US" dirty="0"/>
+              <a:t> </a:t>
+            </a:r>
+            <a:r>
+              <a:rPr lang="en-US" dirty="0" err="1"/>
+              <a:t>acceptedType</a:t>
+            </a:r>
+            <a:r>
+              <a:rPr lang="en-US" dirty="0"/>
+              <a:t> = </a:t>
+            </a:r>
             <a:r>
               <a:rPr lang="en-US" dirty="0" err="1"/>
               <a:t>myObject</a:t>
@@ -3494,119 +3568,37 @@
             </a:r>
             <a:r>
               <a:rPr lang="en-US" dirty="0"/>
-              <a:t> </a:t>
-            </a:r>
-            <a:r>
-              <a:rPr lang="en-US" b="1" dirty="0"/>
-              <a:t>if </a:t>
-            </a:r>
-            <a:r>
-              <a:rPr lang="en-US" b="1" dirty="0" err="1"/>
-              <a:t>i</a:t>
-            </a:r>
-            <a:r>
-              <a:rPr lang="en-US" b="1" dirty="0"/>
-              <a:t> == 0</a:t>
+              <a:t> =&gt; true </a:t>
+            </a:r>
+            <a:endParaRPr lang="en-US" dirty="0" smtClean="0"/>
+          </a:p>
+          <a:p>
+            <a:pPr marL="400050" lvl="1" indent="0">
+              <a:buNone/>
+            </a:pPr>
+            <a:r>
+              <a:rPr lang="en-US" dirty="0" smtClean="0"/>
+              <a:t>case </a:t>
             </a:r>
             <a:r>
               <a:rPr lang="en-US" dirty="0"/>
-              <a:t> =&gt; </a:t>
-            </a:r>
-            <a:r>
-              <a:rPr lang="en-US" dirty="0" err="1"/>
-              <a:t>println</a:t>
+              <a:t>s: String =&gt; true </a:t>
+            </a:r>
+            <a:endParaRPr lang="en-US" dirty="0" smtClean="0"/>
+          </a:p>
+          <a:p>
+            <a:pPr marL="400050" lvl="1" indent="0">
+              <a:buNone/>
+            </a:pPr>
+            <a:r>
+              <a:rPr lang="en-US" dirty="0" smtClean="0"/>
+              <a:t>case </a:t>
             </a:r>
             <a:r>
               <a:rPr lang="en-US" dirty="0"/>
-              <a:t>(“It’s Zero”) </a:t>
+              <a:t>other =&gt; false </a:t>
             </a:r>
             <a:endParaRPr lang="en-US" dirty="0" smtClean="0"/>
-          </a:p>
-          <a:p>
-            <a:pPr marL="400050" lvl="1" indent="0">
-              <a:buNone/>
-            </a:pPr>
-            <a:r>
-              <a:rPr lang="en-US" dirty="0" smtClean="0"/>
-              <a:t>case </a:t>
-            </a:r>
-            <a:r>
-              <a:rPr lang="en-US" dirty="0" err="1"/>
-              <a:t>i</a:t>
-            </a:r>
-            <a:r>
-              <a:rPr lang="en-US" dirty="0"/>
-              <a:t>: </a:t>
-            </a:r>
-            <a:r>
-              <a:rPr lang="en-US" dirty="0" err="1"/>
-              <a:t>Int</a:t>
-            </a:r>
-            <a:r>
-              <a:rPr lang="en-US" dirty="0"/>
-              <a:t> </a:t>
-            </a:r>
-            <a:r>
-              <a:rPr lang="en-US" b="1" dirty="0"/>
-              <a:t>if </a:t>
-            </a:r>
-            <a:r>
-              <a:rPr lang="en-US" b="1" dirty="0" err="1"/>
-              <a:t>i</a:t>
-            </a:r>
-            <a:r>
-              <a:rPr lang="en-US" b="1" dirty="0"/>
-              <a:t> &gt; 5</a:t>
-            </a:r>
-            <a:r>
-              <a:rPr lang="en-US" dirty="0"/>
-              <a:t> =&gt; </a:t>
-            </a:r>
-            <a:r>
-              <a:rPr lang="en-US" dirty="0" err="1"/>
-              <a:t>println</a:t>
-            </a:r>
-            <a:r>
-              <a:rPr lang="en-US" dirty="0"/>
-              <a:t>(“Bigger than 5”</a:t>
-            </a:r>
-            <a:r>
-              <a:rPr lang="en-US" dirty="0" smtClean="0"/>
-              <a:t>)</a:t>
-            </a:r>
-          </a:p>
-          <a:p>
-            <a:pPr marL="400050" lvl="1" indent="0">
-              <a:buNone/>
-            </a:pPr>
-            <a:r>
-              <a:rPr lang="en-US" dirty="0" smtClean="0"/>
-              <a:t>case </a:t>
-            </a:r>
-            <a:r>
-              <a:rPr lang="en-US" dirty="0"/>
-              <a:t>other =&gt; </a:t>
-            </a:r>
-            <a:r>
-              <a:rPr lang="en-US" dirty="0" err="1"/>
-              <a:t>println</a:t>
-            </a:r>
-            <a:r>
-              <a:rPr lang="en-US" dirty="0"/>
-              <a:t>(</a:t>
-            </a:r>
-            <a:r>
-              <a:rPr lang="en-US" dirty="0" smtClean="0"/>
-              <a:t>“don</a:t>
-            </a:r>
-            <a:r>
-              <a:rPr lang="fr-FR" dirty="0" smtClean="0"/>
-              <a:t>’</a:t>
-            </a:r>
-            <a:r>
-              <a:rPr lang="en-US" dirty="0" smtClean="0"/>
-              <a:t>t care”)</a:t>
-            </a:r>
           </a:p>
           <a:p>
             <a:pPr marL="0" indent="0">
@@ -3626,13 +3618,20 @@
     </p:spTree>
     <p:extLst>
       <p:ext uri="{BB962C8B-B14F-4D97-AF65-F5344CB8AC3E}">
-        <p14:creationId xmlns:p14="http://schemas.microsoft.com/office/powerpoint/2010/main" val="3410999911"/>
+        <p14:creationId xmlns:p14="http://schemas.microsoft.com/office/powerpoint/2010/main" val="868264867"/>
       </p:ext>
     </p:extLst>
   </p:cSld>
   <p:clrMapOvr>
     <a:masterClrMapping/>
   </p:clrMapOvr>
+  <p:timing>
+    <p:tnLst>
+      <p:par>
+        <p:cTn xmlns:p14="http://schemas.microsoft.com/office/powerpoint/2010/main" id="1" dur="indefinite" restart="never" nodeType="tmRoot"/>
+      </p:par>
+    </p:tnLst>
+  </p:timing>
 </p:sld>
 </file>
 
@@ -3670,15 +3669,19 @@
           <a:p>
             <a:r>
               <a:rPr lang="en-US" dirty="0" smtClean="0"/>
-              <a:t>Patten match </a:t>
-            </a:r>
-            <a:r>
-              <a:rPr lang="en-US" dirty="0" err="1" smtClean="0"/>
-              <a:t>er</a:t>
-            </a:r>
-            <a:r>
-              <a:rPr lang="en-US" dirty="0" smtClean="0"/>
-              <a:t> et statement</a:t>
+              <a:t>pattern matching </a:t>
+            </a:r>
+            <a:r>
+              <a:rPr lang="en-US" dirty="0" err="1" smtClean="0"/>
+              <a:t>på</a:t>
+            </a:r>
+            <a:r>
+              <a:rPr lang="en-US" dirty="0" smtClean="0"/>
+              <a:t> en </a:t>
+            </a:r>
+            <a:r>
+              <a:rPr lang="en-US" dirty="0" err="1" smtClean="0"/>
+              <a:t>struktur</a:t>
             </a:r>
             <a:endParaRPr lang="en-US" dirty="0"/>
           </a:p>
@@ -3696,117 +3699,127 @@
         </p:nvSpPr>
         <p:spPr/>
         <p:txBody>
-          <a:bodyPr/>
+          <a:bodyPr>
+            <a:normAutofit/>
+          </a:bodyPr>
           <a:lstStyle/>
           <a:p>
             <a:pPr marL="0" indent="0">
               <a:buNone/>
             </a:pPr>
             <a:r>
-              <a:rPr lang="en-US" dirty="0" err="1"/>
-              <a:t>val</a:t>
-            </a:r>
-            <a:r>
-              <a:rPr lang="en-US" dirty="0"/>
-              <a:t> </a:t>
-            </a:r>
-            <a:r>
-              <a:rPr lang="en-US" dirty="0" err="1"/>
-              <a:t>acceptedType</a:t>
-            </a:r>
-            <a:r>
-              <a:rPr lang="en-US" dirty="0"/>
-              <a:t> = </a:t>
-            </a:r>
-            <a:r>
-              <a:rPr lang="en-US" dirty="0" err="1"/>
-              <a:t>myObject</a:t>
-            </a:r>
-            <a:r>
-              <a:rPr lang="en-US" dirty="0"/>
-              <a:t> match { </a:t>
-            </a:r>
-            <a:endParaRPr lang="en-US" dirty="0" smtClean="0"/>
+              <a:rPr lang="en-US" sz="2400" dirty="0"/>
+              <a:t>case class Address(street: String, country: String) </a:t>
+            </a:r>
+            <a:endParaRPr lang="en-US" sz="2400" dirty="0" smtClean="0"/>
+          </a:p>
+          <a:p>
+            <a:pPr marL="0" indent="0">
+              <a:buNone/>
+            </a:pPr>
+            <a:r>
+              <a:rPr lang="en-US" sz="2400" dirty="0" smtClean="0"/>
+              <a:t>case </a:t>
+            </a:r>
+            <a:r>
+              <a:rPr lang="en-US" sz="2400" dirty="0"/>
+              <a:t>class Person(u: String, p: String, a: Address) </a:t>
+            </a:r>
+            <a:endParaRPr lang="en-US" sz="2400" dirty="0" smtClean="0"/>
+          </a:p>
+          <a:p>
+            <a:pPr marL="0" indent="0">
+              <a:buNone/>
+            </a:pPr>
+            <a:r>
+              <a:rPr lang="en-US" sz="2400" dirty="0" err="1" smtClean="0"/>
+              <a:t>countrySupported</a:t>
+            </a:r>
+            <a:r>
+              <a:rPr lang="en-US" sz="2400" dirty="0" smtClean="0"/>
+              <a:t> </a:t>
+            </a:r>
+            <a:r>
+              <a:rPr lang="en-US" sz="2400" dirty="0"/>
+              <a:t>match { </a:t>
+            </a:r>
+            <a:endParaRPr lang="en-US" sz="2400" dirty="0" smtClean="0"/>
           </a:p>
           <a:p>
             <a:pPr marL="400050" lvl="1" indent="0">
               <a:buNone/>
             </a:pPr>
             <a:r>
-              <a:rPr lang="en-US" dirty="0" smtClean="0"/>
+              <a:rPr lang="en-US" sz="2000" dirty="0" smtClean="0"/>
               <a:t>case </a:t>
             </a:r>
             <a:r>
-              <a:rPr lang="en-US" dirty="0" err="1"/>
-              <a:t>i</a:t>
-            </a:r>
-            <a:r>
-              <a:rPr lang="en-US" dirty="0"/>
-              <a:t>: </a:t>
-            </a:r>
-            <a:r>
-              <a:rPr lang="en-US" dirty="0" err="1"/>
-              <a:t>Int</a:t>
-            </a:r>
-            <a:r>
-              <a:rPr lang="en-US" dirty="0"/>
-              <a:t> =&gt; true </a:t>
-            </a:r>
-            <a:endParaRPr lang="en-US" dirty="0" smtClean="0"/>
+              <a:rPr lang="en-US" sz="2000" dirty="0"/>
+              <a:t>Person(_,_, Address(_,country)) =&gt; </a:t>
+            </a:r>
+            <a:r>
+              <a:rPr lang="en-US" sz="2000" dirty="0" smtClean="0"/>
+              <a:t>{ </a:t>
+            </a:r>
+            <a:r>
+              <a:rPr lang="en-US" sz="2000" dirty="0" err="1" smtClean="0"/>
+              <a:t>isCountrySupported</a:t>
+            </a:r>
+            <a:r>
+              <a:rPr lang="en-US" sz="2000" dirty="0"/>
+              <a:t>(country) } </a:t>
+            </a:r>
+            <a:endParaRPr lang="en-US" sz="2000" dirty="0" smtClean="0"/>
           </a:p>
           <a:p>
             <a:pPr marL="400050" lvl="1" indent="0">
               <a:buNone/>
             </a:pPr>
             <a:r>
-              <a:rPr lang="en-US" dirty="0" smtClean="0"/>
+              <a:rPr lang="en-US" sz="2000" dirty="0" smtClean="0"/>
               <a:t>case </a:t>
             </a:r>
             <a:r>
-              <a:rPr lang="en-US" dirty="0"/>
-              <a:t>s: String =&gt; true </a:t>
-            </a:r>
-            <a:endParaRPr lang="en-US" dirty="0" smtClean="0"/>
-          </a:p>
-          <a:p>
-            <a:pPr marL="400050" lvl="1" indent="0">
-              <a:buNone/>
-            </a:pPr>
-            <a:r>
-              <a:rPr lang="en-US" dirty="0" smtClean="0"/>
-              <a:t>case </a:t>
-            </a:r>
-            <a:r>
-              <a:rPr lang="en-US" dirty="0"/>
-              <a:t>other =&gt; false </a:t>
-            </a:r>
-            <a:endParaRPr lang="en-US" dirty="0" smtClean="0"/>
+              <a:rPr lang="en-US" sz="2000" dirty="0"/>
+              <a:t>_ =&gt; false </a:t>
+            </a:r>
+            <a:endParaRPr lang="en-US" sz="2000" dirty="0" smtClean="0"/>
           </a:p>
           <a:p>
             <a:pPr marL="0" indent="0">
               <a:buNone/>
             </a:pPr>
             <a:r>
-              <a:rPr lang="en-US" dirty="0" smtClean="0"/>
+              <a:rPr lang="en-US" sz="2400" dirty="0" smtClean="0"/>
               <a:t>} </a:t>
             </a:r>
-            <a:endParaRPr lang="en-US" dirty="0"/>
-          </a:p>
-          <a:p>
-            <a:endParaRPr lang="en-US" dirty="0"/>
+            <a:endParaRPr lang="en-US" sz="2400" dirty="0"/>
+          </a:p>
+          <a:p>
+            <a:pPr marL="0" indent="0">
+              <a:buNone/>
+            </a:pPr>
+            <a:endParaRPr lang="en-US" sz="2400" dirty="0"/>
           </a:p>
         </p:txBody>
       </p:sp>
     </p:spTree>
     <p:extLst>
       <p:ext uri="{BB962C8B-B14F-4D97-AF65-F5344CB8AC3E}">
-        <p14:creationId xmlns:p14="http://schemas.microsoft.com/office/powerpoint/2010/main" val="868264867"/>
+        <p14:creationId xmlns:p14="http://schemas.microsoft.com/office/powerpoint/2010/main" val="1763855939"/>
       </p:ext>
     </p:extLst>
   </p:cSld>
   <p:clrMapOvr>
     <a:masterClrMapping/>
   </p:clrMapOvr>
+  <p:timing>
+    <p:tnLst>
+      <p:par>
+        <p:cTn xmlns:p14="http://schemas.microsoft.com/office/powerpoint/2010/main" id="1" dur="indefinite" restart="never" nodeType="tmRoot"/>
+      </p:par>
+    </p:tnLst>
+  </p:timing>
 </p:sld>
 </file>
 
@@ -3844,150 +3857,54 @@
           <a:p>
             <a:r>
               <a:rPr lang="en-US" dirty="0" smtClean="0"/>
-              <a:t>pattern matching </a:t>
-            </a:r>
-            <a:r>
-              <a:rPr lang="en-US" dirty="0" err="1" smtClean="0"/>
-              <a:t>på</a:t>
-            </a:r>
-            <a:r>
-              <a:rPr lang="en-US" dirty="0" smtClean="0"/>
-              <a:t> en </a:t>
-            </a:r>
-            <a:r>
-              <a:rPr lang="en-US" dirty="0" err="1" smtClean="0"/>
-              <a:t>struktur</a:t>
+              <a:t>Fold left</a:t>
             </a:r>
             <a:endParaRPr lang="en-US" dirty="0"/>
           </a:p>
         </p:txBody>
       </p:sp>
-      <p:sp>
-        <p:nvSpPr>
-          <p:cNvPr id="3" name="Content Placeholder 2"/>
-          <p:cNvSpPr>
-            <a:spLocks noGrp="1"/>
-          </p:cNvSpPr>
+      <p:pic>
+        <p:nvPicPr>
+          <p:cNvPr id="4" name="Content Placeholder 3" descr="Left-fold-transformation.png"/>
+          <p:cNvPicPr>
+            <a:picLocks noGrp="1" noChangeAspect="1"/>
+          </p:cNvPicPr>
           <p:nvPr>
             <p:ph idx="1"/>
           </p:nvPr>
-        </p:nvSpPr>
-        <p:spPr/>
-        <p:txBody>
-          <a:bodyPr>
-            <a:normAutofit/>
-          </a:bodyPr>
-          <a:lstStyle/>
-          <a:p>
-            <a:pPr marL="0" indent="0">
-              <a:buNone/>
-            </a:pPr>
-            <a:r>
-              <a:rPr lang="en-US" sz="2400" dirty="0"/>
-              <a:t>case class Address(street: String, country: String) </a:t>
-            </a:r>
-            <a:endParaRPr lang="en-US" sz="2400" dirty="0" smtClean="0"/>
-          </a:p>
-          <a:p>
-            <a:pPr marL="0" indent="0">
-              <a:buNone/>
-            </a:pPr>
-            <a:r>
-              <a:rPr lang="en-US" sz="2400" dirty="0" smtClean="0"/>
-              <a:t>case </a:t>
-            </a:r>
-            <a:r>
-              <a:rPr lang="en-US" sz="2400" dirty="0"/>
-              <a:t>class Person(u: String, p: String, a: Address) </a:t>
-            </a:r>
-            <a:endParaRPr lang="en-US" sz="2400" dirty="0" smtClean="0"/>
-          </a:p>
-          <a:p>
-            <a:pPr marL="0" indent="0">
-              <a:buNone/>
-            </a:pPr>
-            <a:r>
-              <a:rPr lang="en-US" sz="2400" dirty="0" err="1" smtClean="0"/>
-              <a:t>countrySupported</a:t>
-            </a:r>
-            <a:r>
-              <a:rPr lang="en-US" sz="2400" dirty="0" smtClean="0"/>
-              <a:t> </a:t>
-            </a:r>
-            <a:r>
-              <a:rPr lang="en-US" sz="2400" dirty="0"/>
-              <a:t>match { </a:t>
-            </a:r>
-            <a:endParaRPr lang="en-US" sz="2400" dirty="0" smtClean="0"/>
-          </a:p>
-          <a:p>
-            <a:pPr marL="400050" lvl="1" indent="0">
-              <a:buNone/>
-            </a:pPr>
-            <a:r>
-              <a:rPr lang="en-US" sz="2000" dirty="0" smtClean="0"/>
-              <a:t>case </a:t>
-            </a:r>
-            <a:r>
-              <a:rPr lang="en-US" sz="2000" dirty="0"/>
-              <a:t>Person(_,_, Address(_,country)) =&gt; </a:t>
-            </a:r>
-            <a:r>
-              <a:rPr lang="en-US" sz="2000" dirty="0" smtClean="0"/>
-              <a:t>{ </a:t>
-            </a:r>
-            <a:r>
-              <a:rPr lang="en-US" sz="2000" dirty="0" err="1" smtClean="0"/>
-              <a:t>isCountrySupported</a:t>
-            </a:r>
-            <a:r>
-              <a:rPr lang="en-US" sz="2000" dirty="0"/>
-              <a:t>(country) } </a:t>
-            </a:r>
-            <a:endParaRPr lang="en-US" sz="2000" dirty="0" smtClean="0"/>
-          </a:p>
-          <a:p>
-            <a:pPr marL="400050" lvl="1" indent="0">
-              <a:buNone/>
-            </a:pPr>
-            <a:r>
-              <a:rPr lang="en-US" sz="2000" dirty="0" smtClean="0"/>
-              <a:t>case </a:t>
-            </a:r>
-            <a:r>
-              <a:rPr lang="en-US" sz="2000" dirty="0"/>
-              <a:t>_ =&gt; false </a:t>
-            </a:r>
-            <a:endParaRPr lang="en-US" sz="2000" dirty="0" smtClean="0"/>
-          </a:p>
-          <a:p>
-            <a:pPr marL="0" indent="0">
-              <a:buNone/>
-            </a:pPr>
-            <a:r>
-              <a:rPr lang="en-US" sz="2400" dirty="0" smtClean="0"/>
-              <a:t>} </a:t>
-            </a:r>
-            <a:endParaRPr lang="en-US" sz="2400" dirty="0"/>
-          </a:p>
-          <a:p>
-            <a:pPr marL="0" indent="0">
-              <a:buNone/>
-            </a:pPr>
-            <a:endParaRPr lang="en-US" sz="2400" dirty="0"/>
-          </a:p>
-        </p:txBody>
-      </p:sp>
+        </p:nvPicPr>
+        <p:blipFill>
+          <a:blip r:embed="rId2">
+            <a:extLst>
+              <a:ext uri="{28A0092B-C50C-407E-A947-70E740481C1C}">
+                <a14:useLocalDpi xmlns:a14="http://schemas.microsoft.com/office/drawing/2010/main" val="0"/>
+              </a:ext>
+            </a:extLst>
+          </a:blip>
+          <a:srcRect l="5110" r="5110"/>
+          <a:stretch>
+            <a:fillRect/>
+          </a:stretch>
+        </p:blipFill>
+        <p:spPr/>
+      </p:pic>
     </p:spTree>
     <p:extLst>
       <p:ext uri="{BB962C8B-B14F-4D97-AF65-F5344CB8AC3E}">
-        <p14:creationId xmlns:p14="http://schemas.microsoft.com/office/powerpoint/2010/main" val="1763855939"/>
+        <p14:creationId xmlns:p14="http://schemas.microsoft.com/office/powerpoint/2010/main" val="3032431018"/>
       </p:ext>
     </p:extLst>
   </p:cSld>
   <p:clrMapOvr>
     <a:masterClrMapping/>
   </p:clrMapOvr>
+  <p:timing>
+    <p:tnLst>
+      <p:par>
+        <p:cTn xmlns:p14="http://schemas.microsoft.com/office/powerpoint/2010/main" id="1" dur="indefinite" restart="never" nodeType="tmRoot"/>
+      </p:par>
+    </p:tnLst>
+  </p:timing>
 </p:sld>
 </file>
 
@@ -4025,11 +3942,7 @@
           <a:p>
             <a:r>
               <a:rPr lang="en-US" dirty="0" smtClean="0"/>
-              <a:t>Fold </a:t>
-            </a:r>
-            <a:r>
-              <a:rPr lang="en-US" dirty="0" smtClean="0"/>
-              <a:t>left</a:t>
+              <a:t>Fold right</a:t>
             </a:r>
             <a:endParaRPr lang="en-US" dirty="0"/>
           </a:p>
@@ -4037,7 +3950,7 @@
       </p:sp>
       <p:pic>
         <p:nvPicPr>
-          <p:cNvPr id="4" name="Content Placeholder 3" descr="Left-fold-transformation.png"/>
+          <p:cNvPr id="4" name="Content Placeholder 3" descr="Right-fold-transformation.png"/>
           <p:cNvPicPr>
             <a:picLocks noGrp="1" noChangeAspect="1"/>
           </p:cNvPicPr>
@@ -4063,13 +3976,20 @@
     </p:spTree>
     <p:extLst>
       <p:ext uri="{BB962C8B-B14F-4D97-AF65-F5344CB8AC3E}">
-        <p14:creationId xmlns:p14="http://schemas.microsoft.com/office/powerpoint/2010/main" val="3032431018"/>
+        <p14:creationId xmlns:p14="http://schemas.microsoft.com/office/powerpoint/2010/main" val="3742786483"/>
       </p:ext>
     </p:extLst>
   </p:cSld>
   <p:clrMapOvr>
     <a:masterClrMapping/>
   </p:clrMapOvr>
+  <p:timing>
+    <p:tnLst>
+      <p:par>
+        <p:cTn xmlns:p14="http://schemas.microsoft.com/office/powerpoint/2010/main" id="1" dur="indefinite" restart="never" nodeType="tmRoot"/>
+      </p:par>
+    </p:tnLst>
+  </p:timing>
 </p:sld>
 </file>
 
@@ -4106,42 +4026,583 @@
           <a:lstStyle/>
           <a:p>
             <a:r>
-              <a:rPr lang="en-US" dirty="0" smtClean="0"/>
-              <a:t>Fold right</a:t>
+              <a:rPr lang="en-US" dirty="0" err="1" smtClean="0"/>
+              <a:t>Flere</a:t>
+            </a:r>
+            <a:r>
+              <a:rPr lang="en-US" dirty="0" smtClean="0"/>
+              <a:t> </a:t>
+            </a:r>
+            <a:r>
+              <a:rPr lang="en-US" dirty="0" err="1" smtClean="0"/>
+              <a:t>eksempler</a:t>
+            </a:r>
+            <a:r>
+              <a:rPr lang="en-US" dirty="0" smtClean="0"/>
+              <a:t>	</a:t>
             </a:r>
             <a:endParaRPr lang="en-US" dirty="0"/>
           </a:p>
         </p:txBody>
       </p:sp>
-      <p:pic>
-        <p:nvPicPr>
-          <p:cNvPr id="4" name="Content Placeholder 3" descr="Right-fold-transformation.png"/>
-          <p:cNvPicPr>
-            <a:picLocks noGrp="1" noChangeAspect="1"/>
-          </p:cNvPicPr>
+      <p:sp>
+        <p:nvSpPr>
+          <p:cNvPr id="3" name="Content Placeholder 2"/>
+          <p:cNvSpPr>
+            <a:spLocks noGrp="1"/>
+          </p:cNvSpPr>
           <p:nvPr>
             <p:ph idx="1"/>
           </p:nvPr>
-        </p:nvPicPr>
-        <p:blipFill>
-          <a:blip r:embed="rId2">
-            <a:extLst>
-              <a:ext uri="{28A0092B-C50C-407E-A947-70E740481C1C}">
-                <a14:useLocalDpi xmlns:a14="http://schemas.microsoft.com/office/drawing/2010/main" val="0"/>
-              </a:ext>
-            </a:extLst>
-          </a:blip>
-          <a:srcRect l="5110" r="5110"/>
-          <a:stretch>
-            <a:fillRect/>
-          </a:stretch>
-        </p:blipFill>
-        <p:spPr/>
-      </p:pic>
+        </p:nvSpPr>
+        <p:spPr/>
+        <p:txBody>
+          <a:bodyPr/>
+          <a:lstStyle/>
+          <a:p>
+            <a:pPr marL="0" indent="0">
+              <a:buNone/>
+            </a:pPr>
+            <a:r>
+              <a:rPr lang="en-US" dirty="0" smtClean="0"/>
+              <a:t>Workspaces I </a:t>
+            </a:r>
+            <a:r>
+              <a:rPr lang="en-US" dirty="0" err="1" smtClean="0"/>
+              <a:t>prosjektet</a:t>
+            </a:r>
+            <a:endParaRPr lang="en-US" dirty="0"/>
+          </a:p>
+        </p:txBody>
+      </p:sp>
     </p:spTree>
     <p:extLst>
       <p:ext uri="{BB962C8B-B14F-4D97-AF65-F5344CB8AC3E}">
-        <p14:creationId xmlns:p14="http://schemas.microsoft.com/office/powerpoint/2010/main" val="3742786483"/>
+        <p14:creationId xmlns:p14="http://schemas.microsoft.com/office/powerpoint/2010/main" val="2905628272"/>
+      </p:ext>
+    </p:extLst>
+  </p:cSld>
+  <p:clrMapOvr>
+    <a:masterClrMapping/>
+  </p:clrMapOvr>
+  <p:timing>
+    <p:tnLst>
+      <p:par>
+        <p:cTn xmlns:p14="http://schemas.microsoft.com/office/powerpoint/2010/main" id="1" dur="indefinite" restart="never" nodeType="tmRoot"/>
+      </p:par>
+    </p:tnLst>
+  </p:timing>
+</p:sld>
+</file>
+
+<file path=ppt/slides/slide16.xml><?xml version="1.0" encoding="utf-8"?>
+<p:sld xmlns:a="http://schemas.openxmlformats.org/drawingml/2006/main" xmlns:r="http://schemas.openxmlformats.org/officeDocument/2006/relationships" xmlns:p="http://schemas.openxmlformats.org/presentationml/2006/main">
+  <p:cSld>
+    <p:spTree>
+      <p:nvGrpSpPr>
+        <p:cNvPr id="1" name=""/>
+        <p:cNvGrpSpPr/>
+        <p:nvPr/>
+      </p:nvGrpSpPr>
+      <p:grpSpPr>
+        <a:xfrm>
+          <a:off x="0" y="0"/>
+          <a:ext cx="0" cy="0"/>
+          <a:chOff x="0" y="0"/>
+          <a:chExt cx="0" cy="0"/>
+        </a:xfrm>
+      </p:grpSpPr>
+      <p:sp>
+        <p:nvSpPr>
+          <p:cNvPr id="2" name="Title 1"/>
+          <p:cNvSpPr>
+            <a:spLocks noGrp="1"/>
+          </p:cNvSpPr>
+          <p:nvPr>
+            <p:ph type="title"/>
+          </p:nvPr>
+        </p:nvSpPr>
+        <p:spPr/>
+        <p:txBody>
+          <a:bodyPr/>
+          <a:lstStyle/>
+          <a:p>
+            <a:r>
+              <a:rPr lang="en-US" dirty="0" err="1" smtClean="0"/>
+              <a:t>Oppgaver</a:t>
+            </a:r>
+            <a:endParaRPr lang="en-US" dirty="0"/>
+          </a:p>
+        </p:txBody>
+      </p:sp>
+      <p:sp>
+        <p:nvSpPr>
+          <p:cNvPr id="3" name="Content Placeholder 2"/>
+          <p:cNvSpPr>
+            <a:spLocks noGrp="1"/>
+          </p:cNvSpPr>
+          <p:nvPr>
+            <p:ph idx="1"/>
+          </p:nvPr>
+        </p:nvSpPr>
+        <p:spPr/>
+        <p:txBody>
+          <a:bodyPr/>
+          <a:lstStyle/>
+          <a:p>
+            <a:pPr marL="0" indent="0">
+              <a:buNone/>
+            </a:pPr>
+            <a:r>
+              <a:rPr lang="en-US" dirty="0" smtClean="0"/>
+              <a:t>Lag </a:t>
+            </a:r>
+            <a:r>
+              <a:rPr lang="en-US" dirty="0" err="1" smtClean="0"/>
+              <a:t>til</a:t>
+            </a:r>
+            <a:r>
+              <a:rPr lang="en-US" dirty="0" smtClean="0"/>
+              <a:t> </a:t>
+            </a:r>
+            <a:r>
+              <a:rPr lang="en-US" dirty="0" err="1" smtClean="0"/>
+              <a:t>egen</a:t>
+            </a:r>
+            <a:r>
+              <a:rPr lang="en-US" dirty="0" smtClean="0"/>
+              <a:t> </a:t>
+            </a:r>
+            <a:r>
+              <a:rPr lang="en-US" dirty="0" err="1" smtClean="0"/>
+              <a:t>liste</a:t>
+            </a:r>
+            <a:endParaRPr lang="en-US" dirty="0" smtClean="0"/>
+          </a:p>
+          <a:p>
+            <a:pPr marL="0" indent="0">
+              <a:buNone/>
+            </a:pPr>
+            <a:endParaRPr lang="en-US" dirty="0"/>
+          </a:p>
+          <a:p>
+            <a:pPr marL="0" indent="0">
+              <a:buNone/>
+            </a:pPr>
+            <a:r>
+              <a:rPr lang="en-US" dirty="0" err="1" smtClean="0"/>
+              <a:t>no.embriq.scala.exercises.list</a:t>
+            </a:r>
+            <a:endParaRPr lang="en-US" dirty="0"/>
+          </a:p>
+        </p:txBody>
+      </p:sp>
+    </p:spTree>
+    <p:extLst>
+      <p:ext uri="{BB962C8B-B14F-4D97-AF65-F5344CB8AC3E}">
+        <p14:creationId xmlns:p14="http://schemas.microsoft.com/office/powerpoint/2010/main" val="1758437819"/>
+      </p:ext>
+    </p:extLst>
+  </p:cSld>
+  <p:clrMapOvr>
+    <a:masterClrMapping/>
+  </p:clrMapOvr>
+  <p:timing>
+    <p:tnLst>
+      <p:par>
+        <p:cTn xmlns:p14="http://schemas.microsoft.com/office/powerpoint/2010/main" id="1" dur="indefinite" restart="never" nodeType="tmRoot"/>
+      </p:par>
+    </p:tnLst>
+  </p:timing>
+</p:sld>
+</file>
+
+<file path=ppt/slides/slide17.xml><?xml version="1.0" encoding="utf-8"?>
+<p:sld xmlns:a="http://schemas.openxmlformats.org/drawingml/2006/main" xmlns:r="http://schemas.openxmlformats.org/officeDocument/2006/relationships" xmlns:p="http://schemas.openxmlformats.org/presentationml/2006/main">
+  <p:cSld>
+    <p:spTree>
+      <p:nvGrpSpPr>
+        <p:cNvPr id="1" name=""/>
+        <p:cNvGrpSpPr/>
+        <p:nvPr/>
+      </p:nvGrpSpPr>
+      <p:grpSpPr>
+        <a:xfrm>
+          <a:off x="0" y="0"/>
+          <a:ext cx="0" cy="0"/>
+          <a:chOff x="0" y="0"/>
+          <a:chExt cx="0" cy="0"/>
+        </a:xfrm>
+      </p:grpSpPr>
+      <p:sp>
+        <p:nvSpPr>
+          <p:cNvPr id="2" name="Title 1"/>
+          <p:cNvSpPr>
+            <a:spLocks noGrp="1"/>
+          </p:cNvSpPr>
+          <p:nvPr>
+            <p:ph type="title"/>
+          </p:nvPr>
+        </p:nvSpPr>
+        <p:spPr/>
+        <p:txBody>
+          <a:bodyPr/>
+          <a:lstStyle/>
+          <a:p>
+            <a:r>
+              <a:rPr lang="en-US" dirty="0" err="1" smtClean="0"/>
+              <a:t>Hva</a:t>
+            </a:r>
+            <a:r>
+              <a:rPr lang="en-US" dirty="0" smtClean="0"/>
+              <a:t> </a:t>
+            </a:r>
+            <a:r>
+              <a:rPr lang="en-US" dirty="0" err="1" smtClean="0"/>
+              <a:t>er</a:t>
+            </a:r>
+            <a:r>
+              <a:rPr lang="en-US" dirty="0" smtClean="0"/>
+              <a:t> en </a:t>
+            </a:r>
+            <a:r>
+              <a:rPr lang="en-US" dirty="0" err="1" smtClean="0"/>
+              <a:t>liste</a:t>
+            </a:r>
+            <a:r>
+              <a:rPr lang="en-US" dirty="0" smtClean="0"/>
+              <a:t>	</a:t>
+            </a:r>
+            <a:endParaRPr lang="en-US" dirty="0"/>
+          </a:p>
+        </p:txBody>
+      </p:sp>
+      <p:sp>
+        <p:nvSpPr>
+          <p:cNvPr id="3" name="Content Placeholder 2"/>
+          <p:cNvSpPr>
+            <a:spLocks noGrp="1"/>
+          </p:cNvSpPr>
+          <p:nvPr>
+            <p:ph idx="1"/>
+          </p:nvPr>
+        </p:nvSpPr>
+        <p:spPr/>
+        <p:txBody>
+          <a:bodyPr>
+            <a:normAutofit/>
+          </a:bodyPr>
+          <a:lstStyle/>
+          <a:p>
+            <a:pPr marL="0" indent="0">
+              <a:buNone/>
+            </a:pPr>
+            <a:r>
+              <a:rPr lang="en-US" sz="2800" dirty="0" err="1" smtClean="0"/>
+              <a:t>Algebraisk</a:t>
+            </a:r>
+            <a:r>
+              <a:rPr lang="en-US" sz="2800" dirty="0" smtClean="0"/>
+              <a:t> </a:t>
+            </a:r>
+            <a:r>
+              <a:rPr lang="en-US" sz="2800" dirty="0" err="1" smtClean="0"/>
+              <a:t>datatype</a:t>
+            </a:r>
+            <a:r>
+              <a:rPr lang="en-US" sz="2800" dirty="0" smtClean="0"/>
+              <a:t> (type </a:t>
+            </a:r>
+            <a:r>
+              <a:rPr lang="en-US" sz="2800" dirty="0" err="1" smtClean="0"/>
+              <a:t>kombinert</a:t>
+            </a:r>
+            <a:r>
+              <a:rPr lang="en-US" sz="2800" dirty="0" smtClean="0"/>
+              <a:t> </a:t>
+            </a:r>
+            <a:r>
+              <a:rPr lang="en-US" sz="2800" dirty="0" err="1" smtClean="0"/>
+              <a:t>av</a:t>
+            </a:r>
+            <a:r>
+              <a:rPr lang="en-US" sz="2800" dirty="0" smtClean="0"/>
+              <a:t> </a:t>
+            </a:r>
+            <a:r>
+              <a:rPr lang="en-US" sz="2800" dirty="0" err="1" smtClean="0"/>
+              <a:t>andre</a:t>
+            </a:r>
+            <a:r>
+              <a:rPr lang="en-US" sz="2800" dirty="0" smtClean="0"/>
+              <a:t> type )</a:t>
+            </a:r>
+          </a:p>
+          <a:p>
+            <a:pPr marL="0" indent="0">
+              <a:buNone/>
+            </a:pPr>
+            <a:r>
+              <a:rPr lang="en-US" sz="2800" dirty="0" smtClean="0"/>
+              <a:t>List = Nil | Cons(x, List)</a:t>
+            </a:r>
+          </a:p>
+          <a:p>
+            <a:pPr marL="0" indent="0">
+              <a:buNone/>
+            </a:pPr>
+            <a:endParaRPr lang="en-US" sz="2800" dirty="0"/>
+          </a:p>
+          <a:p>
+            <a:pPr marL="0" indent="0">
+              <a:buNone/>
+            </a:pPr>
+            <a:r>
+              <a:rPr lang="en-US" sz="2800" dirty="0" smtClean="0"/>
+              <a:t>Tom </a:t>
+            </a:r>
+            <a:r>
+              <a:rPr lang="en-US" sz="2800" dirty="0" err="1" smtClean="0"/>
+              <a:t>liste</a:t>
+            </a:r>
+            <a:r>
+              <a:rPr lang="en-US" sz="2800" dirty="0" smtClean="0"/>
+              <a:t>: Nil</a:t>
+            </a:r>
+          </a:p>
+          <a:p>
+            <a:pPr marL="0" indent="0">
+              <a:buNone/>
+            </a:pPr>
+            <a:r>
+              <a:rPr lang="en-US" sz="2800" dirty="0" err="1" smtClean="0"/>
+              <a:t>Liste</a:t>
+            </a:r>
+            <a:r>
+              <a:rPr lang="en-US" sz="2800" dirty="0" smtClean="0"/>
+              <a:t> med 1 element: Cons(1, Nil)</a:t>
+            </a:r>
+          </a:p>
+          <a:p>
+            <a:pPr marL="0" indent="0">
+              <a:buNone/>
+            </a:pPr>
+            <a:r>
+              <a:rPr lang="en-US" sz="2800" dirty="0" err="1"/>
+              <a:t>Liste</a:t>
+            </a:r>
+            <a:r>
+              <a:rPr lang="en-US" sz="2800" dirty="0"/>
+              <a:t> med </a:t>
+            </a:r>
+            <a:r>
+              <a:rPr lang="en-US" sz="2800" dirty="0" smtClean="0"/>
+              <a:t>2 </a:t>
+            </a:r>
+            <a:r>
+              <a:rPr lang="en-US" sz="2800" dirty="0" err="1" smtClean="0"/>
+              <a:t>elementer</a:t>
+            </a:r>
+            <a:r>
+              <a:rPr lang="en-US" sz="2800" dirty="0" smtClean="0"/>
+              <a:t>: </a:t>
+            </a:r>
+            <a:r>
+              <a:rPr lang="en-US" sz="2800" dirty="0"/>
+              <a:t>Cons(1, </a:t>
+            </a:r>
+            <a:r>
+              <a:rPr lang="en-US" sz="2800" dirty="0" smtClean="0"/>
+              <a:t>Cons(2, Nil))</a:t>
+            </a:r>
+          </a:p>
+          <a:p>
+            <a:pPr marL="0" indent="0">
+              <a:buNone/>
+            </a:pPr>
+            <a:r>
+              <a:rPr lang="en-US" sz="2800" dirty="0" err="1" smtClean="0"/>
+              <a:t>Osv</a:t>
+            </a:r>
+            <a:r>
+              <a:rPr lang="en-US" sz="2800" dirty="0" smtClean="0"/>
+              <a:t>…</a:t>
+            </a:r>
+            <a:endParaRPr lang="en-US" sz="2800" dirty="0"/>
+          </a:p>
+          <a:p>
+            <a:pPr marL="0" indent="0">
+              <a:buNone/>
+            </a:pPr>
+            <a:endParaRPr lang="en-US" sz="2800" dirty="0"/>
+          </a:p>
+        </p:txBody>
+      </p:sp>
+    </p:spTree>
+    <p:extLst>
+      <p:ext uri="{BB962C8B-B14F-4D97-AF65-F5344CB8AC3E}">
+        <p14:creationId xmlns:p14="http://schemas.microsoft.com/office/powerpoint/2010/main" val="1877657343"/>
+      </p:ext>
+    </p:extLst>
+  </p:cSld>
+  <p:clrMapOvr>
+    <a:masterClrMapping/>
+  </p:clrMapOvr>
+</p:sld>
+</file>
+
+<file path=ppt/slides/slide18.xml><?xml version="1.0" encoding="utf-8"?>
+<p:sld xmlns:a="http://schemas.openxmlformats.org/drawingml/2006/main" xmlns:r="http://schemas.openxmlformats.org/officeDocument/2006/relationships" xmlns:p="http://schemas.openxmlformats.org/presentationml/2006/main">
+  <p:cSld>
+    <p:spTree>
+      <p:nvGrpSpPr>
+        <p:cNvPr id="1" name=""/>
+        <p:cNvGrpSpPr/>
+        <p:nvPr/>
+      </p:nvGrpSpPr>
+      <p:grpSpPr>
+        <a:xfrm>
+          <a:off x="0" y="0"/>
+          <a:ext cx="0" cy="0"/>
+          <a:chOff x="0" y="0"/>
+          <a:chExt cx="0" cy="0"/>
+        </a:xfrm>
+      </p:grpSpPr>
+      <p:sp>
+        <p:nvSpPr>
+          <p:cNvPr id="2" name="Title 1"/>
+          <p:cNvSpPr>
+            <a:spLocks noGrp="1"/>
+          </p:cNvSpPr>
+          <p:nvPr>
+            <p:ph type="title"/>
+          </p:nvPr>
+        </p:nvSpPr>
+        <p:spPr/>
+        <p:txBody>
+          <a:bodyPr/>
+          <a:lstStyle/>
+          <a:p>
+            <a:r>
+              <a:rPr lang="en-US" dirty="0" err="1" smtClean="0"/>
+              <a:t>Liste</a:t>
+            </a:r>
+            <a:r>
+              <a:rPr lang="en-US" dirty="0" smtClean="0"/>
+              <a:t> </a:t>
+            </a:r>
+            <a:r>
+              <a:rPr lang="en-US" dirty="0" err="1" smtClean="0"/>
+              <a:t>definert</a:t>
+            </a:r>
+            <a:r>
+              <a:rPr lang="en-US" dirty="0" smtClean="0"/>
+              <a:t> I </a:t>
+            </a:r>
+            <a:r>
+              <a:rPr lang="en-US" dirty="0" err="1" smtClean="0"/>
+              <a:t>scala</a:t>
+            </a:r>
+            <a:r>
+              <a:rPr lang="en-US" dirty="0" smtClean="0"/>
+              <a:t>	</a:t>
+            </a:r>
+            <a:endParaRPr lang="en-US" dirty="0"/>
+          </a:p>
+        </p:txBody>
+      </p:sp>
+      <p:sp>
+        <p:nvSpPr>
+          <p:cNvPr id="3" name="Content Placeholder 2"/>
+          <p:cNvSpPr>
+            <a:spLocks noGrp="1"/>
+          </p:cNvSpPr>
+          <p:nvPr>
+            <p:ph idx="1"/>
+          </p:nvPr>
+        </p:nvSpPr>
+        <p:spPr/>
+        <p:txBody>
+          <a:bodyPr/>
+          <a:lstStyle/>
+          <a:p>
+            <a:pPr marL="0" indent="0">
+              <a:buNone/>
+            </a:pPr>
+            <a:r>
+              <a:rPr lang="en-US" sz="2800" dirty="0"/>
+              <a:t>sealed trait List[+A]</a:t>
+            </a:r>
+          </a:p>
+          <a:p>
+            <a:pPr marL="0" indent="0">
+              <a:buNone/>
+            </a:pPr>
+            <a:r>
+              <a:rPr lang="en-US" sz="2800" dirty="0" smtClean="0"/>
+              <a:t>// final interface List&lt;A&gt;</a:t>
+            </a:r>
+          </a:p>
+          <a:p>
+            <a:pPr marL="0" indent="0">
+              <a:buNone/>
+            </a:pPr>
+            <a:endParaRPr lang="en-US" sz="2800" dirty="0"/>
+          </a:p>
+          <a:p>
+            <a:pPr marL="0" indent="0">
+              <a:buNone/>
+            </a:pPr>
+            <a:r>
+              <a:rPr lang="en-US" sz="2800" dirty="0"/>
+              <a:t>case object Nil extends List[Nothing]</a:t>
+            </a:r>
+          </a:p>
+          <a:p>
+            <a:pPr marL="0" indent="0">
+              <a:buNone/>
+            </a:pPr>
+            <a:r>
+              <a:rPr lang="en-US" sz="2800" dirty="0" smtClean="0"/>
+              <a:t>// object = </a:t>
+            </a:r>
+            <a:r>
+              <a:rPr lang="en-US" sz="2800" smtClean="0"/>
+              <a:t>singleton object</a:t>
+            </a:r>
+            <a:endParaRPr lang="en-US" sz="2800" dirty="0" smtClean="0"/>
+          </a:p>
+          <a:p>
+            <a:pPr marL="0" indent="0">
+              <a:buNone/>
+            </a:pPr>
+            <a:endParaRPr lang="en-US" sz="2800" dirty="0"/>
+          </a:p>
+          <a:p>
+            <a:pPr marL="0" indent="0">
+              <a:buNone/>
+            </a:pPr>
+            <a:r>
+              <a:rPr lang="en-US" sz="2800" dirty="0"/>
+              <a:t>case class Cons[+A](head: A, tail: List[A]) extends List[A]</a:t>
+            </a:r>
+          </a:p>
+          <a:p>
+            <a:pPr marL="0" indent="0">
+              <a:buNone/>
+            </a:pPr>
+            <a:r>
+              <a:rPr lang="en-US" dirty="0" smtClean="0"/>
+              <a:t>// </a:t>
+            </a:r>
+            <a:endParaRPr lang="en-US" dirty="0"/>
+          </a:p>
+        </p:txBody>
+      </p:sp>
+    </p:spTree>
+    <p:extLst>
+      <p:ext uri="{BB962C8B-B14F-4D97-AF65-F5344CB8AC3E}">
+        <p14:creationId xmlns:p14="http://schemas.microsoft.com/office/powerpoint/2010/main" val="1614906805"/>
       </p:ext>
     </p:extLst>
   </p:cSld>
@@ -4431,11 +4892,7 @@
             </a:r>
             <a:r>
               <a:rPr lang="en-US" sz="2800" dirty="0" smtClean="0"/>
-              <a:t> data </a:t>
-            </a:r>
-            <a:r>
-              <a:rPr lang="en-US" sz="2800" dirty="0" smtClean="0"/>
-              <a:t>med </a:t>
+              <a:t> data med </a:t>
             </a:r>
             <a:r>
               <a:rPr lang="en-US" sz="2800" dirty="0" err="1" smtClean="0"/>
@@ -4445,7 +4902,6 @@
               <a:rPr lang="en-US" sz="2800" dirty="0" smtClean="0"/>
               <a:t>.</a:t>
             </a:r>
-            <a:endParaRPr lang="en-US" sz="2800" dirty="0" smtClean="0"/>
           </a:p>
           <a:p>
             <a:pPr marL="0" indent="0">
@@ -4471,6 +4927,13 @@
   <p:clrMapOvr>
     <a:masterClrMapping/>
   </p:clrMapOvr>
+  <p:timing>
+    <p:tnLst>
+      <p:par>
+        <p:cTn xmlns:p14="http://schemas.microsoft.com/office/powerpoint/2010/main" id="1" dur="indefinite" restart="never" nodeType="tmRoot"/>
+      </p:par>
+    </p:tnLst>
+  </p:timing>
 </p:sld>
 </file>
 
@@ -4804,6 +5267,13 @@
   <p:clrMapOvr>
     <a:masterClrMapping/>
   </p:clrMapOvr>
+  <p:timing>
+    <p:tnLst>
+      <p:par>
+        <p:cTn xmlns:p14="http://schemas.microsoft.com/office/powerpoint/2010/main" id="1" dur="indefinite" restart="never" nodeType="tmRoot"/>
+      </p:par>
+    </p:tnLst>
+  </p:timing>
 </p:sld>
 </file>
 
@@ -4849,11 +5319,7 @@
             </a:r>
             <a:r>
               <a:rPr lang="en-US" dirty="0" smtClean="0"/>
-              <a:t> (</a:t>
-            </a:r>
-            <a:r>
-              <a:rPr lang="en-US" smtClean="0"/>
-              <a:t>Pure functions)</a:t>
+              <a:t> (Pure functions)</a:t>
             </a:r>
             <a:endParaRPr lang="en-US" dirty="0"/>
           </a:p>
@@ -5077,6 +5543,13 @@
   <p:clrMapOvr>
     <a:masterClrMapping/>
   </p:clrMapOvr>
+  <p:timing>
+    <p:tnLst>
+      <p:par>
+        <p:cTn xmlns:p14="http://schemas.microsoft.com/office/powerpoint/2010/main" id="1" dur="indefinite" restart="never" nodeType="tmRoot"/>
+      </p:par>
+    </p:tnLst>
+  </p:timing>
 </p:sld>
 </file>
 
@@ -5236,6 +5709,13 @@
   <p:clrMapOvr>
     <a:masterClrMapping/>
   </p:clrMapOvr>
+  <p:timing>
+    <p:tnLst>
+      <p:par>
+        <p:cTn xmlns:p14="http://schemas.microsoft.com/office/powerpoint/2010/main" id="1" dur="indefinite" restart="never" nodeType="tmRoot"/>
+      </p:par>
+    </p:tnLst>
+  </p:timing>
 </p:sld>
 </file>
 
@@ -5272,28 +5752,8 @@
           <a:lstStyle/>
           <a:p>
             <a:r>
-              <a:rPr lang="en-US" dirty="0" err="1" smtClean="0"/>
-              <a:t>Ikke</a:t>
-            </a:r>
-            <a:r>
-              <a:rPr lang="en-US" dirty="0" smtClean="0"/>
-              <a:t> </a:t>
-            </a:r>
-            <a:r>
-              <a:rPr lang="en-US" dirty="0" err="1" smtClean="0"/>
-              <a:t>muterbare</a:t>
-            </a:r>
-            <a:r>
-              <a:rPr lang="en-US" dirty="0" smtClean="0"/>
-              <a:t> </a:t>
-            </a:r>
-            <a:r>
-              <a:rPr lang="en-US" dirty="0" err="1" smtClean="0"/>
-              <a:t>datastrukturer</a:t>
-            </a:r>
-            <a:r>
-              <a:rPr lang="en-US" dirty="0" smtClean="0"/>
-              <a:t>	</a:t>
+              <a:rPr lang="en-US" dirty="0" smtClean="0"/>
+              <a:t>Credits</a:t>
             </a:r>
             <a:endParaRPr lang="en-US" dirty="0"/>
           </a:p>
@@ -5317,18 +5777,7 @@
             <a:pPr marL="0" indent="0">
               <a:buNone/>
             </a:pPr>
-            <a:r>
-              <a:rPr lang="en-US" dirty="0" smtClean="0"/>
-              <a:t>Slipper </a:t>
-            </a:r>
-            <a:r>
-              <a:rPr lang="en-US" dirty="0" err="1" smtClean="0"/>
-              <a:t>synkronsering</a:t>
-            </a:r>
-            <a:r>
-              <a:rPr lang="en-US" dirty="0" smtClean="0"/>
-              <a:t> </a:t>
-            </a:r>
+            <a:endParaRPr lang="en-US" dirty="0"/>
           </a:p>
           <a:p>
             <a:pPr marL="0" indent="0">
@@ -5336,14 +5785,102 @@
             </a:pPr>
             <a:r>
               <a:rPr lang="en-US" dirty="0" err="1" smtClean="0"/>
-              <a:t>paralellprosessering</a:t>
-            </a:r>
-            <a:endParaRPr lang="en-US" dirty="0" smtClean="0"/>
-          </a:p>
-          <a:p>
-            <a:endParaRPr lang="en-US" dirty="0" smtClean="0"/>
-          </a:p>
-          <a:p>
+              <a:t>Eksempel</a:t>
+            </a:r>
+            <a:r>
+              <a:rPr lang="en-US" dirty="0" err="1"/>
+              <a:t>-</a:t>
+            </a:r>
+            <a:r>
+              <a:rPr lang="en-US" dirty="0" err="1" smtClean="0"/>
+              <a:t>kode</a:t>
+            </a:r>
+            <a:r>
+              <a:rPr lang="en-US" dirty="0" smtClean="0"/>
+              <a:t> </a:t>
+            </a:r>
+            <a:r>
+              <a:rPr lang="en-US" dirty="0" err="1" smtClean="0"/>
+              <a:t>har</a:t>
+            </a:r>
+            <a:r>
+              <a:rPr lang="en-US" dirty="0" smtClean="0"/>
+              <a:t> </a:t>
+            </a:r>
+            <a:r>
+              <a:rPr lang="en-US" dirty="0" err="1" smtClean="0"/>
+              <a:t>jeg</a:t>
+            </a:r>
+            <a:r>
+              <a:rPr lang="en-US" dirty="0" smtClean="0"/>
+              <a:t> </a:t>
+            </a:r>
+            <a:r>
+              <a:rPr lang="en-US" dirty="0" err="1" smtClean="0"/>
+              <a:t>stort</a:t>
+            </a:r>
+            <a:r>
+              <a:rPr lang="en-US" dirty="0" smtClean="0"/>
+              <a:t> sett </a:t>
+            </a:r>
+            <a:r>
+              <a:rPr lang="en-US" dirty="0" err="1" smtClean="0"/>
+              <a:t>skammløst</a:t>
+            </a:r>
+            <a:r>
+              <a:rPr lang="en-US" dirty="0" smtClean="0"/>
+              <a:t> </a:t>
+            </a:r>
+            <a:r>
+              <a:rPr lang="en-US" dirty="0" err="1"/>
+              <a:t>kopiert</a:t>
+            </a:r>
+            <a:r>
+              <a:rPr lang="en-US" dirty="0"/>
+              <a:t> </a:t>
+            </a:r>
+            <a:r>
+              <a:rPr lang="en-US" dirty="0" err="1"/>
+              <a:t>fra</a:t>
+            </a:r>
+            <a:r>
+              <a:rPr lang="en-US" dirty="0"/>
+              <a:t> Alfred </a:t>
+            </a:r>
+            <a:r>
+              <a:rPr lang="en-US" dirty="0" err="1"/>
+              <a:t>Lysebraates</a:t>
+            </a:r>
+            <a:r>
+              <a:rPr lang="en-US" dirty="0"/>
+              <a:t> </a:t>
+            </a:r>
+            <a:r>
+              <a:rPr lang="en-US" dirty="0" err="1" smtClean="0"/>
+              <a:t>scala</a:t>
+            </a:r>
+            <a:r>
+              <a:rPr lang="en-US" dirty="0" smtClean="0"/>
+              <a:t> workshop </a:t>
+            </a:r>
+            <a:r>
+              <a:rPr lang="en-US" dirty="0" err="1"/>
+              <a:t>på</a:t>
+            </a:r>
+            <a:r>
+              <a:rPr lang="en-US" dirty="0"/>
+              <a:t> </a:t>
+            </a:r>
+            <a:r>
+              <a:rPr lang="en-US" dirty="0" err="1" smtClean="0"/>
+              <a:t>teknologihuset</a:t>
+            </a:r>
+            <a:endParaRPr lang="en-US" dirty="0"/>
+          </a:p>
+          <a:p>
+            <a:pPr marL="0" indent="0">
+              <a:buNone/>
+            </a:pPr>
             <a:endParaRPr lang="en-US" dirty="0"/>
           </a:p>
         </p:txBody>
@@ -5351,13 +5888,20 @@
     </p:spTree>
     <p:extLst>
       <p:ext uri="{BB962C8B-B14F-4D97-AF65-F5344CB8AC3E}">
-        <p14:creationId xmlns:p14="http://schemas.microsoft.com/office/powerpoint/2010/main" val="20822582"/>
+        <p14:creationId xmlns:p14="http://schemas.microsoft.com/office/powerpoint/2010/main" val="793858089"/>
       </p:ext>
     </p:extLst>
   </p:cSld>
   <p:clrMapOvr>
     <a:masterClrMapping/>
   </p:clrMapOvr>
+  <p:timing>
+    <p:tnLst>
+      <p:par>
+        <p:cTn xmlns:p14="http://schemas.microsoft.com/office/powerpoint/2010/main" id="1" dur="indefinite" restart="never" nodeType="tmRoot"/>
+      </p:par>
+    </p:tnLst>
+  </p:timing>
 </p:sld>
 </file>
 
@@ -5395,7 +5939,7 @@
           <a:p>
             <a:r>
               <a:rPr lang="en-US" dirty="0" smtClean="0"/>
-              <a:t>Credits</a:t>
+              <a:t>Case class </a:t>
             </a:r>
             <a:endParaRPr lang="en-US" dirty="0"/>
           </a:p>
@@ -5413,130 +5957,284 @@
         </p:nvSpPr>
         <p:spPr/>
         <p:txBody>
-          <a:bodyPr/>
+          <a:bodyPr>
+            <a:normAutofit/>
+          </a:bodyPr>
           <a:lstStyle/>
           <a:p>
             <a:pPr marL="0" indent="0">
               <a:buNone/>
             </a:pPr>
-            <a:endParaRPr lang="en-US" dirty="0"/>
+            <a:r>
+              <a:rPr lang="en-US" sz="2000" dirty="0" err="1" smtClean="0"/>
+              <a:t>Er</a:t>
+            </a:r>
+            <a:r>
+              <a:rPr lang="en-US" sz="2000" dirty="0" smtClean="0"/>
+              <a:t> </a:t>
+            </a:r>
+            <a:r>
+              <a:rPr lang="en-US" sz="2000" dirty="0" err="1" smtClean="0"/>
+              <a:t>lik</a:t>
+            </a:r>
+            <a:r>
+              <a:rPr lang="en-US" sz="2000" dirty="0" smtClean="0"/>
+              <a:t> </a:t>
+            </a:r>
+            <a:r>
+              <a:rPr lang="en-US" sz="2000" dirty="0" err="1" smtClean="0"/>
+              <a:t>vanlige</a:t>
+            </a:r>
+            <a:r>
+              <a:rPr lang="en-US" sz="2000" dirty="0" smtClean="0"/>
+              <a:t> </a:t>
+            </a:r>
+            <a:r>
+              <a:rPr lang="en-US" sz="2000" dirty="0" err="1" smtClean="0"/>
+              <a:t>klasser</a:t>
+            </a:r>
+            <a:r>
+              <a:rPr lang="en-US" sz="2000" dirty="0" smtClean="0"/>
+              <a:t> </a:t>
+            </a:r>
+            <a:r>
+              <a:rPr lang="en-US" sz="2000" dirty="0" err="1" smtClean="0"/>
+              <a:t>som</a:t>
+            </a:r>
+            <a:r>
+              <a:rPr lang="en-US" sz="2000" dirty="0" smtClean="0"/>
+              <a:t> </a:t>
+            </a:r>
+            <a:r>
+              <a:rPr lang="en-US" sz="2000" dirty="0" err="1" smtClean="0"/>
+              <a:t>eksponerer</a:t>
+            </a:r>
+            <a:r>
+              <a:rPr lang="en-US" sz="2000" dirty="0" smtClean="0"/>
+              <a:t> constructor </a:t>
+            </a:r>
+            <a:r>
+              <a:rPr lang="en-US" sz="2000" dirty="0" err="1" smtClean="0"/>
+              <a:t>paremetrene</a:t>
+            </a:r>
+            <a:r>
+              <a:rPr lang="en-US" sz="2000" dirty="0" smtClean="0"/>
+              <a:t> </a:t>
+            </a:r>
+            <a:r>
+              <a:rPr lang="en-US" sz="2000" dirty="0" err="1" smtClean="0"/>
+              <a:t>og</a:t>
+            </a:r>
+            <a:r>
+              <a:rPr lang="en-US" sz="2000" dirty="0" smtClean="0"/>
+              <a:t> </a:t>
+            </a:r>
+            <a:r>
+              <a:rPr lang="en-US" sz="2000" dirty="0" err="1" smtClean="0"/>
+              <a:t>kan</a:t>
+            </a:r>
+            <a:r>
+              <a:rPr lang="en-US" sz="2000" dirty="0" smtClean="0"/>
+              <a:t> </a:t>
+            </a:r>
+            <a:r>
+              <a:rPr lang="en-US" sz="2000" dirty="0" err="1" smtClean="0"/>
+              <a:t>dekomponeres</a:t>
+            </a:r>
+            <a:r>
+              <a:rPr lang="en-US" sz="2000" dirty="0" smtClean="0"/>
+              <a:t> med pattern matching. </a:t>
+            </a:r>
+            <a:r>
+              <a:rPr lang="en-US" sz="2000" dirty="0" err="1" smtClean="0"/>
+              <a:t>Genererer</a:t>
+            </a:r>
+            <a:r>
+              <a:rPr lang="en-US" sz="2000" dirty="0" smtClean="0"/>
+              <a:t> </a:t>
+            </a:r>
+            <a:r>
+              <a:rPr lang="en-US" sz="2000" dirty="0" err="1" smtClean="0"/>
+              <a:t>også</a:t>
+            </a:r>
+            <a:r>
+              <a:rPr lang="en-US" sz="2000" dirty="0" smtClean="0"/>
+              <a:t> equals </a:t>
+            </a:r>
+            <a:r>
+              <a:rPr lang="en-US" sz="2000" dirty="0" err="1" smtClean="0"/>
+              <a:t>og</a:t>
+            </a:r>
+            <a:r>
+              <a:rPr lang="en-US" sz="2000" dirty="0" smtClean="0"/>
+              <a:t> hash </a:t>
+            </a:r>
+            <a:r>
+              <a:rPr lang="en-US" sz="2000" dirty="0" err="1" smtClean="0"/>
+              <a:t>kode</a:t>
+            </a:r>
+            <a:r>
+              <a:rPr lang="en-US" sz="2000" dirty="0"/>
+              <a:t>.</a:t>
+            </a:r>
+            <a:endParaRPr lang="en-US" sz="2000" dirty="0" smtClean="0"/>
           </a:p>
           <a:p>
             <a:pPr marL="0" indent="0">
               <a:buNone/>
             </a:pPr>
-            <a:r>
-              <a:rPr lang="en-US" dirty="0" err="1" smtClean="0"/>
+            <a:endParaRPr lang="en-US" sz="2000" dirty="0" smtClean="0"/>
+          </a:p>
+          <a:p>
+            <a:pPr marL="0" indent="0">
+              <a:buNone/>
+            </a:pPr>
+            <a:r>
+              <a:rPr lang="en-US" sz="2000" dirty="0" err="1" smtClean="0"/>
               <a:t>Eksempel</a:t>
             </a:r>
             <a:r>
-              <a:rPr lang="en-US" dirty="0" err="1"/>
-              <a:t>-</a:t>
-            </a:r>
-            <a:r>
-              <a:rPr lang="en-US" dirty="0" err="1" smtClean="0"/>
-              <a:t>kode</a:t>
-            </a:r>
-            <a:r>
-              <a:rPr lang="en-US" dirty="0" smtClean="0"/>
-              <a:t> </a:t>
-            </a:r>
-            <a:r>
-              <a:rPr lang="en-US" dirty="0" err="1" smtClean="0"/>
-              <a:t>har</a:t>
-            </a:r>
-            <a:r>
-              <a:rPr lang="en-US" dirty="0" smtClean="0"/>
-              <a:t> </a:t>
-            </a:r>
-            <a:r>
-              <a:rPr lang="en-US" dirty="0" err="1" smtClean="0"/>
-              <a:t>jeg</a:t>
-            </a:r>
-            <a:r>
-              <a:rPr lang="en-US" dirty="0" smtClean="0"/>
-              <a:t> </a:t>
-            </a:r>
-            <a:r>
-              <a:rPr lang="en-US" dirty="0" err="1" smtClean="0"/>
-              <a:t>stort</a:t>
-            </a:r>
-            <a:r>
-              <a:rPr lang="en-US" dirty="0" smtClean="0"/>
-              <a:t> sett </a:t>
-            </a:r>
-            <a:r>
-              <a:rPr lang="en-US" dirty="0" err="1" smtClean="0"/>
-              <a:t>skammløst</a:t>
-            </a:r>
-            <a:r>
-              <a:rPr lang="en-US" dirty="0" smtClean="0"/>
-              <a:t> </a:t>
-            </a:r>
-            <a:r>
-              <a:rPr lang="en-US" dirty="0" err="1"/>
-              <a:t>kopiert</a:t>
-            </a:r>
-            <a:r>
-              <a:rPr lang="en-US" dirty="0"/>
-              <a:t> </a:t>
-            </a:r>
-            <a:r>
-              <a:rPr lang="en-US" dirty="0" err="1"/>
-              <a:t>fra</a:t>
-            </a:r>
-            <a:r>
-              <a:rPr lang="en-US" dirty="0"/>
-              <a:t> Alfred </a:t>
-            </a:r>
-            <a:r>
-              <a:rPr lang="en-US" dirty="0" err="1"/>
-              <a:t>Lysebraates</a:t>
-            </a:r>
-            <a:r>
-              <a:rPr lang="en-US" dirty="0"/>
-              <a:t> </a:t>
-            </a:r>
-            <a:r>
-              <a:rPr lang="en-US" dirty="0" err="1" smtClean="0"/>
-              <a:t>scala</a:t>
-            </a:r>
-            <a:r>
-              <a:rPr lang="en-US" dirty="0" smtClean="0"/>
-              <a:t> workshop </a:t>
-            </a:r>
-            <a:r>
-              <a:rPr lang="en-US" dirty="0" err="1"/>
-              <a:t>på</a:t>
-            </a:r>
-            <a:r>
-              <a:rPr lang="en-US" dirty="0"/>
-              <a:t> </a:t>
-            </a:r>
-            <a:r>
-              <a:rPr lang="en-US" dirty="0" err="1" smtClean="0"/>
-              <a:t>teknologihuset</a:t>
-            </a:r>
-            <a:endParaRPr lang="en-US" dirty="0"/>
+              <a:rPr lang="en-US" sz="2000" dirty="0" smtClean="0"/>
+              <a:t>:</a:t>
+            </a:r>
+            <a:endParaRPr lang="en-US" sz="2000" dirty="0"/>
           </a:p>
           <a:p>
             <a:pPr marL="0" indent="0">
               <a:buNone/>
             </a:pPr>
-            <a:endParaRPr lang="en-US" dirty="0"/>
+            <a:r>
+              <a:rPr lang="en-US" sz="2000" dirty="0" smtClean="0"/>
+              <a:t>case </a:t>
+            </a:r>
+            <a:r>
+              <a:rPr lang="en-US" sz="2000" dirty="0"/>
+              <a:t>class Person( </a:t>
+            </a:r>
+            <a:r>
+              <a:rPr lang="en-US" sz="2000" dirty="0" err="1"/>
+              <a:t>firstname</a:t>
+            </a:r>
+            <a:r>
+              <a:rPr lang="en-US" sz="2000" dirty="0"/>
+              <a:t>: String, </a:t>
+            </a:r>
+            <a:r>
+              <a:rPr lang="en-US" sz="2000" dirty="0" err="1" smtClean="0"/>
+              <a:t>lastname:String</a:t>
+            </a:r>
+            <a:r>
+              <a:rPr lang="en-US" sz="2000" dirty="0" smtClean="0"/>
+              <a:t> </a:t>
+            </a:r>
+            <a:r>
+              <a:rPr lang="en-US" sz="2000" dirty="0"/>
+              <a:t>) </a:t>
+            </a:r>
+            <a:endParaRPr lang="en-US" sz="2000" dirty="0" smtClean="0"/>
+          </a:p>
+          <a:p>
+            <a:pPr marL="0" indent="0">
+              <a:buNone/>
+            </a:pPr>
+            <a:endParaRPr lang="en-US" sz="2000" dirty="0"/>
+          </a:p>
+          <a:p>
+            <a:pPr marL="0" indent="0">
+              <a:buNone/>
+            </a:pPr>
+            <a:r>
+              <a:rPr lang="en-US" sz="2000" dirty="0" err="1" smtClean="0"/>
+              <a:t>instansieres</a:t>
+            </a:r>
+            <a:r>
+              <a:rPr lang="en-US" sz="2000" dirty="0" smtClean="0"/>
+              <a:t> </a:t>
+            </a:r>
+            <a:r>
+              <a:rPr lang="en-US" sz="2000" dirty="0" err="1" smtClean="0"/>
+              <a:t>uten</a:t>
+            </a:r>
+            <a:r>
+              <a:rPr lang="en-US" sz="2000" dirty="0"/>
+              <a:t> </a:t>
+            </a:r>
+            <a:r>
+              <a:rPr lang="en-US" sz="2000" dirty="0" smtClean="0"/>
+              <a:t>new!</a:t>
+            </a:r>
+          </a:p>
+          <a:p>
+            <a:pPr marL="0" indent="0">
+              <a:buNone/>
+            </a:pPr>
+            <a:r>
+              <a:rPr lang="en-US" sz="2000" dirty="0" err="1"/>
+              <a:t>val</a:t>
+            </a:r>
+            <a:r>
+              <a:rPr lang="en-US" sz="2000" dirty="0"/>
+              <a:t> p = Person(</a:t>
+            </a:r>
+            <a:r>
+              <a:rPr lang="en-US" sz="2000" dirty="0" smtClean="0"/>
+              <a:t>“Jan Erik”</a:t>
+            </a:r>
+            <a:r>
+              <a:rPr lang="en-US" sz="2000" dirty="0"/>
+              <a:t>, </a:t>
+            </a:r>
+            <a:r>
+              <a:rPr lang="en-US" sz="2000" dirty="0" smtClean="0"/>
+              <a:t>“Svendsen”</a:t>
+            </a:r>
+            <a:r>
+              <a:rPr lang="en-US" sz="2000" dirty="0"/>
+              <a:t>) </a:t>
+            </a:r>
+            <a:endParaRPr lang="en-US" sz="2000" dirty="0" smtClean="0"/>
+          </a:p>
+          <a:p>
+            <a:pPr marL="0" indent="0">
+              <a:buNone/>
+            </a:pPr>
+            <a:endParaRPr lang="en-US" sz="2000" dirty="0" smtClean="0"/>
+          </a:p>
+          <a:p>
+            <a:pPr marL="0" indent="0">
+              <a:buNone/>
+            </a:pPr>
+            <a:endParaRPr lang="en-US" sz="2000" dirty="0" smtClean="0">
+              <a:effectLst/>
+            </a:endParaRPr>
+          </a:p>
+          <a:p>
+            <a:pPr marL="0" indent="0">
+              <a:buNone/>
+            </a:pPr>
+            <a:endParaRPr lang="en-US" sz="2000" dirty="0">
+              <a:effectLst/>
+            </a:endParaRPr>
           </a:p>
         </p:txBody>
       </p:sp>
     </p:spTree>
     <p:extLst>
       <p:ext uri="{BB962C8B-B14F-4D97-AF65-F5344CB8AC3E}">
-        <p14:creationId xmlns:p14="http://schemas.microsoft.com/office/powerpoint/2010/main" val="793858089"/>
+        <p14:creationId xmlns:p14="http://schemas.microsoft.com/office/powerpoint/2010/main" val="1095276091"/>
       </p:ext>
     </p:extLst>
   </p:cSld>
   <p:clrMapOvr>
     <a:masterClrMapping/>
   </p:clrMapOvr>
+  <p:timing>
+    <p:tnLst>
+      <p:par>
+        <p:cTn xmlns:p14="http://schemas.microsoft.com/office/powerpoint/2010/main" id="1" dur="indefinite" restart="never" nodeType="tmRoot"/>
+      </p:par>
+    </p:tnLst>
+  </p:timing>
 </p:sld>
 </file>
 
@@ -5574,7 +6272,19 @@
           <a:p>
             <a:r>
               <a:rPr lang="en-US" dirty="0" smtClean="0"/>
-              <a:t>Case class </a:t>
+              <a:t>Pattern matching </a:t>
+            </a:r>
+            <a:r>
+              <a:rPr lang="en-US" dirty="0" err="1" smtClean="0"/>
+              <a:t>på</a:t>
+            </a:r>
+            <a:r>
+              <a:rPr lang="en-US" dirty="0" smtClean="0"/>
+              <a:t> </a:t>
+            </a:r>
+            <a:r>
+              <a:rPr lang="en-US" dirty="0" err="1" smtClean="0"/>
+              <a:t>verdi</a:t>
             </a:r>
             <a:endParaRPr lang="en-US" dirty="0"/>
           </a:p>
@@ -5601,268 +6311,142 @@
               <a:buNone/>
             </a:pPr>
             <a:r>
-              <a:rPr lang="en-US" sz="2000" dirty="0" err="1" smtClean="0"/>
-              <a:t>Er</a:t>
-            </a:r>
-            <a:r>
-              <a:rPr lang="en-US" sz="2000" dirty="0" smtClean="0"/>
-              <a:t> </a:t>
-            </a:r>
-            <a:r>
-              <a:rPr lang="en-US" sz="2000" dirty="0" err="1" smtClean="0"/>
-              <a:t>lik</a:t>
-            </a:r>
-            <a:r>
-              <a:rPr lang="en-US" sz="2000" dirty="0" smtClean="0"/>
-              <a:t> </a:t>
-            </a:r>
-            <a:r>
-              <a:rPr lang="en-US" sz="2000" dirty="0" err="1" smtClean="0"/>
-              <a:t>vanlige</a:t>
-            </a:r>
-            <a:r>
-              <a:rPr lang="en-US" sz="2000" dirty="0" smtClean="0"/>
-              <a:t> </a:t>
-            </a:r>
-            <a:r>
-              <a:rPr lang="en-US" sz="2000" dirty="0" err="1" smtClean="0"/>
-              <a:t>klasser</a:t>
-            </a:r>
-            <a:r>
-              <a:rPr lang="en-US" sz="2000" dirty="0" smtClean="0"/>
-              <a:t> </a:t>
-            </a:r>
-            <a:r>
-              <a:rPr lang="en-US" sz="2000" dirty="0" err="1" smtClean="0"/>
-              <a:t>som</a:t>
-            </a:r>
-            <a:r>
-              <a:rPr lang="en-US" sz="2000" dirty="0" smtClean="0"/>
-              <a:t> </a:t>
-            </a:r>
-            <a:r>
-              <a:rPr lang="en-US" sz="2000" dirty="0" err="1" smtClean="0"/>
-              <a:t>eksponerer</a:t>
-            </a:r>
-            <a:r>
-              <a:rPr lang="en-US" sz="2000" dirty="0" smtClean="0"/>
-              <a:t> constructor </a:t>
-            </a:r>
-            <a:r>
-              <a:rPr lang="en-US" sz="2000" dirty="0" err="1" smtClean="0"/>
-              <a:t>paremetrene</a:t>
-            </a:r>
-            <a:r>
-              <a:rPr lang="en-US" sz="2000" dirty="0" smtClean="0"/>
-              <a:t> </a:t>
-            </a:r>
-            <a:r>
-              <a:rPr lang="en-US" sz="2000" dirty="0" err="1" smtClean="0"/>
-              <a:t>og</a:t>
-            </a:r>
-            <a:r>
-              <a:rPr lang="en-US" sz="2000" dirty="0" smtClean="0"/>
-              <a:t> </a:t>
-            </a:r>
-            <a:r>
-              <a:rPr lang="en-US" sz="2000" dirty="0" err="1" smtClean="0"/>
-              <a:t>kan</a:t>
-            </a:r>
-            <a:r>
-              <a:rPr lang="en-US" sz="2000" dirty="0" smtClean="0"/>
-              <a:t> </a:t>
-            </a:r>
-            <a:r>
-              <a:rPr lang="en-US" sz="2000" dirty="0" err="1" smtClean="0"/>
-              <a:t>dekomponeres</a:t>
-            </a:r>
-            <a:r>
-              <a:rPr lang="en-US" sz="2000" dirty="0" smtClean="0"/>
-              <a:t> med pattern matching. </a:t>
-            </a:r>
-            <a:r>
-              <a:rPr lang="en-US" sz="2000" dirty="0" err="1" smtClean="0"/>
-              <a:t>Genererer</a:t>
-            </a:r>
-            <a:r>
-              <a:rPr lang="en-US" sz="2000" dirty="0" smtClean="0"/>
-              <a:t> </a:t>
-            </a:r>
-            <a:r>
-              <a:rPr lang="en-US" sz="2000" dirty="0" err="1" smtClean="0"/>
-              <a:t>også</a:t>
-            </a:r>
-            <a:r>
-              <a:rPr lang="en-US" sz="2000" dirty="0" smtClean="0"/>
-              <a:t> equals </a:t>
-            </a:r>
-            <a:r>
-              <a:rPr lang="en-US" sz="2000" dirty="0" err="1" smtClean="0"/>
-              <a:t>og</a:t>
-            </a:r>
-            <a:r>
-              <a:rPr lang="en-US" sz="2000" dirty="0" smtClean="0"/>
-              <a:t> hash </a:t>
-            </a:r>
-            <a:r>
-              <a:rPr lang="en-US" sz="2000" dirty="0" err="1" smtClean="0"/>
-              <a:t>kode</a:t>
-            </a:r>
-            <a:r>
-              <a:rPr lang="en-US" sz="2000" dirty="0"/>
-              <a:t>.</a:t>
-            </a:r>
-            <a:endParaRPr lang="en-US" sz="2000" dirty="0" smtClean="0"/>
+              <a:rPr lang="en-US" dirty="0" err="1"/>
+              <a:t>val</a:t>
+            </a:r>
+            <a:r>
+              <a:rPr lang="en-US" dirty="0"/>
+              <a:t> </a:t>
+            </a:r>
+            <a:r>
+              <a:rPr lang="en-US" dirty="0" err="1"/>
+              <a:t>anInteger</a:t>
+            </a:r>
+            <a:r>
+              <a:rPr lang="en-US" dirty="0"/>
+              <a:t> = 5 </a:t>
+            </a:r>
+            <a:endParaRPr lang="en-US" dirty="0" smtClean="0"/>
           </a:p>
           <a:p>
             <a:pPr marL="0" indent="0">
               <a:buNone/>
             </a:pPr>
-            <a:endParaRPr lang="en-US" sz="2000" dirty="0" smtClean="0"/>
+            <a:endParaRPr lang="en-US" dirty="0"/>
           </a:p>
           <a:p>
             <a:pPr marL="0" indent="0">
               <a:buNone/>
             </a:pPr>
             <a:r>
-              <a:rPr lang="en-US" sz="2000" dirty="0" err="1" smtClean="0"/>
-              <a:t>Eksempel</a:t>
-            </a:r>
-            <a:r>
-              <a:rPr lang="en-US" sz="2000" dirty="0" smtClean="0"/>
-              <a:t>:</a:t>
-            </a:r>
-            <a:endParaRPr lang="en-US" sz="2000" dirty="0"/>
+              <a:rPr lang="en-US" dirty="0" err="1" smtClean="0"/>
+              <a:t>anInteger</a:t>
+            </a:r>
+            <a:r>
+              <a:rPr lang="en-US" dirty="0" smtClean="0"/>
+              <a:t> </a:t>
+            </a:r>
+            <a:r>
+              <a:rPr lang="en-US" dirty="0"/>
+              <a:t>match { </a:t>
+            </a:r>
+            <a:endParaRPr lang="en-US" dirty="0" smtClean="0"/>
+          </a:p>
+          <a:p>
+            <a:pPr marL="400050" lvl="1" indent="0">
+              <a:buNone/>
+            </a:pPr>
+            <a:r>
+              <a:rPr lang="en-US" dirty="0" smtClean="0"/>
+              <a:t>case </a:t>
+            </a:r>
+            <a:r>
+              <a:rPr lang="en-US" dirty="0"/>
+              <a:t>1 =&gt; </a:t>
+            </a:r>
+            <a:r>
+              <a:rPr lang="en-US" dirty="0" err="1"/>
+              <a:t>println</a:t>
+            </a:r>
+            <a:r>
+              <a:rPr lang="en-US" dirty="0"/>
+              <a:t>(“Number One”) </a:t>
+            </a:r>
+            <a:endParaRPr lang="en-US" dirty="0" smtClean="0"/>
+          </a:p>
+          <a:p>
+            <a:pPr marL="400050" lvl="1" indent="0">
+              <a:buNone/>
+            </a:pPr>
+            <a:r>
+              <a:rPr lang="en-US" dirty="0" smtClean="0"/>
+              <a:t>case </a:t>
+            </a:r>
+            <a:r>
+              <a:rPr lang="en-US" dirty="0"/>
+              <a:t>2 =&gt; </a:t>
+            </a:r>
+            <a:r>
+              <a:rPr lang="en-US" dirty="0" err="1"/>
+              <a:t>println</a:t>
+            </a:r>
+            <a:r>
+              <a:rPr lang="en-US" dirty="0"/>
+              <a:t>(“Runner up”) </a:t>
+            </a:r>
+            <a:endParaRPr lang="en-US" dirty="0" smtClean="0"/>
+          </a:p>
+          <a:p>
+            <a:pPr marL="400050" lvl="1" indent="0">
+              <a:buNone/>
+            </a:pPr>
+            <a:r>
+              <a:rPr lang="en-US" dirty="0" smtClean="0"/>
+              <a:t>case </a:t>
+            </a:r>
+            <a:r>
+              <a:rPr lang="en-US" dirty="0"/>
+              <a:t>_ =&gt; </a:t>
+            </a:r>
+            <a:r>
+              <a:rPr lang="en-US" dirty="0" err="1"/>
+              <a:t>println</a:t>
+            </a:r>
+            <a:r>
+              <a:rPr lang="en-US" dirty="0"/>
+              <a:t>(“Everyone else”) </a:t>
+            </a:r>
+            <a:endParaRPr lang="en-US" dirty="0" smtClean="0"/>
           </a:p>
           <a:p>
             <a:pPr marL="0" indent="0">
               <a:buNone/>
             </a:pPr>
             <a:r>
-              <a:rPr lang="en-US" sz="2000" dirty="0" smtClean="0"/>
-              <a:t>case </a:t>
-            </a:r>
-            <a:r>
-              <a:rPr lang="en-US" sz="2000" dirty="0"/>
-              <a:t>class Person( </a:t>
-            </a:r>
-            <a:r>
-              <a:rPr lang="en-US" sz="2000" dirty="0" err="1"/>
-              <a:t>firstname</a:t>
-            </a:r>
-            <a:r>
-              <a:rPr lang="en-US" sz="2000" dirty="0"/>
-              <a:t>: String, </a:t>
-            </a:r>
-            <a:r>
-              <a:rPr lang="en-US" sz="2000" dirty="0" err="1" smtClean="0"/>
-              <a:t>lastname:String</a:t>
-            </a:r>
-            <a:r>
-              <a:rPr lang="en-US" sz="2000" dirty="0" smtClean="0"/>
-              <a:t> </a:t>
-            </a:r>
-            <a:r>
-              <a:rPr lang="en-US" sz="2000" dirty="0"/>
-              <a:t>) </a:t>
-            </a:r>
-            <a:endParaRPr lang="en-US" sz="2000" dirty="0" smtClean="0"/>
-          </a:p>
-          <a:p>
-            <a:pPr marL="0" indent="0">
-              <a:buNone/>
-            </a:pPr>
-            <a:endParaRPr lang="en-US" sz="2000" dirty="0"/>
-          </a:p>
-          <a:p>
-            <a:pPr marL="0" indent="0">
-              <a:buNone/>
-            </a:pPr>
-            <a:r>
-              <a:rPr lang="en-US" sz="2000" dirty="0" err="1" smtClean="0"/>
-              <a:t>instansieres</a:t>
-            </a:r>
-            <a:r>
-              <a:rPr lang="en-US" sz="2000" dirty="0" smtClean="0"/>
-              <a:t> </a:t>
-            </a:r>
-            <a:r>
-              <a:rPr lang="en-US" sz="2000" dirty="0" err="1" smtClean="0"/>
-              <a:t>uten</a:t>
-            </a:r>
-            <a:r>
-              <a:rPr lang="en-US" sz="2000" dirty="0"/>
-              <a:t> </a:t>
-            </a:r>
-            <a:r>
-              <a:rPr lang="en-US" sz="2000" dirty="0" smtClean="0"/>
-              <a:t>new!</a:t>
-            </a:r>
-          </a:p>
-          <a:p>
-            <a:pPr marL="0" indent="0">
-              <a:buNone/>
-            </a:pPr>
-            <a:r>
-              <a:rPr lang="en-US" sz="2000" dirty="0" err="1"/>
-              <a:t>val</a:t>
-            </a:r>
-            <a:r>
-              <a:rPr lang="en-US" sz="2000" dirty="0"/>
-              <a:t> p = Person(</a:t>
-            </a:r>
-            <a:r>
-              <a:rPr lang="en-US" sz="2000" dirty="0" smtClean="0"/>
-              <a:t>“Jan Erik”</a:t>
-            </a:r>
-            <a:r>
-              <a:rPr lang="en-US" sz="2000" dirty="0"/>
-              <a:t>, </a:t>
-            </a:r>
-            <a:r>
-              <a:rPr lang="en-US" sz="2000" dirty="0" smtClean="0"/>
-              <a:t>“Svendsen”</a:t>
-            </a:r>
-            <a:r>
-              <a:rPr lang="en-US" sz="2000" dirty="0"/>
-              <a:t>) </a:t>
-            </a:r>
-            <a:endParaRPr lang="en-US" sz="2000" dirty="0" smtClean="0"/>
-          </a:p>
-          <a:p>
-            <a:pPr marL="0" indent="0">
-              <a:buNone/>
-            </a:pPr>
-            <a:endParaRPr lang="en-US" sz="2000" dirty="0" smtClean="0"/>
-          </a:p>
-          <a:p>
-            <a:pPr marL="0" indent="0">
-              <a:buNone/>
-            </a:pPr>
-            <a:endParaRPr lang="en-US" sz="2000" dirty="0" smtClean="0">
-              <a:effectLst/>
-            </a:endParaRPr>
-          </a:p>
-          <a:p>
-            <a:pPr marL="0" indent="0">
-              <a:buNone/>
-            </a:pPr>
-            <a:endParaRPr lang="en-US" sz="2000" dirty="0">
-              <a:effectLst/>
-            </a:endParaRPr>
+              <a:rPr lang="en-US" dirty="0" smtClean="0"/>
+              <a:t>}</a:t>
+            </a:r>
+            <a:endParaRPr lang="en-US" sz="1600" dirty="0"/>
           </a:p>
         </p:txBody>
       </p:sp>
     </p:spTree>
     <p:extLst>
       <p:ext uri="{BB962C8B-B14F-4D97-AF65-F5344CB8AC3E}">
-        <p14:creationId xmlns:p14="http://schemas.microsoft.com/office/powerpoint/2010/main" val="1095276091"/>
+        <p14:creationId xmlns:p14="http://schemas.microsoft.com/office/powerpoint/2010/main" val="1351268960"/>
       </p:ext>
     </p:extLst>
   </p:cSld>
   <p:clrMapOvr>
     <a:masterClrMapping/>
   </p:clrMapOvr>
+  <p:timing>
+    <p:tnLst>
+      <p:par>
+        <p:cTn xmlns:p14="http://schemas.microsoft.com/office/powerpoint/2010/main" id="1" dur="indefinite" restart="never" nodeType="tmRoot"/>
+      </p:par>
+    </p:tnLst>
+  </p:timing>
 </p:sld>
 </file>
 
@@ -5908,11 +6492,7 @@
             </a:r>
             <a:r>
               <a:rPr lang="en-US" dirty="0" smtClean="0"/>
-              <a:t> </a:t>
-            </a:r>
-            <a:r>
-              <a:rPr lang="en-US" dirty="0" err="1" smtClean="0"/>
-              <a:t>verdi</a:t>
+              <a:t> type</a:t>
             </a:r>
             <a:endParaRPr lang="en-US" dirty="0"/>
           </a:p>
@@ -5930,67 +6510,41 @@
         </p:nvSpPr>
         <p:spPr/>
         <p:txBody>
-          <a:bodyPr>
-            <a:normAutofit/>
-          </a:bodyPr>
+          <a:bodyPr/>
           <a:lstStyle/>
           <a:p>
             <a:pPr marL="0" indent="0">
               <a:buNone/>
             </a:pPr>
             <a:r>
-              <a:rPr lang="en-US" dirty="0" err="1"/>
-              <a:t>val</a:t>
-            </a:r>
-            <a:r>
               <a:rPr lang="en-US" dirty="0"/>
-              <a:t> </a:t>
-            </a:r>
-            <a:r>
-              <a:rPr lang="en-US" dirty="0" err="1"/>
-              <a:t>anInteger</a:t>
+              <a:t>something match { </a:t>
+            </a:r>
+            <a:endParaRPr lang="en-US" dirty="0" smtClean="0"/>
+          </a:p>
+          <a:p>
+            <a:pPr marL="400050" lvl="1" indent="0">
+              <a:buNone/>
+            </a:pPr>
+            <a:r>
+              <a:rPr lang="en-US" dirty="0" smtClean="0"/>
+              <a:t>case </a:t>
+            </a:r>
+            <a:r>
+              <a:rPr lang="en-US" b="1" dirty="0" err="1"/>
+              <a:t>i</a:t>
+            </a:r>
+            <a:r>
+              <a:rPr lang="en-US" b="1" dirty="0"/>
+              <a:t>: </a:t>
+            </a:r>
+            <a:r>
+              <a:rPr lang="en-US" b="1" dirty="0" err="1"/>
+              <a:t>Int</a:t>
             </a:r>
             <a:r>
               <a:rPr lang="en-US" dirty="0"/>
-              <a:t> = 5 </a:t>
-            </a:r>
-            <a:endParaRPr lang="en-US" dirty="0" smtClean="0"/>
-          </a:p>
-          <a:p>
-            <a:pPr marL="0" indent="0">
-              <a:buNone/>
-            </a:pPr>
-            <a:endParaRPr lang="en-US" dirty="0"/>
-          </a:p>
-          <a:p>
-            <a:pPr marL="0" indent="0">
-              <a:buNone/>
-            </a:pPr>
-            <a:r>
-              <a:rPr lang="en-US" dirty="0" err="1" smtClean="0"/>
-              <a:t>anInteger</a:t>
-            </a:r>
-            <a:r>
-              <a:rPr lang="en-US" dirty="0" smtClean="0"/>
-              <a:t> </a:t>
-            </a:r>
-            <a:r>
-              <a:rPr lang="en-US" dirty="0"/>
-              <a:t>match { </a:t>
-            </a:r>
-            <a:endParaRPr lang="en-US" dirty="0" smtClean="0"/>
-          </a:p>
-          <a:p>
-            <a:pPr marL="400050" lvl="1" indent="0">
-              <a:buNone/>
-            </a:pPr>
-            <a:r>
-              <a:rPr lang="en-US" dirty="0" smtClean="0"/>
-              <a:t>case </a:t>
-            </a:r>
-            <a:r>
-              <a:rPr lang="en-US" dirty="0"/>
-              <a:t>1 =&gt; </a:t>
+              <a:t> =&gt; </a:t>
             </a:r>
             <a:r>
               <a:rPr lang="en-US" dirty="0" err="1"/>
@@ -5998,7 +6552,15 @@
             </a:r>
             <a:r>
               <a:rPr lang="en-US" dirty="0"/>
-              <a:t>(“Number One”) </a:t>
+              <a:t>(“Found a number: ” + </a:t>
+            </a:r>
+            <a:r>
+              <a:rPr lang="en-US" dirty="0" err="1"/>
+              <a:t>i</a:t>
+            </a:r>
+            <a:r>
+              <a:rPr lang="en-US" dirty="0"/>
+              <a:t>) </a:t>
             </a:r>
             <a:endParaRPr lang="en-US" dirty="0" smtClean="0"/>
           </a:p>
@@ -6011,8 +6573,12 @@
               <a:t>case </a:t>
             </a:r>
             <a:r>
+              <a:rPr lang="en-US" b="1" dirty="0"/>
+              <a:t>s: String</a:t>
+            </a:r>
+            <a:r>
               <a:rPr lang="en-US" dirty="0"/>
-              <a:t>2 =&gt; </a:t>
+              <a:t> =&gt; </a:t>
             </a:r>
             <a:r>
               <a:rPr lang="en-US" dirty="0" err="1"/>
@@ -6020,7 +6586,7 @@
             </a:r>
             <a:r>
               <a:rPr lang="en-US" dirty="0"/>
-              <a:t>(“Runner up”) </a:t>
+              <a:t>(“Found a string: ” + s) </a:t>
             </a:r>
             <a:endParaRPr lang="en-US" dirty="0" smtClean="0"/>
           </a:p>
@@ -6042,9 +6608,12 @@
             </a:r>
             <a:r>
               <a:rPr lang="en-US" dirty="0"/>
-              <a:t>(“Everyone else”) </a:t>
-            </a:r>
-            <a:endParaRPr lang="en-US" dirty="0" smtClean="0"/>
+              <a:t>(“Found unsupported type”</a:t>
+            </a:r>
+            <a:r>
+              <a:rPr lang="en-US" dirty="0" smtClean="0"/>
+              <a:t>)</a:t>
+            </a:r>
           </a:p>
           <a:p>
             <a:pPr marL="0" indent="0">
@@ -6052,22 +6621,38 @@
             </a:pPr>
             <a:r>
               <a:rPr lang="en-US" dirty="0" smtClean="0"/>
-              <a:t>}</a:t>
-            </a:r>
-            <a:endParaRPr lang="en-US" sz="1600" dirty="0"/>
+              <a:t> </a:t>
+            </a:r>
+            <a:r>
+              <a:rPr lang="en-US" dirty="0"/>
+              <a:t>} </a:t>
+            </a:r>
+          </a:p>
+          <a:p>
+            <a:pPr marL="0" indent="0">
+              <a:buNone/>
+            </a:pPr>
+            <a:endParaRPr lang="en-US" dirty="0"/>
           </a:p>
         </p:txBody>
       </p:sp>
     </p:spTree>
     <p:extLst>
       <p:ext uri="{BB962C8B-B14F-4D97-AF65-F5344CB8AC3E}">
-        <p14:creationId xmlns:p14="http://schemas.microsoft.com/office/powerpoint/2010/main" val="1351268960"/>
+        <p14:creationId xmlns:p14="http://schemas.microsoft.com/office/powerpoint/2010/main" val="3559961699"/>
       </p:ext>
     </p:extLst>
   </p:cSld>
   <p:clrMapOvr>
     <a:masterClrMapping/>
   </p:clrMapOvr>
+  <p:timing>
+    <p:tnLst>
+      <p:par>
+        <p:cTn xmlns:p14="http://schemas.microsoft.com/office/powerpoint/2010/main" id="1" dur="indefinite" restart="never" nodeType="tmRoot"/>
+      </p:par>
+    </p:tnLst>
+  </p:timing>
 </p:sld>
 </file>
 

--- a/presentation/FunctionalProgramming0.pptx
+++ b/presentation/FunctionalProgramming0.pptx
@@ -4564,13 +4564,8 @@
             </a:pPr>
             <a:r>
               <a:rPr lang="en-US" sz="2800" dirty="0" smtClean="0"/>
-              <a:t>// object = </a:t>
-            </a:r>
-            <a:r>
-              <a:rPr lang="en-US" sz="2800" smtClean="0"/>
-              <a:t>singleton object</a:t>
-            </a:r>
-            <a:endParaRPr lang="en-US" sz="2800" dirty="0" smtClean="0"/>
+              <a:t>// object = singleton object</a:t>
+            </a:r>
           </a:p>
           <a:p>
             <a:pPr marL="0" indent="0">
@@ -4693,7 +4688,9 @@
         </p:nvSpPr>
         <p:spPr/>
         <p:txBody>
-          <a:bodyPr/>
+          <a:bodyPr>
+            <a:normAutofit/>
+          </a:bodyPr>
           <a:lstStyle/>
           <a:p>
             <a:pPr marL="0" indent="0">
@@ -4777,8 +4774,12 @@
               <a:buNone/>
             </a:pPr>
             <a:r>
+              <a:rPr lang="en-US" sz="2800" dirty="0" smtClean="0"/>
+              <a:t>Vi </a:t>
+            </a:r>
+            <a:r>
               <a:rPr lang="en-US" sz="2800" dirty="0" err="1" smtClean="0"/>
-              <a:t>Funksjoner</a:t>
+              <a:t>bygger</a:t>
             </a:r>
             <a:r>
               <a:rPr lang="en-US" sz="2800" dirty="0" smtClean="0"/>
@@ -4786,7 +4787,7 @@
             </a:r>
             <a:r>
               <a:rPr lang="en-US" sz="2800" dirty="0" err="1" smtClean="0"/>
-              <a:t>er</a:t>
+              <a:t>opp</a:t>
             </a:r>
             <a:r>
               <a:rPr lang="en-US" sz="2800" dirty="0" smtClean="0"/>
@@ -4794,7 +4795,7 @@
             </a:r>
             <a:r>
               <a:rPr lang="en-US" sz="2800" dirty="0" err="1" smtClean="0"/>
-              <a:t>førsteklasses</a:t>
+              <a:t>programmende</a:t>
             </a:r>
             <a:r>
               <a:rPr lang="en-US" sz="2800" dirty="0" smtClean="0"/>
@@ -4802,7 +4803,23 @@
             </a:r>
             <a:r>
               <a:rPr lang="en-US" sz="2800" dirty="0" err="1" smtClean="0"/>
-              <a:t>entiter</a:t>
+              <a:t>ved</a:t>
+            </a:r>
+            <a:r>
+              <a:rPr lang="en-US" sz="2800" dirty="0" smtClean="0"/>
+              <a:t> </a:t>
+            </a:r>
+            <a:r>
+              <a:rPr lang="en-US" sz="2800" dirty="0" err="1" smtClean="0"/>
+              <a:t>komponerer</a:t>
+            </a:r>
+            <a:r>
+              <a:rPr lang="en-US" sz="2800" dirty="0" smtClean="0"/>
+              <a:t> </a:t>
+            </a:r>
+            <a:r>
+              <a:rPr lang="en-US" sz="2800" dirty="0" err="1" smtClean="0"/>
+              <a:t>funksjoner</a:t>
             </a:r>
             <a:r>
               <a:rPr lang="en-US" sz="2800" dirty="0" smtClean="0"/>
@@ -4814,16 +4831,12 @@
               <a:buNone/>
             </a:pPr>
             <a:r>
+              <a:rPr lang="en-US" sz="2800" dirty="0" smtClean="0"/>
+              <a:t>Vi </a:t>
+            </a:r>
+            <a:r>
               <a:rPr lang="en-US" sz="2800" dirty="0" err="1" smtClean="0"/>
-              <a:t>Funksjoner</a:t>
-            </a:r>
-            <a:r>
-              <a:rPr lang="en-US" sz="2800" dirty="0" smtClean="0"/>
-              <a:t> </a:t>
-            </a:r>
-            <a:r>
-              <a:rPr lang="en-US" sz="2800" dirty="0" err="1" smtClean="0"/>
-              <a:t>har</a:t>
+              <a:t>foretrekker</a:t>
             </a:r>
             <a:r>
               <a:rPr lang="en-US" sz="2800" dirty="0" smtClean="0"/>
@@ -4834,16 +4847,84 @@
               <a:t>ikke</a:t>
             </a:r>
             <a:r>
-              <a:rPr lang="en-US" sz="2800" dirty="0"/>
-              <a:t> </a:t>
+              <a:rPr lang="en-US" sz="2800" dirty="0" err="1"/>
+              <a:t>-</a:t>
+            </a:r>
+            <a:r>
+              <a:rPr lang="en-US" sz="2800" dirty="0" err="1" smtClean="0"/>
+              <a:t>muterbare</a:t>
             </a:r>
             <a:r>
               <a:rPr lang="en-US" sz="2800" dirty="0" smtClean="0"/>
-              <a:t>side </a:t>
+              <a:t> data </a:t>
             </a:r>
             <a:r>
               <a:rPr lang="en-US" sz="2800" dirty="0" err="1" smtClean="0"/>
-              <a:t>effekter</a:t>
+              <a:t>og</a:t>
+            </a:r>
+            <a:r>
+              <a:rPr lang="en-US" sz="2800" dirty="0" smtClean="0"/>
+              <a:t> </a:t>
+            </a:r>
+            <a:r>
+              <a:rPr lang="en-US" sz="2800" dirty="0" err="1" smtClean="0"/>
+              <a:t>datastrukturer</a:t>
+            </a:r>
+            <a:r>
+              <a:rPr lang="en-US" sz="2800" dirty="0" smtClean="0"/>
+              <a:t> </a:t>
+            </a:r>
+            <a:r>
+              <a:rPr lang="en-US" sz="2800" dirty="0" err="1" smtClean="0"/>
+              <a:t>hvor</a:t>
+            </a:r>
+            <a:r>
+              <a:rPr lang="en-US" sz="2800" dirty="0" smtClean="0"/>
+              <a:t> </a:t>
+            </a:r>
+            <a:r>
+              <a:rPr lang="en-US" sz="2800" smtClean="0"/>
+              <a:t>funksjoner</a:t>
+            </a:r>
+            <a:r>
+              <a:rPr lang="en-US" sz="2800" dirty="0" smtClean="0"/>
+              <a:t> </a:t>
+            </a:r>
+            <a:r>
+              <a:rPr lang="en-US" sz="2800" dirty="0" err="1" smtClean="0"/>
+              <a:t>transformere</a:t>
+            </a:r>
+            <a:r>
+              <a:rPr lang="en-US" sz="2800" dirty="0" smtClean="0"/>
+              <a:t> </a:t>
+            </a:r>
+            <a:r>
+              <a:rPr lang="en-US" sz="2800" dirty="0" err="1" smtClean="0"/>
+              <a:t>fra</a:t>
+            </a:r>
+            <a:r>
+              <a:rPr lang="en-US" sz="2800" dirty="0" smtClean="0"/>
+              <a:t> en </a:t>
+            </a:r>
+            <a:r>
+              <a:rPr lang="en-US" sz="2800" dirty="0" err="1" smtClean="0"/>
+              <a:t>tilstand</a:t>
+            </a:r>
+            <a:r>
+              <a:rPr lang="en-US" sz="2800" dirty="0" smtClean="0"/>
+              <a:t> </a:t>
+            </a:r>
+            <a:r>
+              <a:rPr lang="en-US" sz="2800" dirty="0" err="1" smtClean="0"/>
+              <a:t>til</a:t>
+            </a:r>
+            <a:r>
+              <a:rPr lang="en-US" sz="2800" dirty="0" smtClean="0"/>
+              <a:t> en </a:t>
+            </a:r>
+            <a:r>
+              <a:rPr lang="en-US" sz="2800" dirty="0" err="1" smtClean="0"/>
+              <a:t>annen</a:t>
             </a:r>
             <a:r>
               <a:rPr lang="en-US" sz="2800" dirty="0" smtClean="0"/>
@@ -4856,7 +4937,7 @@
             </a:pPr>
             <a:r>
               <a:rPr lang="en-US" sz="2800" dirty="0" err="1" smtClean="0"/>
-              <a:t>Datastrukturer</a:t>
+              <a:t>Tenke</a:t>
             </a:r>
             <a:r>
               <a:rPr lang="en-US" sz="2800" dirty="0" smtClean="0"/>
@@ -4864,43 +4945,11 @@
             </a:r>
             <a:r>
               <a:rPr lang="en-US" sz="2800" dirty="0" err="1" smtClean="0"/>
-              <a:t>er</a:t>
+              <a:t>unix</a:t>
             </a:r>
             <a:r>
               <a:rPr lang="en-US" sz="2800" dirty="0" smtClean="0"/>
-              <a:t> </a:t>
-            </a:r>
-            <a:r>
-              <a:rPr lang="en-US" sz="2800" dirty="0" err="1" smtClean="0"/>
-              <a:t>ikke</a:t>
-            </a:r>
-            <a:r>
-              <a:rPr lang="en-US" sz="2800" dirty="0" smtClean="0"/>
-              <a:t> </a:t>
-            </a:r>
-            <a:r>
-              <a:rPr lang="en-US" sz="2800" dirty="0" err="1" smtClean="0"/>
-              <a:t>muterbare</a:t>
-            </a:r>
-            <a:r>
-              <a:rPr lang="en-US" sz="2800" dirty="0" smtClean="0"/>
-              <a:t> men vi </a:t>
-            </a:r>
-            <a:r>
-              <a:rPr lang="en-US" sz="2800" dirty="0" err="1" smtClean="0"/>
-              <a:t>transformerer</a:t>
-            </a:r>
-            <a:r>
-              <a:rPr lang="en-US" sz="2800" dirty="0" smtClean="0"/>
-              <a:t> data med </a:t>
-            </a:r>
-            <a:r>
-              <a:rPr lang="en-US" sz="2800" dirty="0" err="1" smtClean="0"/>
-              <a:t>funksjoner</a:t>
-            </a:r>
-            <a:r>
-              <a:rPr lang="en-US" sz="2800" dirty="0" smtClean="0"/>
-              <a:t>.</a:t>
+              <a:t> pipes</a:t>
             </a:r>
           </a:p>
           <a:p>
